--- a/teamproject 1차/ppt/2조빅데이터프로젝트.pptx
+++ b/teamproject 1차/ppt/2조빅데이터프로젝트.pptx
@@ -1,20 +1,68 @@
 
 <file path=ppt/presentation.xml><?xml version="1.0" encoding="utf-8"?>
-<p:presentation xmlns:a="http://schemas.openxmlformats.org/drawingml/2006/main" xmlns:r="http://schemas.openxmlformats.org/officeDocument/2006/relationships" xmlns:p="http://schemas.openxmlformats.org/presentationml/2006/main" saveSubsetFonts="1">
+<p:presentation xmlns:a="http://schemas.openxmlformats.org/drawingml/2006/main" xmlns:r="http://schemas.openxmlformats.org/officeDocument/2006/relationships" xmlns:p="http://schemas.openxmlformats.org/presentationml/2006/main" embedTrueTypeFonts="1" saveSubsetFonts="1">
   <p:sldMasterIdLst>
     <p:sldMasterId id="2147483648" r:id="rId1"/>
   </p:sldMasterIdLst>
   <p:sldIdLst>
     <p:sldId id="256" r:id="rId2"/>
-    <p:sldId id="264" r:id="rId3"/>
-    <p:sldId id="268" r:id="rId4"/>
-    <p:sldId id="269" r:id="rId5"/>
-    <p:sldId id="265" r:id="rId6"/>
-    <p:sldId id="270" r:id="rId7"/>
-    <p:sldId id="267" r:id="rId8"/>
+    <p:sldId id="273" r:id="rId3"/>
+    <p:sldId id="264" r:id="rId4"/>
+    <p:sldId id="268" r:id="rId5"/>
+    <p:sldId id="272" r:id="rId6"/>
+    <p:sldId id="269" r:id="rId7"/>
+    <p:sldId id="265" r:id="rId8"/>
+    <p:sldId id="270" r:id="rId9"/>
+    <p:sldId id="274" r:id="rId10"/>
+    <p:sldId id="267" r:id="rId11"/>
   </p:sldIdLst>
   <p:sldSz cx="12192000" cy="6858000"/>
   <p:notesSz cx="6858000" cy="9144000"/>
+  <p:embeddedFontLst>
+    <p:embeddedFont>
+      <p:font typeface="Arial Black" panose="020B0A04020102020204" pitchFamily="34" charset="0"/>
+      <p:bold r:id="rId12"/>
+    </p:embeddedFont>
+    <p:embeddedFont>
+      <p:font typeface="a로케트" panose="02020600000000000000" pitchFamily="18" charset="-127"/>
+      <p:regular r:id="rId13"/>
+    </p:embeddedFont>
+    <p:embeddedFont>
+      <p:font typeface="a타이틀고딕3" panose="02020600000000000000" pitchFamily="18" charset="-127"/>
+      <p:regular r:id="rId14"/>
+    </p:embeddedFont>
+    <p:embeddedFont>
+      <p:font typeface="Bahnschrift Condensed" panose="020B0502040204020203" pitchFamily="34" charset="0"/>
+      <p:regular r:id="rId15"/>
+      <p:bold r:id="rId16"/>
+    </p:embeddedFont>
+    <p:embeddedFont>
+      <p:font typeface="HY헤드라인M" panose="02030600000101010101" pitchFamily="18" charset="-127"/>
+      <p:regular r:id="rId17"/>
+    </p:embeddedFont>
+    <p:embeddedFont>
+      <p:font typeface="Impact" panose="020B0806030902050204" pitchFamily="34" charset="0"/>
+      <p:regular r:id="rId18"/>
+    </p:embeddedFont>
+    <p:embeddedFont>
+      <p:font typeface="KoPub돋움체 Bold" panose="00000800000000000000" pitchFamily="2" charset="-127"/>
+      <p:bold r:id="rId19"/>
+    </p:embeddedFont>
+    <p:embeddedFont>
+      <p:font typeface="Leelawadee" panose="020B0502040204020203" pitchFamily="34" charset="-34"/>
+      <p:regular r:id="rId20"/>
+      <p:bold r:id="rId21"/>
+    </p:embeddedFont>
+    <p:embeddedFont>
+      <p:font typeface="나눔손글씨 펜" panose="03040600000000000000" pitchFamily="66" charset="-127"/>
+      <p:regular r:id="rId22"/>
+    </p:embeddedFont>
+    <p:embeddedFont>
+      <p:font typeface="맑은 고딕" panose="020B0503020000020004" pitchFamily="50" charset="-127"/>
+      <p:regular r:id="rId23"/>
+      <p:bold r:id="rId24"/>
+    </p:embeddedFont>
+  </p:embeddedFontLst>
   <p:defaultTextStyle>
     <a:defPPr>
       <a:defRPr lang="ko-KR"/>
@@ -5343,6 +5391,617 @@
 </p:sld>
 </file>
 
+<file path=ppt/slides/slide10.xml><?xml version="1.0" encoding="utf-8"?>
+<p:sld xmlns:a="http://schemas.openxmlformats.org/drawingml/2006/main" xmlns:r="http://schemas.openxmlformats.org/officeDocument/2006/relationships" xmlns:p="http://schemas.openxmlformats.org/presentationml/2006/main">
+  <p:cSld>
+    <p:bg>
+      <p:bgPr>
+        <a:solidFill>
+          <a:schemeClr val="bg1"/>
+        </a:solidFill>
+        <a:effectLst/>
+      </p:bgPr>
+    </p:bg>
+    <p:spTree>
+      <p:nvGrpSpPr>
+        <p:cNvPr id="1" name=""/>
+        <p:cNvGrpSpPr/>
+        <p:nvPr/>
+      </p:nvGrpSpPr>
+      <p:grpSpPr>
+        <a:xfrm>
+          <a:off x="0" y="0"/>
+          <a:ext cx="0" cy="0"/>
+          <a:chOff x="0" y="0"/>
+          <a:chExt cx="0" cy="0"/>
+        </a:xfrm>
+      </p:grpSpPr>
+      <p:pic>
+        <p:nvPicPr>
+          <p:cNvPr id="9" name="그림 8">
+            <a:extLst>
+              <a:ext uri="{FF2B5EF4-FFF2-40B4-BE49-F238E27FC236}">
+                <a16:creationId xmlns:a16="http://schemas.microsoft.com/office/drawing/2014/main" id="{3F8C2DEF-E4C4-4D25-901E-9BC60836EC91}"/>
+              </a:ext>
+            </a:extLst>
+          </p:cNvPr>
+          <p:cNvPicPr>
+            <a:picLocks noChangeAspect="1"/>
+          </p:cNvPicPr>
+          <p:nvPr/>
+        </p:nvPicPr>
+        <p:blipFill>
+          <a:blip r:embed="rId2">
+            <a:extLst>
+              <a:ext uri="{28A0092B-C50C-407E-A947-70E740481C1C}">
+                <a14:useLocalDpi xmlns:a14="http://schemas.microsoft.com/office/drawing/2010/main" val="0"/>
+              </a:ext>
+            </a:extLst>
+          </a:blip>
+          <a:stretch>
+            <a:fillRect/>
+          </a:stretch>
+        </p:blipFill>
+        <p:spPr>
+          <a:xfrm>
+            <a:off x="3295744" y="1554871"/>
+            <a:ext cx="5600512" cy="3748258"/>
+          </a:xfrm>
+          <a:prstGeom prst="rect">
+            <a:avLst/>
+          </a:prstGeom>
+        </p:spPr>
+      </p:pic>
+      <p:sp>
+        <p:nvSpPr>
+          <p:cNvPr id="12" name="직사각형 11">
+            <a:extLst>
+              <a:ext uri="{FF2B5EF4-FFF2-40B4-BE49-F238E27FC236}">
+                <a16:creationId xmlns:a16="http://schemas.microsoft.com/office/drawing/2014/main" id="{D4959F00-6E4B-40D7-8B1D-82DA7045A2E0}"/>
+              </a:ext>
+            </a:extLst>
+          </p:cNvPr>
+          <p:cNvSpPr/>
+          <p:nvPr/>
+        </p:nvSpPr>
+        <p:spPr>
+          <a:xfrm>
+            <a:off x="1879332" y="4252633"/>
+            <a:ext cx="1841127" cy="2100991"/>
+          </a:xfrm>
+          <a:prstGeom prst="rect">
+            <a:avLst/>
+          </a:prstGeom>
+          <a:noFill/>
+          <a:ln w="95250">
+            <a:solidFill>
+              <a:schemeClr val="accent1">
+                <a:lumMod val="50000"/>
+              </a:schemeClr>
+            </a:solidFill>
+          </a:ln>
+          <a:effectLst>
+            <a:outerShdw blurRad="50800" dist="88900" dir="2700000" algn="tl" rotWithShape="0">
+              <a:prstClr val="black">
+                <a:alpha val="40000"/>
+              </a:prstClr>
+            </a:outerShdw>
+          </a:effectLst>
+        </p:spPr>
+        <p:style>
+          <a:lnRef idx="2">
+            <a:schemeClr val="accent1">
+              <a:shade val="50000"/>
+            </a:schemeClr>
+          </a:lnRef>
+          <a:fillRef idx="1">
+            <a:schemeClr val="accent1"/>
+          </a:fillRef>
+          <a:effectRef idx="0">
+            <a:schemeClr val="accent1"/>
+          </a:effectRef>
+          <a:fontRef idx="minor">
+            <a:schemeClr val="lt1"/>
+          </a:fontRef>
+        </p:style>
+        <p:txBody>
+          <a:bodyPr rtlCol="0" anchor="ctr"/>
+          <a:lstStyle/>
+          <a:p>
+            <a:pPr algn="ctr"/>
+            <a:endParaRPr lang="ko-KR" altLang="en-US" dirty="0">
+              <a:solidFill>
+                <a:schemeClr val="bg1"/>
+              </a:solidFill>
+            </a:endParaRPr>
+          </a:p>
+        </p:txBody>
+      </p:sp>
+      <p:sp>
+        <p:nvSpPr>
+          <p:cNvPr id="13" name="직사각형 12">
+            <a:extLst>
+              <a:ext uri="{FF2B5EF4-FFF2-40B4-BE49-F238E27FC236}">
+                <a16:creationId xmlns:a16="http://schemas.microsoft.com/office/drawing/2014/main" id="{E8457A9C-8828-45E5-8C43-8EA391CC31F4}"/>
+              </a:ext>
+            </a:extLst>
+          </p:cNvPr>
+          <p:cNvSpPr/>
+          <p:nvPr/>
+        </p:nvSpPr>
+        <p:spPr>
+          <a:xfrm>
+            <a:off x="8674785" y="700012"/>
+            <a:ext cx="2484627" cy="1270721"/>
+          </a:xfrm>
+          <a:prstGeom prst="rect">
+            <a:avLst/>
+          </a:prstGeom>
+          <a:noFill/>
+          <a:ln w="95250">
+            <a:solidFill>
+              <a:srgbClr val="FFC000"/>
+            </a:solidFill>
+          </a:ln>
+          <a:effectLst>
+            <a:outerShdw blurRad="50800" dist="88900" dir="2700000" algn="tl" rotWithShape="0">
+              <a:prstClr val="black">
+                <a:alpha val="40000"/>
+              </a:prstClr>
+            </a:outerShdw>
+          </a:effectLst>
+        </p:spPr>
+        <p:style>
+          <a:lnRef idx="2">
+            <a:schemeClr val="accent1">
+              <a:shade val="50000"/>
+            </a:schemeClr>
+          </a:lnRef>
+          <a:fillRef idx="1">
+            <a:schemeClr val="accent1"/>
+          </a:fillRef>
+          <a:effectRef idx="0">
+            <a:schemeClr val="accent1"/>
+          </a:effectRef>
+          <a:fontRef idx="minor">
+            <a:schemeClr val="lt1"/>
+          </a:fontRef>
+        </p:style>
+        <p:txBody>
+          <a:bodyPr rtlCol="0" anchor="ctr"/>
+          <a:lstStyle/>
+          <a:p>
+            <a:pPr algn="ctr"/>
+            <a:endParaRPr lang="ko-KR" altLang="en-US">
+              <a:solidFill>
+                <a:schemeClr val="bg1"/>
+              </a:solidFill>
+            </a:endParaRPr>
+          </a:p>
+        </p:txBody>
+      </p:sp>
+      <p:sp>
+        <p:nvSpPr>
+          <p:cNvPr id="15" name="직사각형 14">
+            <a:extLst>
+              <a:ext uri="{FF2B5EF4-FFF2-40B4-BE49-F238E27FC236}">
+                <a16:creationId xmlns:a16="http://schemas.microsoft.com/office/drawing/2014/main" id="{908B1102-9107-4125-9BB3-C2089AA7330F}"/>
+              </a:ext>
+            </a:extLst>
+          </p:cNvPr>
+          <p:cNvSpPr/>
+          <p:nvPr/>
+        </p:nvSpPr>
+        <p:spPr>
+          <a:xfrm>
+            <a:off x="-139960" y="-93307"/>
+            <a:ext cx="1240971" cy="1415959"/>
+          </a:xfrm>
+          <a:prstGeom prst="rect">
+            <a:avLst/>
+          </a:prstGeom>
+          <a:noFill/>
+          <a:ln w="76200">
+            <a:solidFill>
+              <a:srgbClr val="0070C0"/>
+            </a:solidFill>
+          </a:ln>
+          <a:effectLst>
+            <a:outerShdw blurRad="50800" dist="88900" dir="2700000" algn="tl" rotWithShape="0">
+              <a:prstClr val="black">
+                <a:alpha val="40000"/>
+              </a:prstClr>
+            </a:outerShdw>
+          </a:effectLst>
+        </p:spPr>
+        <p:style>
+          <a:lnRef idx="2">
+            <a:schemeClr val="accent1">
+              <a:shade val="50000"/>
+            </a:schemeClr>
+          </a:lnRef>
+          <a:fillRef idx="1">
+            <a:schemeClr val="accent1"/>
+          </a:fillRef>
+          <a:effectRef idx="0">
+            <a:schemeClr val="accent1"/>
+          </a:effectRef>
+          <a:fontRef idx="minor">
+            <a:schemeClr val="lt1"/>
+          </a:fontRef>
+        </p:style>
+        <p:txBody>
+          <a:bodyPr rtlCol="0" anchor="ctr"/>
+          <a:lstStyle/>
+          <a:p>
+            <a:pPr algn="ctr"/>
+            <a:endParaRPr lang="ko-KR" altLang="en-US">
+              <a:solidFill>
+                <a:schemeClr val="bg1"/>
+              </a:solidFill>
+            </a:endParaRPr>
+          </a:p>
+        </p:txBody>
+      </p:sp>
+      <p:sp>
+        <p:nvSpPr>
+          <p:cNvPr id="14" name="직사각형 13">
+            <a:extLst>
+              <a:ext uri="{FF2B5EF4-FFF2-40B4-BE49-F238E27FC236}">
+                <a16:creationId xmlns:a16="http://schemas.microsoft.com/office/drawing/2014/main" id="{480D77CA-EF86-417A-B4F5-E2CF9AD34C42}"/>
+              </a:ext>
+            </a:extLst>
+          </p:cNvPr>
+          <p:cNvSpPr/>
+          <p:nvPr/>
+        </p:nvSpPr>
+        <p:spPr>
+          <a:xfrm>
+            <a:off x="621576" y="615719"/>
+            <a:ext cx="2120732" cy="1889372"/>
+          </a:xfrm>
+          <a:prstGeom prst="rect">
+            <a:avLst/>
+          </a:prstGeom>
+          <a:noFill/>
+          <a:ln w="95250">
+            <a:solidFill>
+              <a:srgbClr val="C00000"/>
+            </a:solidFill>
+          </a:ln>
+          <a:effectLst>
+            <a:outerShdw blurRad="50800" dist="88900" dir="2700000" algn="tl" rotWithShape="0">
+              <a:prstClr val="black">
+                <a:alpha val="40000"/>
+              </a:prstClr>
+            </a:outerShdw>
+          </a:effectLst>
+        </p:spPr>
+        <p:style>
+          <a:lnRef idx="2">
+            <a:schemeClr val="accent1">
+              <a:shade val="50000"/>
+            </a:schemeClr>
+          </a:lnRef>
+          <a:fillRef idx="1">
+            <a:schemeClr val="accent1"/>
+          </a:fillRef>
+          <a:effectRef idx="0">
+            <a:schemeClr val="accent1"/>
+          </a:effectRef>
+          <a:fontRef idx="minor">
+            <a:schemeClr val="lt1"/>
+          </a:fontRef>
+        </p:style>
+        <p:txBody>
+          <a:bodyPr rtlCol="0" anchor="ctr"/>
+          <a:lstStyle/>
+          <a:p>
+            <a:pPr algn="ctr"/>
+            <a:endParaRPr lang="ko-KR" altLang="en-US">
+              <a:solidFill>
+                <a:schemeClr val="bg1"/>
+              </a:solidFill>
+            </a:endParaRPr>
+          </a:p>
+        </p:txBody>
+      </p:sp>
+      <p:grpSp>
+        <p:nvGrpSpPr>
+          <p:cNvPr id="18" name="그룹 17">
+            <a:extLst>
+              <a:ext uri="{FF2B5EF4-FFF2-40B4-BE49-F238E27FC236}">
+                <a16:creationId xmlns:a16="http://schemas.microsoft.com/office/drawing/2014/main" id="{7784A515-F0BB-48C6-A18C-C384309AEF9D}"/>
+              </a:ext>
+            </a:extLst>
+          </p:cNvPr>
+          <p:cNvGrpSpPr/>
+          <p:nvPr/>
+        </p:nvGrpSpPr>
+        <p:grpSpPr>
+          <a:xfrm>
+            <a:off x="4840837" y="5522627"/>
+            <a:ext cx="3105337" cy="896214"/>
+            <a:chOff x="4840837" y="5522627"/>
+            <a:chExt cx="3105337" cy="896214"/>
+          </a:xfrm>
+        </p:grpSpPr>
+        <p:sp>
+          <p:nvSpPr>
+            <p:cNvPr id="16" name="TextBox 15">
+              <a:extLst>
+                <a:ext uri="{FF2B5EF4-FFF2-40B4-BE49-F238E27FC236}">
+                  <a16:creationId xmlns:a16="http://schemas.microsoft.com/office/drawing/2014/main" id="{7A375998-E84C-4241-A072-47F216157246}"/>
+                </a:ext>
+              </a:extLst>
+            </p:cNvPr>
+            <p:cNvSpPr txBox="1"/>
+            <p:nvPr/>
+          </p:nvSpPr>
+          <p:spPr>
+            <a:xfrm>
+              <a:off x="4840837" y="5710955"/>
+              <a:ext cx="3105337" cy="707886"/>
+            </a:xfrm>
+            <a:prstGeom prst="rect">
+              <a:avLst/>
+            </a:prstGeom>
+            <a:noFill/>
+          </p:spPr>
+          <p:txBody>
+            <a:bodyPr wrap="none" rtlCol="0">
+              <a:spAutoFit/>
+            </a:bodyPr>
+            <a:lstStyle/>
+            <a:p>
+              <a:r>
+                <a:rPr lang="en-US" altLang="ko-KR" sz="4000" dirty="0">
+                  <a:ln>
+                    <a:solidFill>
+                      <a:schemeClr val="accent1">
+                        <a:alpha val="0"/>
+                      </a:schemeClr>
+                    </a:solidFill>
+                  </a:ln>
+                  <a:solidFill>
+                    <a:schemeClr val="tx1">
+                      <a:lumMod val="85000"/>
+                      <a:lumOff val="15000"/>
+                    </a:schemeClr>
+                  </a:solidFill>
+                  <a:latin typeface="a로케트" pitchFamily="18" charset="-127"/>
+                  <a:ea typeface="a로케트" pitchFamily="18" charset="-127"/>
+                </a:rPr>
+                <a:t>- The End -</a:t>
+              </a:r>
+              <a:endParaRPr lang="ko-KR" altLang="en-US" sz="4000" dirty="0">
+                <a:ln>
+                  <a:solidFill>
+                    <a:schemeClr val="accent1">
+                      <a:alpha val="0"/>
+                    </a:schemeClr>
+                  </a:solidFill>
+                </a:ln>
+                <a:solidFill>
+                  <a:schemeClr val="tx1">
+                    <a:lumMod val="85000"/>
+                    <a:lumOff val="15000"/>
+                  </a:schemeClr>
+                </a:solidFill>
+                <a:latin typeface="a로케트" pitchFamily="18" charset="-127"/>
+                <a:ea typeface="a로케트" pitchFamily="18" charset="-127"/>
+              </a:endParaRPr>
+            </a:p>
+          </p:txBody>
+        </p:sp>
+        <p:sp>
+          <p:nvSpPr>
+            <p:cNvPr id="17" name="TextBox 16">
+              <a:extLst>
+                <a:ext uri="{FF2B5EF4-FFF2-40B4-BE49-F238E27FC236}">
+                  <a16:creationId xmlns:a16="http://schemas.microsoft.com/office/drawing/2014/main" id="{092DB11B-C5DD-4480-A858-2718913CAE6F}"/>
+                </a:ext>
+              </a:extLst>
+            </p:cNvPr>
+            <p:cNvSpPr txBox="1"/>
+            <p:nvPr/>
+          </p:nvSpPr>
+          <p:spPr>
+            <a:xfrm>
+              <a:off x="4980796" y="5522627"/>
+              <a:ext cx="527709" cy="830997"/>
+            </a:xfrm>
+            <a:prstGeom prst="rect">
+              <a:avLst/>
+            </a:prstGeom>
+            <a:noFill/>
+            <a:effectLst>
+              <a:outerShdw blurRad="50800" dist="38100" dir="2700000" algn="tl" rotWithShape="0">
+                <a:prstClr val="black">
+                  <a:alpha val="40000"/>
+                </a:prstClr>
+              </a:outerShdw>
+            </a:effectLst>
+          </p:spPr>
+          <p:txBody>
+            <a:bodyPr wrap="none" rtlCol="0">
+              <a:spAutoFit/>
+            </a:bodyPr>
+            <a:lstStyle/>
+            <a:p>
+              <a:r>
+                <a:rPr lang="en-US" altLang="ko-KR" sz="4800" b="1" dirty="0">
+                  <a:solidFill>
+                    <a:schemeClr val="tx1">
+                      <a:lumMod val="85000"/>
+                      <a:lumOff val="15000"/>
+                    </a:schemeClr>
+                  </a:solidFill>
+                  <a:latin typeface="Arial Black" panose="020B0A04020102020204" pitchFamily="34" charset="0"/>
+                  <a:ea typeface="HY강B" pitchFamily="18" charset="-127"/>
+                  <a:cs typeface="Leelawadee" panose="020B0502040204020203" pitchFamily="34" charset="-34"/>
+                </a:rPr>
+                <a:t>*</a:t>
+              </a:r>
+              <a:endParaRPr lang="ko-KR" altLang="en-US" sz="4800" b="1" dirty="0">
+                <a:solidFill>
+                  <a:schemeClr val="tx1">
+                    <a:lumMod val="85000"/>
+                    <a:lumOff val="15000"/>
+                  </a:schemeClr>
+                </a:solidFill>
+                <a:latin typeface="Arial Black" panose="020B0A04020102020204" pitchFamily="34" charset="0"/>
+                <a:ea typeface="HY강B" pitchFamily="18" charset="-127"/>
+                <a:cs typeface="Leelawadee" panose="020B0502040204020203" pitchFamily="34" charset="-34"/>
+              </a:endParaRPr>
+            </a:p>
+          </p:txBody>
+        </p:sp>
+      </p:grpSp>
+      <p:sp>
+        <p:nvSpPr>
+          <p:cNvPr id="10" name="직사각형 9">
+            <a:extLst>
+              <a:ext uri="{FF2B5EF4-FFF2-40B4-BE49-F238E27FC236}">
+                <a16:creationId xmlns:a16="http://schemas.microsoft.com/office/drawing/2014/main" id="{B0D98933-C76C-451A-8D23-7649726B6786}"/>
+              </a:ext>
+            </a:extLst>
+          </p:cNvPr>
+          <p:cNvSpPr/>
+          <p:nvPr/>
+        </p:nvSpPr>
+        <p:spPr>
+          <a:xfrm>
+            <a:off x="10263672" y="4534442"/>
+            <a:ext cx="522516" cy="705651"/>
+          </a:xfrm>
+          <a:prstGeom prst="rect">
+            <a:avLst/>
+          </a:prstGeom>
+          <a:noFill/>
+          <a:ln w="53975">
+            <a:solidFill>
+              <a:srgbClr val="7030A0"/>
+            </a:solidFill>
+          </a:ln>
+          <a:effectLst>
+            <a:outerShdw blurRad="50800" dist="88900" dir="2700000" algn="tl" rotWithShape="0">
+              <a:prstClr val="black">
+                <a:alpha val="40000"/>
+              </a:prstClr>
+            </a:outerShdw>
+          </a:effectLst>
+        </p:spPr>
+        <p:style>
+          <a:lnRef idx="2">
+            <a:schemeClr val="accent1">
+              <a:shade val="50000"/>
+            </a:schemeClr>
+          </a:lnRef>
+          <a:fillRef idx="1">
+            <a:schemeClr val="accent1"/>
+          </a:fillRef>
+          <a:effectRef idx="0">
+            <a:schemeClr val="accent1"/>
+          </a:effectRef>
+          <a:fontRef idx="minor">
+            <a:schemeClr val="lt1"/>
+          </a:fontRef>
+        </p:style>
+        <p:txBody>
+          <a:bodyPr rtlCol="0" anchor="ctr"/>
+          <a:lstStyle/>
+          <a:p>
+            <a:pPr algn="ctr"/>
+            <a:endParaRPr lang="ko-KR" altLang="en-US">
+              <a:solidFill>
+                <a:schemeClr val="bg1"/>
+              </a:solidFill>
+            </a:endParaRPr>
+          </a:p>
+        </p:txBody>
+      </p:sp>
+      <p:sp>
+        <p:nvSpPr>
+          <p:cNvPr id="11" name="직사각형 10">
+            <a:extLst>
+              <a:ext uri="{FF2B5EF4-FFF2-40B4-BE49-F238E27FC236}">
+                <a16:creationId xmlns:a16="http://schemas.microsoft.com/office/drawing/2014/main" id="{1F3ED4BD-82F3-401A-91CB-A27CDB9712FC}"/>
+              </a:ext>
+            </a:extLst>
+          </p:cNvPr>
+          <p:cNvSpPr/>
+          <p:nvPr/>
+        </p:nvSpPr>
+        <p:spPr>
+          <a:xfrm>
+            <a:off x="8937872" y="6046237"/>
+            <a:ext cx="1232068" cy="988293"/>
+          </a:xfrm>
+          <a:prstGeom prst="rect">
+            <a:avLst/>
+          </a:prstGeom>
+          <a:noFill/>
+          <a:ln w="79375">
+            <a:solidFill>
+              <a:schemeClr val="accent6">
+                <a:lumMod val="75000"/>
+              </a:schemeClr>
+            </a:solidFill>
+          </a:ln>
+          <a:effectLst>
+            <a:outerShdw blurRad="50800" dist="88900" dir="2700000" algn="tl" rotWithShape="0">
+              <a:prstClr val="black">
+                <a:alpha val="40000"/>
+              </a:prstClr>
+            </a:outerShdw>
+          </a:effectLst>
+        </p:spPr>
+        <p:style>
+          <a:lnRef idx="2">
+            <a:schemeClr val="accent1">
+              <a:shade val="50000"/>
+            </a:schemeClr>
+          </a:lnRef>
+          <a:fillRef idx="1">
+            <a:schemeClr val="accent1"/>
+          </a:fillRef>
+          <a:effectRef idx="0">
+            <a:schemeClr val="accent1"/>
+          </a:effectRef>
+          <a:fontRef idx="minor">
+            <a:schemeClr val="lt1"/>
+          </a:fontRef>
+        </p:style>
+        <p:txBody>
+          <a:bodyPr rtlCol="0" anchor="ctr"/>
+          <a:lstStyle/>
+          <a:p>
+            <a:pPr algn="ctr"/>
+            <a:endParaRPr lang="ko-KR" altLang="en-US">
+              <a:solidFill>
+                <a:schemeClr val="bg1"/>
+              </a:solidFill>
+            </a:endParaRPr>
+          </a:p>
+        </p:txBody>
+      </p:sp>
+    </p:spTree>
+    <p:extLst>
+      <p:ext uri="{BB962C8B-B14F-4D97-AF65-F5344CB8AC3E}">
+        <p14:creationId xmlns:p14="http://schemas.microsoft.com/office/powerpoint/2010/main" val="1583486181"/>
+      </p:ext>
+    </p:extLst>
+  </p:cSld>
+  <p:clrMapOvr>
+    <a:masterClrMapping/>
+  </p:clrMapOvr>
+  <p:transition>
+    <p:fade thruBlk="1"/>
+  </p:transition>
+</p:sld>
+</file>
+
 <file path=ppt/slides/slide2.xml><?xml version="1.0" encoding="utf-8"?>
 <p:sld xmlns:a="http://schemas.openxmlformats.org/drawingml/2006/main" xmlns:r="http://schemas.openxmlformats.org/officeDocument/2006/relationships" xmlns:p="http://schemas.openxmlformats.org/presentationml/2006/main">
   <p:cSld>
@@ -5368,57 +6027,92 @@
           <a:chExt cx="0" cy="0"/>
         </a:xfrm>
       </p:grpSpPr>
-      <p:cxnSp>
-        <p:nvCxnSpPr>
-          <p:cNvPr id="15" name="직선 연결선 14">
-            <a:extLst>
-              <a:ext uri="{FF2B5EF4-FFF2-40B4-BE49-F238E27FC236}">
-                <a16:creationId xmlns:a16="http://schemas.microsoft.com/office/drawing/2014/main" id="{DD6662D6-F0DC-4F7F-B9B5-EA10A077C3DF}"/>
-              </a:ext>
-            </a:extLst>
-          </p:cNvPr>
-          <p:cNvCxnSpPr>
-            <a:cxnSpLocks/>
-          </p:cNvCxnSpPr>
+      <p:pic>
+        <p:nvPicPr>
+          <p:cNvPr id="28" name="Picture 2">
+            <a:extLst>
+              <a:ext uri="{FF2B5EF4-FFF2-40B4-BE49-F238E27FC236}">
+                <a16:creationId xmlns:a16="http://schemas.microsoft.com/office/drawing/2014/main" id="{E6E13A43-24EC-4373-9467-D819A3200E03}"/>
+              </a:ext>
+            </a:extLst>
+          </p:cNvPr>
+          <p:cNvPicPr>
+            <a:picLocks noChangeAspect="1" noChangeArrowheads="1"/>
+          </p:cNvPicPr>
           <p:nvPr/>
-        </p:nvCxnSpPr>
-        <p:spPr>
-          <a:xfrm flipH="1">
-            <a:off x="6868916" y="780162"/>
-            <a:ext cx="8959" cy="5356810"/>
-          </a:xfrm>
-          <a:prstGeom prst="line">
+        </p:nvPicPr>
+        <p:blipFill rotWithShape="1">
+          <a:blip r:embed="rId2"/>
+          <a:srcRect r="37653"/>
+          <a:stretch/>
+        </p:blipFill>
+        <p:spPr bwMode="auto">
+          <a:xfrm>
+            <a:off x="0" y="0"/>
+            <a:ext cx="12191999" cy="6858000"/>
+          </a:xfrm>
+          <a:prstGeom prst="rect">
             <a:avLst/>
           </a:prstGeom>
-          <a:ln w="3175">
-            <a:solidFill>
-              <a:schemeClr val="bg1">
-                <a:lumMod val="85000"/>
-              </a:schemeClr>
-            </a:solidFill>
+          <a:noFill/>
+          <a:ln w="9525">
+            <a:noFill/>
+            <a:miter lim="800000"/>
+            <a:headEnd/>
+            <a:tailEnd/>
           </a:ln>
-        </p:spPr>
-        <p:style>
-          <a:lnRef idx="1">
-            <a:schemeClr val="accent1"/>
-          </a:lnRef>
-          <a:fillRef idx="0">
-            <a:schemeClr val="accent1"/>
-          </a:fillRef>
-          <a:effectRef idx="0">
-            <a:schemeClr val="accent1"/>
-          </a:effectRef>
-          <a:fontRef idx="minor">
-            <a:schemeClr val="tx1"/>
-          </a:fontRef>
-        </p:style>
-      </p:cxnSp>
+          <a:effectLst/>
+        </p:spPr>
+      </p:pic>
       <p:sp>
         <p:nvSpPr>
-          <p:cNvPr id="17" name="TextBox 16">
-            <a:extLst>
-              <a:ext uri="{FF2B5EF4-FFF2-40B4-BE49-F238E27FC236}">
-                <a16:creationId xmlns:a16="http://schemas.microsoft.com/office/drawing/2014/main" id="{EE6A582C-0230-48F8-84AE-0A309AAD4C74}"/>
+          <p:cNvPr id="2" name="제목 1">
+            <a:extLst>
+              <a:ext uri="{FF2B5EF4-FFF2-40B4-BE49-F238E27FC236}">
+                <a16:creationId xmlns:a16="http://schemas.microsoft.com/office/drawing/2014/main" id="{73BF40CC-AADC-44FA-8FAF-75C5B02CAEE5}"/>
+              </a:ext>
+            </a:extLst>
+          </p:cNvPr>
+          <p:cNvSpPr>
+            <a:spLocks noGrp="1"/>
+          </p:cNvSpPr>
+          <p:nvPr>
+            <p:ph type="title"/>
+          </p:nvPr>
+        </p:nvSpPr>
+        <p:spPr>
+          <a:xfrm>
+            <a:off x="838199" y="365125"/>
+            <a:ext cx="3024673" cy="1325563"/>
+          </a:xfrm>
+        </p:spPr>
+        <p:txBody>
+          <a:bodyPr/>
+          <a:lstStyle/>
+          <a:p>
+            <a:r>
+              <a:rPr lang="ko-KR" altLang="en-US" dirty="0">
+                <a:effectLst>
+                  <a:outerShdw blurRad="50800" dist="38100" dir="2700000" algn="tl" rotWithShape="0">
+                    <a:prstClr val="black">
+                      <a:alpha val="40000"/>
+                    </a:prstClr>
+                  </a:outerShdw>
+                </a:effectLst>
+                <a:latin typeface="a로케트" panose="02020600000000000000" pitchFamily="18" charset="-127"/>
+                <a:ea typeface="a로케트" panose="02020600000000000000" pitchFamily="18" charset="-127"/>
+              </a:rPr>
+              <a:t>팀원소개</a:t>
+            </a:r>
+          </a:p>
+        </p:txBody>
+      </p:sp>
+      <p:sp>
+        <p:nvSpPr>
+          <p:cNvPr id="7" name="TextBox 6">
+            <a:extLst>
+              <a:ext uri="{FF2B5EF4-FFF2-40B4-BE49-F238E27FC236}">
+                <a16:creationId xmlns:a16="http://schemas.microsoft.com/office/drawing/2014/main" id="{99E77E85-DCB9-4002-B292-7D48770956C7}"/>
               </a:ext>
             </a:extLst>
           </p:cNvPr>
@@ -5427,8 +6121,8 @@
         </p:nvSpPr>
         <p:spPr>
           <a:xfrm>
-            <a:off x="7017824" y="1778576"/>
-            <a:ext cx="1289135" cy="523220"/>
+            <a:off x="410658" y="158755"/>
+            <a:ext cx="697627" cy="1323439"/>
           </a:xfrm>
           <a:prstGeom prst="rect">
             <a:avLst/>
@@ -5442,37 +6136,105 @@
           <a:lstStyle/>
           <a:p>
             <a:r>
-              <a:rPr lang="en-US" altLang="ko-KR" sz="2800" dirty="0">
-                <a:ln>
-                  <a:solidFill>
-                    <a:schemeClr val="accent1">
-                      <a:alpha val="0"/>
-                    </a:schemeClr>
-                  </a:solidFill>
-                </a:ln>
+              <a:rPr lang="en-US" altLang="ko-KR" sz="8000" dirty="0">
+                <a:effectLst>
+                  <a:outerShdw blurRad="50800" dist="38100" dir="2700000" algn="tl" rotWithShape="0">
+                    <a:prstClr val="black">
+                      <a:alpha val="40000"/>
+                    </a:prstClr>
+                  </a:outerShdw>
+                </a:effectLst>
+                <a:latin typeface="a로케트" panose="02020600000000000000" pitchFamily="18" charset="-127"/>
+                <a:ea typeface="a로케트" panose="02020600000000000000" pitchFamily="18" charset="-127"/>
+              </a:rPr>
+              <a:t>“</a:t>
+            </a:r>
+            <a:endParaRPr lang="ko-KR" altLang="en-US" sz="8000" dirty="0">
+              <a:effectLst>
+                <a:outerShdw blurRad="50800" dist="38100" dir="2700000" algn="tl" rotWithShape="0">
+                  <a:prstClr val="black">
+                    <a:alpha val="40000"/>
+                  </a:prstClr>
+                </a:outerShdw>
+              </a:effectLst>
+              <a:latin typeface="a로케트" panose="02020600000000000000" pitchFamily="18" charset="-127"/>
+              <a:ea typeface="a로케트" panose="02020600000000000000" pitchFamily="18" charset="-127"/>
+            </a:endParaRPr>
+          </a:p>
+        </p:txBody>
+      </p:sp>
+      <p:sp>
+        <p:nvSpPr>
+          <p:cNvPr id="46" name="TextBox 45">
+            <a:extLst>
+              <a:ext uri="{FF2B5EF4-FFF2-40B4-BE49-F238E27FC236}">
+                <a16:creationId xmlns:a16="http://schemas.microsoft.com/office/drawing/2014/main" id="{98A5D4B7-802B-4C87-98E7-3A5B32CF9959}"/>
+              </a:ext>
+            </a:extLst>
+          </p:cNvPr>
+          <p:cNvSpPr txBox="1"/>
+          <p:nvPr/>
+        </p:nvSpPr>
+        <p:spPr>
+          <a:xfrm>
+            <a:off x="10514138" y="6469336"/>
+            <a:ext cx="1426994" cy="200055"/>
+          </a:xfrm>
+          <a:prstGeom prst="rect">
+            <a:avLst/>
+          </a:prstGeom>
+          <a:noFill/>
+        </p:spPr>
+        <p:txBody>
+          <a:bodyPr wrap="none" rtlCol="0">
+            <a:spAutoFit/>
+          </a:bodyPr>
+          <a:lstStyle/>
+          <a:p>
+            <a:r>
+              <a:rPr lang="en-US" altLang="ko-KR" sz="700" dirty="0" err="1">
                 <a:solidFill>
                   <a:schemeClr val="tx1">
-                    <a:lumMod val="85000"/>
-                    <a:lumOff val="15000"/>
+                    <a:lumMod val="65000"/>
+                    <a:lumOff val="35000"/>
                   </a:schemeClr>
                 </a:solidFill>
                 <a:latin typeface="a로케트" pitchFamily="18" charset="-127"/>
                 <a:ea typeface="a로케트" pitchFamily="18" charset="-127"/>
               </a:rPr>
-              <a:t>INDEX</a:t>
-            </a:r>
-            <a:endParaRPr lang="ko-KR" altLang="en-US" sz="2800" dirty="0">
-              <a:ln>
-                <a:solidFill>
-                  <a:schemeClr val="accent1">
-                    <a:alpha val="0"/>
+              <a:t>Powerpoint</a:t>
+            </a:r>
+            <a:r>
+              <a:rPr lang="en-US" altLang="ko-KR" sz="700" dirty="0">
+                <a:solidFill>
+                  <a:schemeClr val="tx1">
+                    <a:lumMod val="65000"/>
+                    <a:lumOff val="35000"/>
                   </a:schemeClr>
                 </a:solidFill>
-              </a:ln>
+                <a:latin typeface="a로케트" pitchFamily="18" charset="-127"/>
+                <a:ea typeface="a로케트" pitchFamily="18" charset="-127"/>
+              </a:rPr>
+              <a:t> : </a:t>
+            </a:r>
+            <a:r>
+              <a:rPr lang="en-US" altLang="ko-KR" sz="700" dirty="0" err="1">
+                <a:solidFill>
+                  <a:schemeClr val="tx1">
+                    <a:lumMod val="65000"/>
+                    <a:lumOff val="35000"/>
+                  </a:schemeClr>
+                </a:solidFill>
+                <a:latin typeface="a로케트" pitchFamily="18" charset="-127"/>
+                <a:ea typeface="a로케트" pitchFamily="18" charset="-127"/>
+              </a:rPr>
+              <a:t>team_project</a:t>
+            </a:r>
+            <a:endParaRPr lang="ko-KR" altLang="en-US" sz="700" dirty="0">
               <a:solidFill>
                 <a:schemeClr val="tx1">
-                  <a:lumMod val="85000"/>
-                  <a:lumOff val="15000"/>
+                  <a:lumMod val="65000"/>
+                  <a:lumOff val="35000"/>
                 </a:schemeClr>
               </a:solidFill>
               <a:latin typeface="a로케트" pitchFamily="18" charset="-127"/>
@@ -5483,10 +6245,10 @@
       </p:sp>
       <p:sp>
         <p:nvSpPr>
-          <p:cNvPr id="18" name="TextBox 17">
-            <a:extLst>
-              <a:ext uri="{FF2B5EF4-FFF2-40B4-BE49-F238E27FC236}">
-                <a16:creationId xmlns:a16="http://schemas.microsoft.com/office/drawing/2014/main" id="{307D9766-17B6-4FE7-8B28-D804349B4F76}"/>
+          <p:cNvPr id="47" name="TextBox 46">
+            <a:extLst>
+              <a:ext uri="{FF2B5EF4-FFF2-40B4-BE49-F238E27FC236}">
+                <a16:creationId xmlns:a16="http://schemas.microsoft.com/office/drawing/2014/main" id="{08CC5729-0593-4647-986D-82D68BE51E7B}"/>
               </a:ext>
             </a:extLst>
           </p:cNvPr>
@@ -5495,8 +6257,8 @@
         </p:nvSpPr>
         <p:spPr>
           <a:xfrm>
-            <a:off x="7069753" y="2829071"/>
-            <a:ext cx="1531188" cy="338554"/>
+            <a:off x="11157080" y="6644119"/>
+            <a:ext cx="1003801" cy="169277"/>
           </a:xfrm>
           <a:prstGeom prst="rect">
             <a:avLst/>
@@ -5510,458 +6272,51 @@
           <a:lstStyle/>
           <a:p>
             <a:r>
-              <a:rPr lang="en-US" altLang="ko-KR" sz="1600" dirty="0">
-                <a:ln>
-                  <a:solidFill>
-                    <a:schemeClr val="accent1">
-                      <a:alpha val="0"/>
-                    </a:schemeClr>
-                  </a:solidFill>
-                </a:ln>
+              <a:rPr lang="en-US" altLang="ko-KR" sz="500" dirty="0">
                 <a:solidFill>
                   <a:schemeClr val="tx1">
-                    <a:lumMod val="85000"/>
-                    <a:lumOff val="15000"/>
+                    <a:lumMod val="65000"/>
+                    <a:lumOff val="35000"/>
                   </a:schemeClr>
                 </a:solidFill>
                 <a:latin typeface="a로케트" pitchFamily="18" charset="-127"/>
                 <a:ea typeface="a로케트" pitchFamily="18" charset="-127"/>
               </a:rPr>
-              <a:t>01 / </a:t>
-            </a:r>
-            <a:r>
-              <a:rPr lang="ko-KR" altLang="en-US" sz="1600" dirty="0">
-                <a:ln>
-                  <a:solidFill>
-                    <a:schemeClr val="accent1">
-                      <a:alpha val="0"/>
-                    </a:schemeClr>
-                  </a:solidFill>
-                </a:ln>
+              <a:t>BIG DATA </a:t>
+            </a:r>
+            <a:r>
+              <a:rPr lang="ko-KR" altLang="en-US" sz="500" dirty="0" err="1">
                 <a:solidFill>
                   <a:schemeClr val="tx1">
-                    <a:lumMod val="85000"/>
-                    <a:lumOff val="15000"/>
+                    <a:lumMod val="65000"/>
+                    <a:lumOff val="35000"/>
                   </a:schemeClr>
                 </a:solidFill>
                 <a:latin typeface="a로케트" pitchFamily="18" charset="-127"/>
                 <a:ea typeface="a로케트" pitchFamily="18" charset="-127"/>
               </a:rPr>
-              <a:t>문제 정의</a:t>
-            </a:r>
-          </a:p>
-        </p:txBody>
-      </p:sp>
-      <p:sp>
-        <p:nvSpPr>
-          <p:cNvPr id="19" name="TextBox 18">
-            <a:extLst>
-              <a:ext uri="{FF2B5EF4-FFF2-40B4-BE49-F238E27FC236}">
-                <a16:creationId xmlns:a16="http://schemas.microsoft.com/office/drawing/2014/main" id="{A2266FE8-E2E8-42FB-9F89-B3F8FCC38014}"/>
-              </a:ext>
-            </a:extLst>
-          </p:cNvPr>
-          <p:cNvSpPr txBox="1"/>
-          <p:nvPr/>
-        </p:nvSpPr>
-        <p:spPr>
-          <a:xfrm>
-            <a:off x="7069753" y="3924383"/>
-            <a:ext cx="1763624" cy="338554"/>
-          </a:xfrm>
-          <a:prstGeom prst="rect">
-            <a:avLst/>
-          </a:prstGeom>
-          <a:noFill/>
-        </p:spPr>
-        <p:txBody>
-          <a:bodyPr wrap="none" rtlCol="0">
-            <a:spAutoFit/>
-          </a:bodyPr>
-          <a:lstStyle/>
-          <a:p>
-            <a:r>
-              <a:rPr lang="en-US" altLang="ko-KR" sz="1600" dirty="0">
-                <a:ln>
-                  <a:solidFill>
-                    <a:schemeClr val="accent1">
-                      <a:alpha val="0"/>
-                    </a:schemeClr>
-                  </a:solidFill>
-                </a:ln>
+              <a:t>첫번째</a:t>
+            </a:r>
+            <a:r>
+              <a:rPr lang="ko-KR" altLang="en-US" sz="500" dirty="0">
                 <a:solidFill>
                   <a:schemeClr val="tx1">
-                    <a:lumMod val="85000"/>
-                    <a:lumOff val="15000"/>
+                    <a:lumMod val="65000"/>
+                    <a:lumOff val="35000"/>
                   </a:schemeClr>
                 </a:solidFill>
                 <a:latin typeface="a로케트" pitchFamily="18" charset="-127"/>
                 <a:ea typeface="a로케트" pitchFamily="18" charset="-127"/>
               </a:rPr>
-              <a:t>03 / </a:t>
-            </a:r>
-            <a:r>
-              <a:rPr lang="ko-KR" altLang="en-US" sz="1600" dirty="0">
-                <a:ln>
-                  <a:solidFill>
-                    <a:schemeClr val="accent1">
-                      <a:alpha val="0"/>
-                    </a:schemeClr>
-                  </a:solidFill>
-                </a:ln>
-                <a:solidFill>
-                  <a:schemeClr val="tx1">
-                    <a:lumMod val="85000"/>
-                    <a:lumOff val="15000"/>
-                  </a:schemeClr>
-                </a:solidFill>
-                <a:latin typeface="a로케트" pitchFamily="18" charset="-127"/>
-                <a:ea typeface="a로케트" pitchFamily="18" charset="-127"/>
-              </a:rPr>
-              <a:t>사용 데이터</a:t>
-            </a:r>
-          </a:p>
-        </p:txBody>
-      </p:sp>
-      <p:sp>
-        <p:nvSpPr>
-          <p:cNvPr id="20" name="TextBox 19">
-            <a:extLst>
-              <a:ext uri="{FF2B5EF4-FFF2-40B4-BE49-F238E27FC236}">
-                <a16:creationId xmlns:a16="http://schemas.microsoft.com/office/drawing/2014/main" id="{8CE06477-2F55-4175-91C0-F22541F2882E}"/>
-              </a:ext>
-            </a:extLst>
-          </p:cNvPr>
-          <p:cNvSpPr txBox="1"/>
-          <p:nvPr/>
-        </p:nvSpPr>
-        <p:spPr>
-          <a:xfrm>
-            <a:off x="7069753" y="4472040"/>
-            <a:ext cx="1654171" cy="338554"/>
-          </a:xfrm>
-          <a:prstGeom prst="rect">
-            <a:avLst/>
-          </a:prstGeom>
-          <a:noFill/>
-        </p:spPr>
-        <p:txBody>
-          <a:bodyPr wrap="none" rtlCol="0">
-            <a:spAutoFit/>
-          </a:bodyPr>
-          <a:lstStyle/>
-          <a:p>
-            <a:r>
-              <a:rPr lang="en-US" altLang="ko-KR" sz="1600" dirty="0">
-                <a:ln>
-                  <a:solidFill>
-                    <a:schemeClr val="accent1">
-                      <a:alpha val="0"/>
-                    </a:schemeClr>
-                  </a:solidFill>
-                </a:ln>
-                <a:solidFill>
-                  <a:schemeClr val="tx1">
-                    <a:lumMod val="85000"/>
-                    <a:lumOff val="15000"/>
-                  </a:schemeClr>
-                </a:solidFill>
-                <a:latin typeface="a로케트" pitchFamily="18" charset="-127"/>
-                <a:ea typeface="a로케트" pitchFamily="18" charset="-127"/>
-              </a:rPr>
-              <a:t>04 / Modeling</a:t>
-            </a:r>
-            <a:endParaRPr lang="ko-KR" altLang="en-US" sz="1600" dirty="0">
-              <a:ln>
-                <a:solidFill>
-                  <a:schemeClr val="accent1">
-                    <a:alpha val="0"/>
-                  </a:schemeClr>
-                </a:solidFill>
-              </a:ln>
-              <a:solidFill>
-                <a:schemeClr val="tx1">
-                  <a:lumMod val="85000"/>
-                  <a:lumOff val="15000"/>
-                </a:schemeClr>
-              </a:solidFill>
-              <a:latin typeface="a로케트" pitchFamily="18" charset="-127"/>
-              <a:ea typeface="a로케트" pitchFamily="18" charset="-127"/>
-            </a:endParaRPr>
-          </a:p>
-        </p:txBody>
-      </p:sp>
-      <p:pic>
-        <p:nvPicPr>
-          <p:cNvPr id="23" name="그림 22">
-            <a:extLst>
-              <a:ext uri="{FF2B5EF4-FFF2-40B4-BE49-F238E27FC236}">
-                <a16:creationId xmlns:a16="http://schemas.microsoft.com/office/drawing/2014/main" id="{71F489A3-4C57-449D-9EC6-8ABD5DC6CC22}"/>
-              </a:ext>
-            </a:extLst>
-          </p:cNvPr>
-          <p:cNvPicPr>
-            <a:picLocks noChangeAspect="1"/>
-          </p:cNvPicPr>
-          <p:nvPr/>
-        </p:nvPicPr>
-        <p:blipFill rotWithShape="1">
-          <a:blip r:embed="rId2">
-            <a:extLst>
-              <a:ext uri="{28A0092B-C50C-407E-A947-70E740481C1C}">
-                <a14:useLocalDpi xmlns:a14="http://schemas.microsoft.com/office/drawing/2010/main" val="0"/>
-              </a:ext>
-            </a:extLst>
-          </a:blip>
-          <a:srcRect r="16151"/>
-          <a:stretch/>
-        </p:blipFill>
-        <p:spPr>
-          <a:xfrm>
-            <a:off x="-1" y="813483"/>
-            <a:ext cx="6663031" cy="5297674"/>
-          </a:xfrm>
-          <a:prstGeom prst="rect">
-            <a:avLst/>
-          </a:prstGeom>
-        </p:spPr>
-      </p:pic>
-      <p:pic>
-        <p:nvPicPr>
-          <p:cNvPr id="25" name="그림 24">
-            <a:extLst>
-              <a:ext uri="{FF2B5EF4-FFF2-40B4-BE49-F238E27FC236}">
-                <a16:creationId xmlns:a16="http://schemas.microsoft.com/office/drawing/2014/main" id="{4C13E9E7-4417-41AF-983A-1E7A88077BCF}"/>
-              </a:ext>
-            </a:extLst>
-          </p:cNvPr>
-          <p:cNvPicPr>
-            <a:picLocks noChangeAspect="1"/>
-          </p:cNvPicPr>
-          <p:nvPr/>
-        </p:nvPicPr>
-        <p:blipFill rotWithShape="1">
-          <a:blip r:embed="rId2">
-            <a:extLst>
-              <a:ext uri="{28A0092B-C50C-407E-A947-70E740481C1C}">
-                <a14:useLocalDpi xmlns:a14="http://schemas.microsoft.com/office/drawing/2010/main" val="0"/>
-              </a:ext>
-            </a:extLst>
-          </a:blip>
-          <a:srcRect l="82114"/>
-          <a:stretch/>
-        </p:blipFill>
-        <p:spPr>
-          <a:xfrm>
-            <a:off x="10053189" y="839298"/>
-            <a:ext cx="1421317" cy="5297674"/>
-          </a:xfrm>
-          <a:prstGeom prst="rect">
-            <a:avLst/>
-          </a:prstGeom>
-        </p:spPr>
-      </p:pic>
-      <p:sp>
-        <p:nvSpPr>
-          <p:cNvPr id="22" name="직사각형 21">
-            <a:extLst>
-              <a:ext uri="{FF2B5EF4-FFF2-40B4-BE49-F238E27FC236}">
-                <a16:creationId xmlns:a16="http://schemas.microsoft.com/office/drawing/2014/main" id="{77B6B377-D01B-4025-AB50-E5637B01D73B}"/>
-              </a:ext>
-            </a:extLst>
-          </p:cNvPr>
-          <p:cNvSpPr/>
-          <p:nvPr/>
-        </p:nvSpPr>
-        <p:spPr>
-          <a:xfrm>
-            <a:off x="2656541" y="2220840"/>
-            <a:ext cx="1841127" cy="2100991"/>
-          </a:xfrm>
-          <a:prstGeom prst="rect">
-            <a:avLst/>
-          </a:prstGeom>
-          <a:noFill/>
-          <a:ln w="95250">
-            <a:solidFill>
-              <a:schemeClr val="bg1"/>
-            </a:solidFill>
-          </a:ln>
-          <a:effectLst>
-            <a:outerShdw blurRad="50800" dist="88900" dir="2700000" algn="tl" rotWithShape="0">
-              <a:prstClr val="black">
-                <a:alpha val="40000"/>
-              </a:prstClr>
-            </a:outerShdw>
-          </a:effectLst>
-        </p:spPr>
-        <p:style>
-          <a:lnRef idx="2">
-            <a:schemeClr val="accent1">
-              <a:shade val="50000"/>
-            </a:schemeClr>
-          </a:lnRef>
-          <a:fillRef idx="1">
-            <a:schemeClr val="accent1"/>
-          </a:fillRef>
-          <a:effectRef idx="0">
-            <a:schemeClr val="accent1"/>
-          </a:effectRef>
-          <a:fontRef idx="minor">
-            <a:schemeClr val="lt1"/>
-          </a:fontRef>
-        </p:style>
-        <p:txBody>
-          <a:bodyPr rtlCol="0" anchor="ctr"/>
-          <a:lstStyle/>
-          <a:p>
-            <a:pPr algn="ctr"/>
-            <a:endParaRPr lang="ko-KR" altLang="en-US">
-              <a:solidFill>
-                <a:schemeClr val="bg1"/>
-              </a:solidFill>
-            </a:endParaRPr>
-          </a:p>
-        </p:txBody>
-      </p:sp>
-      <p:sp>
-        <p:nvSpPr>
-          <p:cNvPr id="13" name="TextBox 12">
-            <a:extLst>
-              <a:ext uri="{FF2B5EF4-FFF2-40B4-BE49-F238E27FC236}">
-                <a16:creationId xmlns:a16="http://schemas.microsoft.com/office/drawing/2014/main" id="{3D905818-4AC2-466C-98CE-790C0C3D71F9}"/>
-              </a:ext>
-            </a:extLst>
-          </p:cNvPr>
-          <p:cNvSpPr txBox="1"/>
-          <p:nvPr/>
-        </p:nvSpPr>
-        <p:spPr>
-          <a:xfrm>
-            <a:off x="7069753" y="3376727"/>
-            <a:ext cx="1967205" cy="338554"/>
-          </a:xfrm>
-          <a:prstGeom prst="rect">
-            <a:avLst/>
-          </a:prstGeom>
-          <a:noFill/>
-        </p:spPr>
-        <p:txBody>
-          <a:bodyPr wrap="none" rtlCol="0">
-            <a:spAutoFit/>
-          </a:bodyPr>
-          <a:lstStyle/>
-          <a:p>
-            <a:r>
-              <a:rPr lang="en-US" altLang="ko-KR" sz="1600" dirty="0">
-                <a:ln>
-                  <a:solidFill>
-                    <a:schemeClr val="accent1">
-                      <a:alpha val="0"/>
-                    </a:schemeClr>
-                  </a:solidFill>
-                </a:ln>
-                <a:solidFill>
-                  <a:schemeClr val="tx1">
-                    <a:lumMod val="85000"/>
-                    <a:lumOff val="15000"/>
-                  </a:schemeClr>
-                </a:solidFill>
-                <a:latin typeface="a로케트" pitchFamily="18" charset="-127"/>
-                <a:ea typeface="a로케트" pitchFamily="18" charset="-127"/>
-              </a:rPr>
-              <a:t>02 / </a:t>
-            </a:r>
-            <a:r>
-              <a:rPr lang="ko-KR" altLang="en-US" sz="1600" dirty="0">
-                <a:ln>
-                  <a:solidFill>
-                    <a:schemeClr val="accent1">
-                      <a:alpha val="0"/>
-                    </a:schemeClr>
-                  </a:solidFill>
-                </a:ln>
-                <a:solidFill>
-                  <a:schemeClr val="tx1">
-                    <a:lumMod val="85000"/>
-                    <a:lumOff val="15000"/>
-                  </a:schemeClr>
-                </a:solidFill>
-                <a:latin typeface="a로케트" pitchFamily="18" charset="-127"/>
-                <a:ea typeface="a로케트" pitchFamily="18" charset="-127"/>
-              </a:rPr>
-              <a:t>프로젝트 과정</a:t>
-            </a:r>
-          </a:p>
-        </p:txBody>
-      </p:sp>
-      <p:sp>
-        <p:nvSpPr>
-          <p:cNvPr id="12" name="TextBox 11">
-            <a:extLst>
-              <a:ext uri="{FF2B5EF4-FFF2-40B4-BE49-F238E27FC236}">
-                <a16:creationId xmlns:a16="http://schemas.microsoft.com/office/drawing/2014/main" id="{727C373B-7A4C-4AF7-9E22-CAD2DEB4A842}"/>
-              </a:ext>
-            </a:extLst>
-          </p:cNvPr>
-          <p:cNvSpPr txBox="1"/>
-          <p:nvPr/>
-        </p:nvSpPr>
-        <p:spPr>
-          <a:xfrm>
-            <a:off x="6768396" y="1532355"/>
-            <a:ext cx="498855" cy="769441"/>
-          </a:xfrm>
-          <a:prstGeom prst="rect">
-            <a:avLst/>
-          </a:prstGeom>
-          <a:noFill/>
-          <a:effectLst>
-            <a:outerShdw blurRad="50800" dist="38100" dir="2700000" algn="tl" rotWithShape="0">
-              <a:prstClr val="black">
-                <a:alpha val="40000"/>
-              </a:prstClr>
-            </a:outerShdw>
-          </a:effectLst>
-        </p:spPr>
-        <p:txBody>
-          <a:bodyPr wrap="none" rtlCol="0">
-            <a:spAutoFit/>
-          </a:bodyPr>
-          <a:lstStyle/>
-          <a:p>
-            <a:r>
-              <a:rPr lang="en-US" altLang="ko-KR" sz="4400" b="1" dirty="0">
-                <a:solidFill>
-                  <a:schemeClr val="tx1">
-                    <a:lumMod val="85000"/>
-                    <a:lumOff val="15000"/>
-                  </a:schemeClr>
-                </a:solidFill>
-                <a:latin typeface="Arial Black" panose="020B0A04020102020204" pitchFamily="34" charset="0"/>
-                <a:ea typeface="HY강B" pitchFamily="18" charset="-127"/>
-                <a:cs typeface="Leelawadee" panose="020B0502040204020203" pitchFamily="34" charset="-34"/>
-              </a:rPr>
-              <a:t>*</a:t>
-            </a:r>
-            <a:endParaRPr lang="ko-KR" altLang="en-US" sz="4400" b="1" dirty="0">
-              <a:solidFill>
-                <a:schemeClr val="tx1">
-                  <a:lumMod val="85000"/>
-                  <a:lumOff val="15000"/>
-                </a:schemeClr>
-              </a:solidFill>
-              <a:latin typeface="Arial Black" panose="020B0A04020102020204" pitchFamily="34" charset="0"/>
-              <a:ea typeface="HY강B" pitchFamily="18" charset="-127"/>
-              <a:cs typeface="Leelawadee" panose="020B0502040204020203" pitchFamily="34" charset="-34"/>
-            </a:endParaRPr>
+              <a:t> 조별 과제</a:t>
+            </a:r>
           </a:p>
         </p:txBody>
       </p:sp>
     </p:spTree>
     <p:extLst>
       <p:ext uri="{BB962C8B-B14F-4D97-AF65-F5344CB8AC3E}">
-        <p14:creationId xmlns:p14="http://schemas.microsoft.com/office/powerpoint/2010/main" val="3611147320"/>
+        <p14:creationId xmlns:p14="http://schemas.microsoft.com/office/powerpoint/2010/main" val="103305512"/>
       </p:ext>
     </p:extLst>
   </p:cSld>
@@ -5999,6 +6354,711 @@
           <a:chExt cx="0" cy="0"/>
         </a:xfrm>
       </p:grpSpPr>
+      <p:cxnSp>
+        <p:nvCxnSpPr>
+          <p:cNvPr id="15" name="직선 연결선 14">
+            <a:extLst>
+              <a:ext uri="{FF2B5EF4-FFF2-40B4-BE49-F238E27FC236}">
+                <a16:creationId xmlns:a16="http://schemas.microsoft.com/office/drawing/2014/main" id="{DD6662D6-F0DC-4F7F-B9B5-EA10A077C3DF}"/>
+              </a:ext>
+            </a:extLst>
+          </p:cNvPr>
+          <p:cNvCxnSpPr>
+            <a:cxnSpLocks/>
+          </p:cNvCxnSpPr>
+          <p:nvPr/>
+        </p:nvCxnSpPr>
+        <p:spPr>
+          <a:xfrm flipH="1">
+            <a:off x="6868916" y="780162"/>
+            <a:ext cx="8959" cy="5356810"/>
+          </a:xfrm>
+          <a:prstGeom prst="line">
+            <a:avLst/>
+          </a:prstGeom>
+          <a:ln w="3175">
+            <a:solidFill>
+              <a:schemeClr val="bg1">
+                <a:lumMod val="85000"/>
+              </a:schemeClr>
+            </a:solidFill>
+          </a:ln>
+        </p:spPr>
+        <p:style>
+          <a:lnRef idx="1">
+            <a:schemeClr val="accent1"/>
+          </a:lnRef>
+          <a:fillRef idx="0">
+            <a:schemeClr val="accent1"/>
+          </a:fillRef>
+          <a:effectRef idx="0">
+            <a:schemeClr val="accent1"/>
+          </a:effectRef>
+          <a:fontRef idx="minor">
+            <a:schemeClr val="tx1"/>
+          </a:fontRef>
+        </p:style>
+      </p:cxnSp>
+      <p:sp>
+        <p:nvSpPr>
+          <p:cNvPr id="17" name="TextBox 16">
+            <a:extLst>
+              <a:ext uri="{FF2B5EF4-FFF2-40B4-BE49-F238E27FC236}">
+                <a16:creationId xmlns:a16="http://schemas.microsoft.com/office/drawing/2014/main" id="{EE6A582C-0230-48F8-84AE-0A309AAD4C74}"/>
+              </a:ext>
+            </a:extLst>
+          </p:cNvPr>
+          <p:cNvSpPr txBox="1"/>
+          <p:nvPr/>
+        </p:nvSpPr>
+        <p:spPr>
+          <a:xfrm>
+            <a:off x="7017824" y="1778576"/>
+            <a:ext cx="1289135" cy="523220"/>
+          </a:xfrm>
+          <a:prstGeom prst="rect">
+            <a:avLst/>
+          </a:prstGeom>
+          <a:noFill/>
+        </p:spPr>
+        <p:txBody>
+          <a:bodyPr wrap="none" rtlCol="0">
+            <a:spAutoFit/>
+          </a:bodyPr>
+          <a:lstStyle/>
+          <a:p>
+            <a:r>
+              <a:rPr lang="en-US" altLang="ko-KR" sz="2800" dirty="0">
+                <a:ln>
+                  <a:solidFill>
+                    <a:schemeClr val="accent1">
+                      <a:alpha val="0"/>
+                    </a:schemeClr>
+                  </a:solidFill>
+                </a:ln>
+                <a:solidFill>
+                  <a:schemeClr val="tx1">
+                    <a:lumMod val="85000"/>
+                    <a:lumOff val="15000"/>
+                  </a:schemeClr>
+                </a:solidFill>
+                <a:latin typeface="a로케트" pitchFamily="18" charset="-127"/>
+                <a:ea typeface="a로케트" pitchFamily="18" charset="-127"/>
+              </a:rPr>
+              <a:t>INDEX</a:t>
+            </a:r>
+            <a:endParaRPr lang="ko-KR" altLang="en-US" sz="2800" dirty="0">
+              <a:ln>
+                <a:solidFill>
+                  <a:schemeClr val="accent1">
+                    <a:alpha val="0"/>
+                  </a:schemeClr>
+                </a:solidFill>
+              </a:ln>
+              <a:solidFill>
+                <a:schemeClr val="tx1">
+                  <a:lumMod val="85000"/>
+                  <a:lumOff val="15000"/>
+                </a:schemeClr>
+              </a:solidFill>
+              <a:latin typeface="a로케트" pitchFamily="18" charset="-127"/>
+              <a:ea typeface="a로케트" pitchFamily="18" charset="-127"/>
+            </a:endParaRPr>
+          </a:p>
+        </p:txBody>
+      </p:sp>
+      <p:sp>
+        <p:nvSpPr>
+          <p:cNvPr id="18" name="TextBox 17">
+            <a:extLst>
+              <a:ext uri="{FF2B5EF4-FFF2-40B4-BE49-F238E27FC236}">
+                <a16:creationId xmlns:a16="http://schemas.microsoft.com/office/drawing/2014/main" id="{307D9766-17B6-4FE7-8B28-D804349B4F76}"/>
+              </a:ext>
+            </a:extLst>
+          </p:cNvPr>
+          <p:cNvSpPr txBox="1"/>
+          <p:nvPr/>
+        </p:nvSpPr>
+        <p:spPr>
+          <a:xfrm>
+            <a:off x="7069753" y="2829071"/>
+            <a:ext cx="1531188" cy="338554"/>
+          </a:xfrm>
+          <a:prstGeom prst="rect">
+            <a:avLst/>
+          </a:prstGeom>
+          <a:noFill/>
+        </p:spPr>
+        <p:txBody>
+          <a:bodyPr wrap="none" rtlCol="0">
+            <a:spAutoFit/>
+          </a:bodyPr>
+          <a:lstStyle/>
+          <a:p>
+            <a:r>
+              <a:rPr lang="en-US" altLang="ko-KR" sz="1600" dirty="0">
+                <a:ln>
+                  <a:solidFill>
+                    <a:schemeClr val="accent1">
+                      <a:alpha val="0"/>
+                    </a:schemeClr>
+                  </a:solidFill>
+                </a:ln>
+                <a:solidFill>
+                  <a:schemeClr val="tx1">
+                    <a:lumMod val="85000"/>
+                    <a:lumOff val="15000"/>
+                  </a:schemeClr>
+                </a:solidFill>
+                <a:latin typeface="a로케트" pitchFamily="18" charset="-127"/>
+                <a:ea typeface="a로케트" pitchFamily="18" charset="-127"/>
+              </a:rPr>
+              <a:t>01 / </a:t>
+            </a:r>
+            <a:r>
+              <a:rPr lang="ko-KR" altLang="en-US" sz="1600" dirty="0">
+                <a:ln>
+                  <a:solidFill>
+                    <a:schemeClr val="accent1">
+                      <a:alpha val="0"/>
+                    </a:schemeClr>
+                  </a:solidFill>
+                </a:ln>
+                <a:solidFill>
+                  <a:schemeClr val="tx1">
+                    <a:lumMod val="85000"/>
+                    <a:lumOff val="15000"/>
+                  </a:schemeClr>
+                </a:solidFill>
+                <a:latin typeface="a로케트" pitchFamily="18" charset="-127"/>
+                <a:ea typeface="a로케트" pitchFamily="18" charset="-127"/>
+              </a:rPr>
+              <a:t>문제 정의</a:t>
+            </a:r>
+          </a:p>
+        </p:txBody>
+      </p:sp>
+      <p:sp>
+        <p:nvSpPr>
+          <p:cNvPr id="19" name="TextBox 18">
+            <a:extLst>
+              <a:ext uri="{FF2B5EF4-FFF2-40B4-BE49-F238E27FC236}">
+                <a16:creationId xmlns:a16="http://schemas.microsoft.com/office/drawing/2014/main" id="{A2266FE8-E2E8-42FB-9F89-B3F8FCC38014}"/>
+              </a:ext>
+            </a:extLst>
+          </p:cNvPr>
+          <p:cNvSpPr txBox="1"/>
+          <p:nvPr/>
+        </p:nvSpPr>
+        <p:spPr>
+          <a:xfrm>
+            <a:off x="7069753" y="3924383"/>
+            <a:ext cx="1763624" cy="338554"/>
+          </a:xfrm>
+          <a:prstGeom prst="rect">
+            <a:avLst/>
+          </a:prstGeom>
+          <a:noFill/>
+        </p:spPr>
+        <p:txBody>
+          <a:bodyPr wrap="none" rtlCol="0">
+            <a:spAutoFit/>
+          </a:bodyPr>
+          <a:lstStyle/>
+          <a:p>
+            <a:r>
+              <a:rPr lang="en-US" altLang="ko-KR" sz="1600" dirty="0">
+                <a:ln>
+                  <a:solidFill>
+                    <a:schemeClr val="accent1">
+                      <a:alpha val="0"/>
+                    </a:schemeClr>
+                  </a:solidFill>
+                </a:ln>
+                <a:solidFill>
+                  <a:schemeClr val="tx1">
+                    <a:lumMod val="85000"/>
+                    <a:lumOff val="15000"/>
+                  </a:schemeClr>
+                </a:solidFill>
+                <a:latin typeface="a로케트" pitchFamily="18" charset="-127"/>
+                <a:ea typeface="a로케트" pitchFamily="18" charset="-127"/>
+              </a:rPr>
+              <a:t>03 / </a:t>
+            </a:r>
+            <a:r>
+              <a:rPr lang="ko-KR" altLang="en-US" sz="1600" dirty="0">
+                <a:ln>
+                  <a:solidFill>
+                    <a:schemeClr val="accent1">
+                      <a:alpha val="0"/>
+                    </a:schemeClr>
+                  </a:solidFill>
+                </a:ln>
+                <a:solidFill>
+                  <a:schemeClr val="tx1">
+                    <a:lumMod val="85000"/>
+                    <a:lumOff val="15000"/>
+                  </a:schemeClr>
+                </a:solidFill>
+                <a:latin typeface="a로케트" pitchFamily="18" charset="-127"/>
+                <a:ea typeface="a로케트" pitchFamily="18" charset="-127"/>
+              </a:rPr>
+              <a:t>사용 데이터</a:t>
+            </a:r>
+          </a:p>
+        </p:txBody>
+      </p:sp>
+      <p:sp>
+        <p:nvSpPr>
+          <p:cNvPr id="20" name="TextBox 19">
+            <a:extLst>
+              <a:ext uri="{FF2B5EF4-FFF2-40B4-BE49-F238E27FC236}">
+                <a16:creationId xmlns:a16="http://schemas.microsoft.com/office/drawing/2014/main" id="{8CE06477-2F55-4175-91C0-F22541F2882E}"/>
+              </a:ext>
+            </a:extLst>
+          </p:cNvPr>
+          <p:cNvSpPr txBox="1"/>
+          <p:nvPr/>
+        </p:nvSpPr>
+        <p:spPr>
+          <a:xfrm>
+            <a:off x="7069753" y="4472040"/>
+            <a:ext cx="1654171" cy="338554"/>
+          </a:xfrm>
+          <a:prstGeom prst="rect">
+            <a:avLst/>
+          </a:prstGeom>
+          <a:noFill/>
+        </p:spPr>
+        <p:txBody>
+          <a:bodyPr wrap="none" rtlCol="0">
+            <a:spAutoFit/>
+          </a:bodyPr>
+          <a:lstStyle/>
+          <a:p>
+            <a:r>
+              <a:rPr lang="en-US" altLang="ko-KR" sz="1600" dirty="0">
+                <a:ln>
+                  <a:solidFill>
+                    <a:schemeClr val="accent1">
+                      <a:alpha val="0"/>
+                    </a:schemeClr>
+                  </a:solidFill>
+                </a:ln>
+                <a:solidFill>
+                  <a:schemeClr val="tx1">
+                    <a:lumMod val="85000"/>
+                    <a:lumOff val="15000"/>
+                  </a:schemeClr>
+                </a:solidFill>
+                <a:latin typeface="a로케트" pitchFamily="18" charset="-127"/>
+                <a:ea typeface="a로케트" pitchFamily="18" charset="-127"/>
+              </a:rPr>
+              <a:t>04 / Modeling</a:t>
+            </a:r>
+            <a:endParaRPr lang="ko-KR" altLang="en-US" sz="1600" dirty="0">
+              <a:ln>
+                <a:solidFill>
+                  <a:schemeClr val="accent1">
+                    <a:alpha val="0"/>
+                  </a:schemeClr>
+                </a:solidFill>
+              </a:ln>
+              <a:solidFill>
+                <a:schemeClr val="tx1">
+                  <a:lumMod val="85000"/>
+                  <a:lumOff val="15000"/>
+                </a:schemeClr>
+              </a:solidFill>
+              <a:latin typeface="a로케트" pitchFamily="18" charset="-127"/>
+              <a:ea typeface="a로케트" pitchFamily="18" charset="-127"/>
+            </a:endParaRPr>
+          </a:p>
+        </p:txBody>
+      </p:sp>
+      <p:pic>
+        <p:nvPicPr>
+          <p:cNvPr id="23" name="그림 22">
+            <a:extLst>
+              <a:ext uri="{FF2B5EF4-FFF2-40B4-BE49-F238E27FC236}">
+                <a16:creationId xmlns:a16="http://schemas.microsoft.com/office/drawing/2014/main" id="{71F489A3-4C57-449D-9EC6-8ABD5DC6CC22}"/>
+              </a:ext>
+            </a:extLst>
+          </p:cNvPr>
+          <p:cNvPicPr>
+            <a:picLocks noChangeAspect="1"/>
+          </p:cNvPicPr>
+          <p:nvPr/>
+        </p:nvPicPr>
+        <p:blipFill rotWithShape="1">
+          <a:blip r:embed="rId2">
+            <a:extLst>
+              <a:ext uri="{28A0092B-C50C-407E-A947-70E740481C1C}">
+                <a14:useLocalDpi xmlns:a14="http://schemas.microsoft.com/office/drawing/2010/main" val="0"/>
+              </a:ext>
+            </a:extLst>
+          </a:blip>
+          <a:srcRect r="16151"/>
+          <a:stretch/>
+        </p:blipFill>
+        <p:spPr>
+          <a:xfrm>
+            <a:off x="-1" y="813483"/>
+            <a:ext cx="6663031" cy="5297674"/>
+          </a:xfrm>
+          <a:prstGeom prst="rect">
+            <a:avLst/>
+          </a:prstGeom>
+        </p:spPr>
+      </p:pic>
+      <p:pic>
+        <p:nvPicPr>
+          <p:cNvPr id="25" name="그림 24">
+            <a:extLst>
+              <a:ext uri="{FF2B5EF4-FFF2-40B4-BE49-F238E27FC236}">
+                <a16:creationId xmlns:a16="http://schemas.microsoft.com/office/drawing/2014/main" id="{4C13E9E7-4417-41AF-983A-1E7A88077BCF}"/>
+              </a:ext>
+            </a:extLst>
+          </p:cNvPr>
+          <p:cNvPicPr>
+            <a:picLocks noChangeAspect="1"/>
+          </p:cNvPicPr>
+          <p:nvPr/>
+        </p:nvPicPr>
+        <p:blipFill rotWithShape="1">
+          <a:blip r:embed="rId2">
+            <a:extLst>
+              <a:ext uri="{28A0092B-C50C-407E-A947-70E740481C1C}">
+                <a14:useLocalDpi xmlns:a14="http://schemas.microsoft.com/office/drawing/2010/main" val="0"/>
+              </a:ext>
+            </a:extLst>
+          </a:blip>
+          <a:srcRect l="82114"/>
+          <a:stretch/>
+        </p:blipFill>
+        <p:spPr>
+          <a:xfrm>
+            <a:off x="10053189" y="839298"/>
+            <a:ext cx="1421317" cy="5297674"/>
+          </a:xfrm>
+          <a:prstGeom prst="rect">
+            <a:avLst/>
+          </a:prstGeom>
+        </p:spPr>
+      </p:pic>
+      <p:sp>
+        <p:nvSpPr>
+          <p:cNvPr id="22" name="직사각형 21">
+            <a:extLst>
+              <a:ext uri="{FF2B5EF4-FFF2-40B4-BE49-F238E27FC236}">
+                <a16:creationId xmlns:a16="http://schemas.microsoft.com/office/drawing/2014/main" id="{77B6B377-D01B-4025-AB50-E5637B01D73B}"/>
+              </a:ext>
+            </a:extLst>
+          </p:cNvPr>
+          <p:cNvSpPr/>
+          <p:nvPr/>
+        </p:nvSpPr>
+        <p:spPr>
+          <a:xfrm>
+            <a:off x="2656541" y="2220840"/>
+            <a:ext cx="1841127" cy="2100991"/>
+          </a:xfrm>
+          <a:prstGeom prst="rect">
+            <a:avLst/>
+          </a:prstGeom>
+          <a:noFill/>
+          <a:ln w="95250">
+            <a:solidFill>
+              <a:schemeClr val="bg1"/>
+            </a:solidFill>
+          </a:ln>
+          <a:effectLst>
+            <a:outerShdw blurRad="50800" dist="88900" dir="2700000" algn="tl" rotWithShape="0">
+              <a:prstClr val="black">
+                <a:alpha val="40000"/>
+              </a:prstClr>
+            </a:outerShdw>
+          </a:effectLst>
+        </p:spPr>
+        <p:style>
+          <a:lnRef idx="2">
+            <a:schemeClr val="accent1">
+              <a:shade val="50000"/>
+            </a:schemeClr>
+          </a:lnRef>
+          <a:fillRef idx="1">
+            <a:schemeClr val="accent1"/>
+          </a:fillRef>
+          <a:effectRef idx="0">
+            <a:schemeClr val="accent1"/>
+          </a:effectRef>
+          <a:fontRef idx="minor">
+            <a:schemeClr val="lt1"/>
+          </a:fontRef>
+        </p:style>
+        <p:txBody>
+          <a:bodyPr rtlCol="0" anchor="ctr"/>
+          <a:lstStyle/>
+          <a:p>
+            <a:pPr algn="ctr"/>
+            <a:endParaRPr lang="ko-KR" altLang="en-US">
+              <a:solidFill>
+                <a:schemeClr val="bg1"/>
+              </a:solidFill>
+            </a:endParaRPr>
+          </a:p>
+        </p:txBody>
+      </p:sp>
+      <p:sp>
+        <p:nvSpPr>
+          <p:cNvPr id="13" name="TextBox 12">
+            <a:extLst>
+              <a:ext uri="{FF2B5EF4-FFF2-40B4-BE49-F238E27FC236}">
+                <a16:creationId xmlns:a16="http://schemas.microsoft.com/office/drawing/2014/main" id="{3D905818-4AC2-466C-98CE-790C0C3D71F9}"/>
+              </a:ext>
+            </a:extLst>
+          </p:cNvPr>
+          <p:cNvSpPr txBox="1"/>
+          <p:nvPr/>
+        </p:nvSpPr>
+        <p:spPr>
+          <a:xfrm>
+            <a:off x="7069753" y="3376727"/>
+            <a:ext cx="1967205" cy="338554"/>
+          </a:xfrm>
+          <a:prstGeom prst="rect">
+            <a:avLst/>
+          </a:prstGeom>
+          <a:noFill/>
+        </p:spPr>
+        <p:txBody>
+          <a:bodyPr wrap="none" rtlCol="0">
+            <a:spAutoFit/>
+          </a:bodyPr>
+          <a:lstStyle/>
+          <a:p>
+            <a:r>
+              <a:rPr lang="en-US" altLang="ko-KR" sz="1600" dirty="0">
+                <a:ln>
+                  <a:solidFill>
+                    <a:schemeClr val="accent1">
+                      <a:alpha val="0"/>
+                    </a:schemeClr>
+                  </a:solidFill>
+                </a:ln>
+                <a:solidFill>
+                  <a:schemeClr val="tx1">
+                    <a:lumMod val="85000"/>
+                    <a:lumOff val="15000"/>
+                  </a:schemeClr>
+                </a:solidFill>
+                <a:latin typeface="a로케트" pitchFamily="18" charset="-127"/>
+                <a:ea typeface="a로케트" pitchFamily="18" charset="-127"/>
+              </a:rPr>
+              <a:t>02 / </a:t>
+            </a:r>
+            <a:r>
+              <a:rPr lang="ko-KR" altLang="en-US" sz="1600" dirty="0">
+                <a:ln>
+                  <a:solidFill>
+                    <a:schemeClr val="accent1">
+                      <a:alpha val="0"/>
+                    </a:schemeClr>
+                  </a:solidFill>
+                </a:ln>
+                <a:solidFill>
+                  <a:schemeClr val="tx1">
+                    <a:lumMod val="85000"/>
+                    <a:lumOff val="15000"/>
+                  </a:schemeClr>
+                </a:solidFill>
+                <a:latin typeface="a로케트" pitchFamily="18" charset="-127"/>
+                <a:ea typeface="a로케트" pitchFamily="18" charset="-127"/>
+              </a:rPr>
+              <a:t>프로젝트 과정</a:t>
+            </a:r>
+          </a:p>
+        </p:txBody>
+      </p:sp>
+      <p:sp>
+        <p:nvSpPr>
+          <p:cNvPr id="12" name="TextBox 11">
+            <a:extLst>
+              <a:ext uri="{FF2B5EF4-FFF2-40B4-BE49-F238E27FC236}">
+                <a16:creationId xmlns:a16="http://schemas.microsoft.com/office/drawing/2014/main" id="{727C373B-7A4C-4AF7-9E22-CAD2DEB4A842}"/>
+              </a:ext>
+            </a:extLst>
+          </p:cNvPr>
+          <p:cNvSpPr txBox="1"/>
+          <p:nvPr/>
+        </p:nvSpPr>
+        <p:spPr>
+          <a:xfrm>
+            <a:off x="6768396" y="1532355"/>
+            <a:ext cx="498855" cy="769441"/>
+          </a:xfrm>
+          <a:prstGeom prst="rect">
+            <a:avLst/>
+          </a:prstGeom>
+          <a:noFill/>
+          <a:effectLst>
+            <a:outerShdw blurRad="50800" dist="38100" dir="2700000" algn="tl" rotWithShape="0">
+              <a:prstClr val="black">
+                <a:alpha val="40000"/>
+              </a:prstClr>
+            </a:outerShdw>
+          </a:effectLst>
+        </p:spPr>
+        <p:txBody>
+          <a:bodyPr wrap="none" rtlCol="0">
+            <a:spAutoFit/>
+          </a:bodyPr>
+          <a:lstStyle/>
+          <a:p>
+            <a:r>
+              <a:rPr lang="en-US" altLang="ko-KR" sz="4400" b="1" dirty="0">
+                <a:solidFill>
+                  <a:schemeClr val="tx1">
+                    <a:lumMod val="85000"/>
+                    <a:lumOff val="15000"/>
+                  </a:schemeClr>
+                </a:solidFill>
+                <a:latin typeface="Arial Black" panose="020B0A04020102020204" pitchFamily="34" charset="0"/>
+                <a:ea typeface="HY강B" pitchFamily="18" charset="-127"/>
+                <a:cs typeface="Leelawadee" panose="020B0502040204020203" pitchFamily="34" charset="-34"/>
+              </a:rPr>
+              <a:t>*</a:t>
+            </a:r>
+            <a:endParaRPr lang="ko-KR" altLang="en-US" sz="4400" b="1" dirty="0">
+              <a:solidFill>
+                <a:schemeClr val="tx1">
+                  <a:lumMod val="85000"/>
+                  <a:lumOff val="15000"/>
+                </a:schemeClr>
+              </a:solidFill>
+              <a:latin typeface="Arial Black" panose="020B0A04020102020204" pitchFamily="34" charset="0"/>
+              <a:ea typeface="HY강B" pitchFamily="18" charset="-127"/>
+              <a:cs typeface="Leelawadee" panose="020B0502040204020203" pitchFamily="34" charset="-34"/>
+            </a:endParaRPr>
+          </a:p>
+        </p:txBody>
+      </p:sp>
+    </p:spTree>
+    <p:extLst>
+      <p:ext uri="{BB962C8B-B14F-4D97-AF65-F5344CB8AC3E}">
+        <p14:creationId xmlns:p14="http://schemas.microsoft.com/office/powerpoint/2010/main" val="3611147320"/>
+      </p:ext>
+    </p:extLst>
+  </p:cSld>
+  <p:clrMapOvr>
+    <a:masterClrMapping/>
+  </p:clrMapOvr>
+  <p:transition>
+    <p:fade thruBlk="1"/>
+  </p:transition>
+</p:sld>
+</file>
+
+<file path=ppt/slides/slide4.xml><?xml version="1.0" encoding="utf-8"?>
+<p:sld xmlns:a="http://schemas.openxmlformats.org/drawingml/2006/main" xmlns:r="http://schemas.openxmlformats.org/officeDocument/2006/relationships" xmlns:p="http://schemas.openxmlformats.org/presentationml/2006/main">
+  <p:cSld>
+    <p:bg>
+      <p:bgPr>
+        <a:solidFill>
+          <a:schemeClr val="bg1"/>
+        </a:solidFill>
+        <a:effectLst/>
+      </p:bgPr>
+    </p:bg>
+    <p:spTree>
+      <p:nvGrpSpPr>
+        <p:cNvPr id="1" name=""/>
+        <p:cNvGrpSpPr/>
+        <p:nvPr/>
+      </p:nvGrpSpPr>
+      <p:grpSpPr>
+        <a:xfrm>
+          <a:off x="0" y="0"/>
+          <a:ext cx="0" cy="0"/>
+          <a:chOff x="0" y="0"/>
+          <a:chExt cx="0" cy="0"/>
+        </a:xfrm>
+      </p:grpSpPr>
+      <p:pic>
+        <p:nvPicPr>
+          <p:cNvPr id="7" name="온라인 미디어 6" title="82년생 김지영 (Kim Ji Young: Born 1982, 2019) 메인 예고편">
+            <a:hlinkClick r:id="" action="ppaction://media"/>
+            <a:extLst>
+              <a:ext uri="{FF2B5EF4-FFF2-40B4-BE49-F238E27FC236}">
+                <a16:creationId xmlns:a16="http://schemas.microsoft.com/office/drawing/2014/main" id="{CCAE0D19-FFD6-44F2-9800-73D3D3546CBF}"/>
+              </a:ext>
+            </a:extLst>
+          </p:cNvPr>
+          <p:cNvPicPr>
+            <a:picLocks noRot="1" noChangeAspect="1"/>
+          </p:cNvPicPr>
+          <p:nvPr>
+            <a:videoFile r:link="rId1"/>
+          </p:nvPr>
+        </p:nvPicPr>
+        <p:blipFill>
+          <a:blip r:embed="rId3"/>
+          <a:stretch>
+            <a:fillRect/>
+          </a:stretch>
+        </p:blipFill>
+        <p:spPr>
+          <a:xfrm>
+            <a:off x="0" y="0"/>
+            <a:ext cx="12192000" cy="6858000"/>
+          </a:xfrm>
+          <a:prstGeom prst="rect">
+            <a:avLst/>
+          </a:prstGeom>
+        </p:spPr>
+      </p:pic>
+    </p:spTree>
+    <p:extLst>
+      <p:ext uri="{BB962C8B-B14F-4D97-AF65-F5344CB8AC3E}">
+        <p14:creationId xmlns:p14="http://schemas.microsoft.com/office/powerpoint/2010/main" val="3166997436"/>
+      </p:ext>
+    </p:extLst>
+  </p:cSld>
+  <p:clrMapOvr>
+    <a:masterClrMapping/>
+  </p:clrMapOvr>
+  <p:transition>
+    <p:fade thruBlk="1"/>
+  </p:transition>
+</p:sld>
+</file>
+
+<file path=ppt/slides/slide5.xml><?xml version="1.0" encoding="utf-8"?>
+<p:sld xmlns:a="http://schemas.openxmlformats.org/drawingml/2006/main" xmlns:r="http://schemas.openxmlformats.org/officeDocument/2006/relationships" xmlns:p="http://schemas.openxmlformats.org/presentationml/2006/main">
+  <p:cSld>
+    <p:bg>
+      <p:bgPr>
+        <a:solidFill>
+          <a:schemeClr val="bg1"/>
+        </a:solidFill>
+        <a:effectLst/>
+      </p:bgPr>
+    </p:bg>
+    <p:spTree>
+      <p:nvGrpSpPr>
+        <p:cNvPr id="1" name=""/>
+        <p:cNvGrpSpPr/>
+        <p:nvPr/>
+      </p:nvGrpSpPr>
+      <p:grpSpPr>
+        <a:xfrm>
+          <a:off x="0" y="0"/>
+          <a:ext cx="0" cy="0"/>
+          <a:chOff x="0" y="0"/>
+          <a:chExt cx="0" cy="0"/>
+        </a:xfrm>
+      </p:grpSpPr>
       <p:sp>
         <p:nvSpPr>
           <p:cNvPr id="2" name="제목 1">
@@ -6042,75 +7102,6 @@
           </a:p>
         </p:txBody>
       </p:sp>
-      <p:pic>
-        <p:nvPicPr>
-          <p:cNvPr id="1027" name="Picture 3"/>
-          <p:cNvPicPr>
-            <a:picLocks noChangeAspect="1" noChangeArrowheads="1"/>
-          </p:cNvPicPr>
-          <p:nvPr/>
-        </p:nvPicPr>
-        <p:blipFill>
-          <a:blip r:embed="rId2"/>
-          <a:srcRect/>
-          <a:stretch>
-            <a:fillRect/>
-          </a:stretch>
-        </p:blipFill>
-        <p:spPr bwMode="auto">
-          <a:xfrm>
-            <a:off x="6947518" y="2132568"/>
-            <a:ext cx="4773536" cy="2875929"/>
-          </a:xfrm>
-          <a:prstGeom prst="rect">
-            <a:avLst/>
-          </a:prstGeom>
-          <a:noFill/>
-          <a:ln w="9525">
-            <a:noFill/>
-            <a:miter lim="800000"/>
-            <a:headEnd/>
-            <a:tailEnd/>
-          </a:ln>
-          <a:effectLst/>
-        </p:spPr>
-      </p:pic>
-      <p:pic>
-        <p:nvPicPr>
-          <p:cNvPr id="16" name="그림 15">
-            <a:extLst>
-              <a:ext uri="{FF2B5EF4-FFF2-40B4-BE49-F238E27FC236}">
-                <a16:creationId xmlns:a16="http://schemas.microsoft.com/office/drawing/2014/main" id="{82B77576-B519-4B34-A7C9-6BE844F5A491}"/>
-              </a:ext>
-            </a:extLst>
-          </p:cNvPr>
-          <p:cNvPicPr>
-            <a:picLocks noChangeAspect="1"/>
-          </p:cNvPicPr>
-          <p:nvPr/>
-        </p:nvPicPr>
-        <p:blipFill>
-          <a:blip r:embed="rId3" cstate="print">
-            <a:extLst>
-              <a:ext uri="{28A0092B-C50C-407E-A947-70E740481C1C}">
-                <a14:useLocalDpi xmlns:a14="http://schemas.microsoft.com/office/drawing/2010/main" val="0"/>
-              </a:ext>
-            </a:extLst>
-          </a:blip>
-          <a:stretch>
-            <a:fillRect/>
-          </a:stretch>
-        </p:blipFill>
-        <p:spPr>
-          <a:xfrm>
-            <a:off x="656536" y="2794816"/>
-            <a:ext cx="5496719" cy="3415952"/>
-          </a:xfrm>
-          <a:prstGeom prst="rect">
-            <a:avLst/>
-          </a:prstGeom>
-        </p:spPr>
-      </p:pic>
       <p:sp>
         <p:nvSpPr>
           <p:cNvPr id="11" name="TextBox 10">
@@ -6405,12 +7396,72 @@
           </a:p>
         </p:txBody>
       </p:sp>
+      <p:pic>
+        <p:nvPicPr>
+          <p:cNvPr id="6" name="그림 5">
+            <a:extLst>
+              <a:ext uri="{FF2B5EF4-FFF2-40B4-BE49-F238E27FC236}">
+                <a16:creationId xmlns:a16="http://schemas.microsoft.com/office/drawing/2014/main" id="{579ED4C5-6D2D-44D7-BCAD-AE272FCC7119}"/>
+              </a:ext>
+            </a:extLst>
+          </p:cNvPr>
+          <p:cNvPicPr>
+            <a:picLocks noChangeAspect="1"/>
+          </p:cNvPicPr>
+          <p:nvPr/>
+        </p:nvPicPr>
+        <p:blipFill>
+          <a:blip r:embed="rId2"/>
+          <a:stretch>
+            <a:fillRect/>
+          </a:stretch>
+        </p:blipFill>
+        <p:spPr>
+          <a:xfrm rot="20930297">
+            <a:off x="6185214" y="1765299"/>
+            <a:ext cx="4806170" cy="3404998"/>
+          </a:xfrm>
+          <a:prstGeom prst="rect">
+            <a:avLst/>
+          </a:prstGeom>
+        </p:spPr>
+      </p:pic>
+      <p:pic>
+        <p:nvPicPr>
+          <p:cNvPr id="3" name="그림 2">
+            <a:extLst>
+              <a:ext uri="{FF2B5EF4-FFF2-40B4-BE49-F238E27FC236}">
+                <a16:creationId xmlns:a16="http://schemas.microsoft.com/office/drawing/2014/main" id="{1EF67FAE-61DC-4F8A-9E4C-1193137F075C}"/>
+              </a:ext>
+            </a:extLst>
+          </p:cNvPr>
+          <p:cNvPicPr>
+            <a:picLocks noChangeAspect="1"/>
+          </p:cNvPicPr>
+          <p:nvPr/>
+        </p:nvPicPr>
+        <p:blipFill>
+          <a:blip r:embed="rId3"/>
+          <a:stretch>
+            <a:fillRect/>
+          </a:stretch>
+        </p:blipFill>
+        <p:spPr>
+          <a:xfrm rot="898312">
+            <a:off x="747223" y="1967988"/>
+            <a:ext cx="6027258" cy="3846435"/>
+          </a:xfrm>
+          <a:prstGeom prst="rect">
+            <a:avLst/>
+          </a:prstGeom>
+        </p:spPr>
+      </p:pic>
       <p:grpSp>
         <p:nvGrpSpPr>
-          <p:cNvPr id="5" name="그룹 4">
-            <a:extLst>
-              <a:ext uri="{FF2B5EF4-FFF2-40B4-BE49-F238E27FC236}">
-                <a16:creationId xmlns:a16="http://schemas.microsoft.com/office/drawing/2014/main" id="{50C60614-81CD-4DED-8977-3079D3E2564C}"/>
+          <p:cNvPr id="9" name="그룹 8">
+            <a:extLst>
+              <a:ext uri="{FF2B5EF4-FFF2-40B4-BE49-F238E27FC236}">
+                <a16:creationId xmlns:a16="http://schemas.microsoft.com/office/drawing/2014/main" id="{2DE5AB2D-85C6-4FDD-9E8C-2A2C89A4F7EC}"/>
               </a:ext>
             </a:extLst>
           </p:cNvPr>
@@ -6419,93 +7470,100 @@
         </p:nvGrpSpPr>
         <p:grpSpPr>
           <a:xfrm>
-            <a:off x="569425" y="1253991"/>
-            <a:ext cx="5766294" cy="1757154"/>
-            <a:chOff x="569425" y="1253991"/>
-            <a:chExt cx="5766294" cy="1757154"/>
+            <a:off x="4485939" y="1060324"/>
+            <a:ext cx="2872124" cy="5067162"/>
+            <a:chOff x="4000098" y="363627"/>
+            <a:chExt cx="3168932" cy="5639628"/>
           </a:xfrm>
         </p:grpSpPr>
         <p:pic>
           <p:nvPicPr>
-            <p:cNvPr id="1026" name="Picture 2"/>
+            <p:cNvPr id="7" name="그림 6">
+              <a:extLst>
+                <a:ext uri="{FF2B5EF4-FFF2-40B4-BE49-F238E27FC236}">
+                  <a16:creationId xmlns:a16="http://schemas.microsoft.com/office/drawing/2014/main" id="{CFDABC47-D6DD-4125-B58A-265A6BC85A71}"/>
+                </a:ext>
+              </a:extLst>
+            </p:cNvPr>
             <p:cNvPicPr>
-              <a:picLocks noChangeAspect="1" noChangeArrowheads="1"/>
+              <a:picLocks noChangeAspect="1"/>
             </p:cNvPicPr>
             <p:nvPr/>
           </p:nvPicPr>
           <p:blipFill>
             <a:blip r:embed="rId4"/>
-            <a:srcRect/>
             <a:stretch>
               <a:fillRect/>
             </a:stretch>
           </p:blipFill>
-          <p:spPr bwMode="auto">
+          <p:spPr>
             <a:xfrm>
-              <a:off x="569425" y="1253991"/>
-              <a:ext cx="5766294" cy="1757154"/>
+              <a:off x="4000098" y="862772"/>
+              <a:ext cx="3168932" cy="5140483"/>
             </a:xfrm>
             <a:prstGeom prst="rect">
               <a:avLst/>
             </a:prstGeom>
-            <a:noFill/>
-            <a:ln w="9525">
-              <a:noFill/>
-              <a:miter lim="800000"/>
-              <a:headEnd/>
-              <a:tailEnd/>
-            </a:ln>
-            <a:effectLst/>
           </p:spPr>
         </p:pic>
-        <p:cxnSp>
-          <p:nvCxnSpPr>
-            <p:cNvPr id="4" name="직선 연결선 3">
+        <p:pic>
+          <p:nvPicPr>
+            <p:cNvPr id="8" name="그림 7">
               <a:extLst>
                 <a:ext uri="{FF2B5EF4-FFF2-40B4-BE49-F238E27FC236}">
-                  <a16:creationId xmlns:a16="http://schemas.microsoft.com/office/drawing/2014/main" id="{CBEA9340-D671-4C10-BFB5-83ED8A9FD23C}"/>
+                  <a16:creationId xmlns:a16="http://schemas.microsoft.com/office/drawing/2014/main" id="{38DB5386-F752-4669-ABD5-65BC7BFCA7DC}"/>
                 </a:ext>
               </a:extLst>
             </p:cNvPr>
-            <p:cNvCxnSpPr/>
+            <p:cNvPicPr>
+              <a:picLocks noChangeAspect="1"/>
+            </p:cNvPicPr>
             <p:nvPr/>
-          </p:nvCxnSpPr>
+          </p:nvPicPr>
+          <p:blipFill>
+            <a:blip r:embed="rId5">
+              <a:extLst>
+                <a:ext uri="{BEBA8EAE-BF5A-486C-A8C5-ECC9F3942E4B}">
+                  <a14:imgProps xmlns:a14="http://schemas.microsoft.com/office/drawing/2010/main">
+                    <a14:imgLayer r:embed="rId6">
+                      <a14:imgEffect>
+                        <a14:backgroundRemoval t="10000" b="90000" l="10000" r="90000">
+                          <a14:foregroundMark x1="14000" y1="38710" x2="14000" y2="53226"/>
+                          <a14:foregroundMark x1="21600" y1="45161" x2="23200" y2="50000"/>
+                          <a14:foregroundMark x1="27600" y1="46774" x2="30800" y2="45161"/>
+                          <a14:foregroundMark x1="38400" y1="50000" x2="43600" y2="43548"/>
+                          <a14:foregroundMark x1="64800" y1="46774" x2="68400" y2="37097"/>
+                          <a14:foregroundMark x1="71200" y1="50000" x2="76800" y2="46774"/>
+                          <a14:foregroundMark x1="82800" y1="45161" x2="89600" y2="54839"/>
+                          <a14:foregroundMark x1="59200" y1="67742" x2="59200" y2="67742"/>
+                        </a14:backgroundRemoval>
+                      </a14:imgEffect>
+                    </a14:imgLayer>
+                  </a14:imgProps>
+                </a:ext>
+              </a:extLst>
+            </a:blip>
+            <a:stretch>
+              <a:fillRect/>
+            </a:stretch>
+          </p:blipFill>
           <p:spPr>
             <a:xfrm>
-              <a:off x="1530220" y="2052735"/>
-              <a:ext cx="2705878" cy="0"/>
+              <a:off x="4044518" y="363627"/>
+              <a:ext cx="1831535" cy="454221"/>
             </a:xfrm>
-            <a:prstGeom prst="line">
+            <a:prstGeom prst="rect">
               <a:avLst/>
             </a:prstGeom>
-            <a:ln w="38100">
-              <a:solidFill>
-                <a:srgbClr val="C00000"/>
-              </a:solidFill>
-            </a:ln>
           </p:spPr>
-          <p:style>
-            <a:lnRef idx="1">
-              <a:schemeClr val="accent1"/>
-            </a:lnRef>
-            <a:fillRef idx="0">
-              <a:schemeClr val="accent1"/>
-            </a:fillRef>
-            <a:effectRef idx="0">
-              <a:schemeClr val="accent1"/>
-            </a:effectRef>
-            <a:fontRef idx="minor">
-              <a:schemeClr val="tx1"/>
-            </a:fontRef>
-          </p:style>
-        </p:cxnSp>
+        </p:pic>
       </p:grpSp>
       <p:sp>
         <p:nvSpPr>
-          <p:cNvPr id="17" name="직사각형 16">
-            <a:extLst>
-              <a:ext uri="{FF2B5EF4-FFF2-40B4-BE49-F238E27FC236}">
-                <a16:creationId xmlns:a16="http://schemas.microsoft.com/office/drawing/2014/main" id="{81E0EF76-A785-4C24-A950-FDA866239060}"/>
+          <p:cNvPr id="23" name="직사각형 22">
+            <a:extLst>
+              <a:ext uri="{FF2B5EF4-FFF2-40B4-BE49-F238E27FC236}">
+                <a16:creationId xmlns:a16="http://schemas.microsoft.com/office/drawing/2014/main" id="{383F1D6D-F838-4670-BAB9-FD50987028CA}"/>
               </a:ext>
             </a:extLst>
           </p:cNvPr>
@@ -6514,68 +7572,8 @@
         </p:nvSpPr>
         <p:spPr>
           <a:xfrm>
-            <a:off x="254000" y="1206499"/>
-            <a:ext cx="6362700" cy="5127829"/>
-          </a:xfrm>
-          <a:prstGeom prst="rect">
-            <a:avLst/>
-          </a:prstGeom>
-          <a:noFill/>
-          <a:ln w="88900">
-            <a:solidFill>
-              <a:srgbClr val="E75765"/>
-            </a:solidFill>
-          </a:ln>
-          <a:effectLst>
-            <a:outerShdw blurRad="50800" dist="50800" dir="3000000" algn="tl" rotWithShape="0">
-              <a:prstClr val="black">
-                <a:alpha val="40000"/>
-              </a:prstClr>
-            </a:outerShdw>
-          </a:effectLst>
-        </p:spPr>
-        <p:style>
-          <a:lnRef idx="2">
-            <a:schemeClr val="accent1">
-              <a:shade val="50000"/>
-            </a:schemeClr>
-          </a:lnRef>
-          <a:fillRef idx="1">
-            <a:schemeClr val="accent1"/>
-          </a:fillRef>
-          <a:effectRef idx="0">
-            <a:schemeClr val="accent1"/>
-          </a:effectRef>
-          <a:fontRef idx="minor">
-            <a:schemeClr val="lt1"/>
-          </a:fontRef>
-        </p:style>
-        <p:txBody>
-          <a:bodyPr rtlCol="0" anchor="ctr"/>
-          <a:lstStyle/>
-          <a:p>
-            <a:pPr algn="ctr"/>
-            <a:endParaRPr lang="ko-KR" altLang="en-US">
-              <a:solidFill>
-                <a:schemeClr val="tx1">
-                  <a:lumMod val="75000"/>
-                  <a:lumOff val="25000"/>
-                </a:schemeClr>
-              </a:solidFill>
-            </a:endParaRPr>
-          </a:p>
-        </p:txBody>
-      </p:sp>
-      <p:sp>
-        <p:nvSpPr>
-          <p:cNvPr id="18" name="직사각형 17"/>
-          <p:cNvSpPr/>
-          <p:nvPr/>
-        </p:nvSpPr>
-        <p:spPr>
-          <a:xfrm>
-            <a:off x="0" y="1391513"/>
-            <a:ext cx="12192000" cy="4279900"/>
+            <a:off x="0" y="737586"/>
+            <a:ext cx="12192000" cy="5183609"/>
           </a:xfrm>
           <a:prstGeom prst="rect">
             <a:avLst/>
@@ -6616,14 +7614,20 @@
       </p:sp>
       <p:sp>
         <p:nvSpPr>
-          <p:cNvPr id="19" name="TextBox 18"/>
+          <p:cNvPr id="24" name="TextBox 23">
+            <a:extLst>
+              <a:ext uri="{FF2B5EF4-FFF2-40B4-BE49-F238E27FC236}">
+                <a16:creationId xmlns:a16="http://schemas.microsoft.com/office/drawing/2014/main" id="{0A45F18A-D907-453C-B8AB-B9589CA33157}"/>
+              </a:ext>
+            </a:extLst>
+          </p:cNvPr>
           <p:cNvSpPr txBox="1"/>
           <p:nvPr/>
         </p:nvSpPr>
         <p:spPr>
           <a:xfrm>
-            <a:off x="4193075" y="2961289"/>
-            <a:ext cx="3805850" cy="923330"/>
+            <a:off x="3051314" y="2012602"/>
+            <a:ext cx="5854488" cy="923330"/>
           </a:xfrm>
           <a:prstGeom prst="rect">
             <a:avLst/>
@@ -6662,7 +7666,7 @@
                 <a:latin typeface="a로케트" pitchFamily="18" charset="-127"/>
                 <a:ea typeface="a로케트" pitchFamily="18" charset="-127"/>
               </a:rPr>
-              <a:t>저출산</a:t>
+              <a:t>효과없는</a:t>
             </a:r>
             <a:r>
               <a:rPr lang="ko-KR" altLang="en-US" sz="5400" dirty="0">
@@ -6689,7 +7693,7 @@
                 <a:latin typeface="a로케트" pitchFamily="18" charset="-127"/>
                 <a:ea typeface="a로케트" pitchFamily="18" charset="-127"/>
               </a:rPr>
-              <a:t> 문제</a:t>
+              <a:t> 출산정책</a:t>
             </a:r>
             <a:endParaRPr lang="en-US" altLang="ko-KR" sz="5400" dirty="0">
               <a:ln>
@@ -6718,10 +7722,229 @@
           </a:p>
         </p:txBody>
       </p:sp>
+      <p:sp>
+        <p:nvSpPr>
+          <p:cNvPr id="25" name="TextBox 24">
+            <a:extLst>
+              <a:ext uri="{FF2B5EF4-FFF2-40B4-BE49-F238E27FC236}">
+                <a16:creationId xmlns:a16="http://schemas.microsoft.com/office/drawing/2014/main" id="{AD473607-61C5-4316-9668-AD8EF6B0D7F7}"/>
+              </a:ext>
+            </a:extLst>
+          </p:cNvPr>
+          <p:cNvSpPr txBox="1"/>
+          <p:nvPr/>
+        </p:nvSpPr>
+        <p:spPr>
+          <a:xfrm>
+            <a:off x="3203600" y="3527946"/>
+            <a:ext cx="5702202" cy="1446550"/>
+          </a:xfrm>
+          <a:prstGeom prst="rect">
+            <a:avLst/>
+          </a:prstGeom>
+          <a:noFill/>
+        </p:spPr>
+        <p:txBody>
+          <a:bodyPr wrap="none" rtlCol="0">
+            <a:spAutoFit/>
+          </a:bodyPr>
+          <a:lstStyle/>
+          <a:p>
+            <a:r>
+              <a:rPr lang="ko-KR" altLang="en-US" sz="4400" dirty="0">
+                <a:ln>
+                  <a:solidFill>
+                    <a:schemeClr val="accent1">
+                      <a:alpha val="0"/>
+                    </a:schemeClr>
+                  </a:solidFill>
+                </a:ln>
+                <a:solidFill>
+                  <a:schemeClr val="tx1">
+                    <a:lumMod val="85000"/>
+                    <a:lumOff val="15000"/>
+                  </a:schemeClr>
+                </a:solidFill>
+                <a:effectLst>
+                  <a:outerShdw blurRad="50800" dist="38100" dir="2700000" algn="tl" rotWithShape="0">
+                    <a:prstClr val="black">
+                      <a:alpha val="40000"/>
+                    </a:prstClr>
+                  </a:outerShdw>
+                </a:effectLst>
+                <a:latin typeface="a로케트" pitchFamily="18" charset="-127"/>
+                <a:ea typeface="a로케트" pitchFamily="18" charset="-127"/>
+              </a:rPr>
+              <a:t>사라진 </a:t>
+            </a:r>
+            <a:r>
+              <a:rPr lang="en-US" altLang="ko-KR" sz="4400" dirty="0">
+                <a:ln>
+                  <a:solidFill>
+                    <a:schemeClr val="accent1">
+                      <a:alpha val="0"/>
+                    </a:schemeClr>
+                  </a:solidFill>
+                </a:ln>
+                <a:solidFill>
+                  <a:schemeClr val="tx1">
+                    <a:lumMod val="85000"/>
+                    <a:lumOff val="15000"/>
+                  </a:schemeClr>
+                </a:solidFill>
+                <a:effectLst>
+                  <a:outerShdw blurRad="50800" dist="38100" dir="2700000" algn="tl" rotWithShape="0">
+                    <a:prstClr val="black">
+                      <a:alpha val="40000"/>
+                    </a:prstClr>
+                  </a:outerShdw>
+                </a:effectLst>
+                <a:latin typeface="a로케트" pitchFamily="18" charset="-127"/>
+                <a:ea typeface="a로케트" pitchFamily="18" charset="-127"/>
+              </a:rPr>
+              <a:t>100</a:t>
+            </a:r>
+            <a:r>
+              <a:rPr lang="ko-KR" altLang="en-US" sz="4400" dirty="0">
+                <a:ln>
+                  <a:solidFill>
+                    <a:schemeClr val="accent1">
+                      <a:alpha val="0"/>
+                    </a:schemeClr>
+                  </a:solidFill>
+                </a:ln>
+                <a:solidFill>
+                  <a:schemeClr val="tx1">
+                    <a:lumMod val="85000"/>
+                    <a:lumOff val="15000"/>
+                  </a:schemeClr>
+                </a:solidFill>
+                <a:effectLst>
+                  <a:outerShdw blurRad="50800" dist="38100" dir="2700000" algn="tl" rotWithShape="0">
+                    <a:prstClr val="black">
+                      <a:alpha val="40000"/>
+                    </a:prstClr>
+                  </a:outerShdw>
+                </a:effectLst>
+                <a:latin typeface="a로케트" pitchFamily="18" charset="-127"/>
+                <a:ea typeface="a로케트" pitchFamily="18" charset="-127"/>
+              </a:rPr>
+              <a:t>조 </a:t>
+            </a:r>
+            <a:endParaRPr lang="en-US" altLang="ko-KR" sz="4400" dirty="0">
+              <a:ln>
+                <a:solidFill>
+                  <a:schemeClr val="accent1">
+                    <a:alpha val="0"/>
+                  </a:schemeClr>
+                </a:solidFill>
+              </a:ln>
+              <a:solidFill>
+                <a:schemeClr val="tx1">
+                  <a:lumMod val="85000"/>
+                  <a:lumOff val="15000"/>
+                </a:schemeClr>
+              </a:solidFill>
+              <a:effectLst>
+                <a:outerShdw blurRad="50800" dist="38100" dir="2700000" algn="tl" rotWithShape="0">
+                  <a:prstClr val="black">
+                    <a:alpha val="40000"/>
+                  </a:prstClr>
+                </a:outerShdw>
+              </a:effectLst>
+              <a:latin typeface="a로케트" pitchFamily="18" charset="-127"/>
+              <a:ea typeface="a로케트" pitchFamily="18" charset="-127"/>
+            </a:endParaRPr>
+          </a:p>
+          <a:p>
+            <a:r>
+              <a:rPr lang="en-US" altLang="ko-KR" sz="4400" dirty="0">
+                <a:ln>
+                  <a:solidFill>
+                    <a:schemeClr val="accent1">
+                      <a:alpha val="0"/>
+                    </a:schemeClr>
+                  </a:solidFill>
+                </a:ln>
+                <a:solidFill>
+                  <a:schemeClr val="tx1">
+                    <a:lumMod val="85000"/>
+                    <a:lumOff val="15000"/>
+                  </a:schemeClr>
+                </a:solidFill>
+                <a:effectLst>
+                  <a:outerShdw blurRad="50800" dist="38100" dir="2700000" algn="tl" rotWithShape="0">
+                    <a:prstClr val="black">
+                      <a:alpha val="40000"/>
+                    </a:prstClr>
+                  </a:outerShdw>
+                </a:effectLst>
+                <a:latin typeface="a로케트" pitchFamily="18" charset="-127"/>
+                <a:ea typeface="a로케트" pitchFamily="18" charset="-127"/>
+              </a:rPr>
+              <a:t>             </a:t>
+            </a:r>
+            <a:r>
+              <a:rPr lang="ko-KR" altLang="en-US" sz="4400" dirty="0">
+                <a:ln>
+                  <a:solidFill>
+                    <a:schemeClr val="accent1">
+                      <a:alpha val="0"/>
+                    </a:schemeClr>
+                  </a:solidFill>
+                </a:ln>
+                <a:solidFill>
+                  <a:schemeClr val="tx1">
+                    <a:lumMod val="85000"/>
+                    <a:lumOff val="15000"/>
+                  </a:schemeClr>
+                </a:solidFill>
+                <a:effectLst>
+                  <a:outerShdw blurRad="50800" dist="38100" dir="2700000" algn="tl" rotWithShape="0">
+                    <a:prstClr val="black">
+                      <a:alpha val="40000"/>
+                    </a:prstClr>
+                  </a:outerShdw>
+                </a:effectLst>
+                <a:latin typeface="a로케트" pitchFamily="18" charset="-127"/>
+                <a:ea typeface="a로케트" pitchFamily="18" charset="-127"/>
+              </a:rPr>
+              <a:t>어디로 갔나</a:t>
+            </a:r>
+            <a:r>
+              <a:rPr lang="en-US" altLang="ko-KR" sz="4400" dirty="0">
+                <a:ln>
+                  <a:solidFill>
+                    <a:schemeClr val="accent1">
+                      <a:alpha val="0"/>
+                    </a:schemeClr>
+                  </a:solidFill>
+                </a:ln>
+                <a:solidFill>
+                  <a:schemeClr val="tx1">
+                    <a:lumMod val="85000"/>
+                    <a:lumOff val="15000"/>
+                  </a:schemeClr>
+                </a:solidFill>
+                <a:effectLst>
+                  <a:outerShdw blurRad="50800" dist="38100" dir="2700000" algn="tl" rotWithShape="0">
+                    <a:prstClr val="black">
+                      <a:alpha val="40000"/>
+                    </a:prstClr>
+                  </a:outerShdw>
+                </a:effectLst>
+                <a:latin typeface="a로케트" pitchFamily="18" charset="-127"/>
+                <a:ea typeface="a로케트" pitchFamily="18" charset="-127"/>
+              </a:rPr>
+              <a:t>?</a:t>
+            </a:r>
+          </a:p>
+        </p:txBody>
+      </p:sp>
     </p:spTree>
     <p:extLst>
       <p:ext uri="{BB962C8B-B14F-4D97-AF65-F5344CB8AC3E}">
-        <p14:creationId xmlns:p14="http://schemas.microsoft.com/office/powerpoint/2010/main" val="3166997436"/>
+        <p14:creationId xmlns:p14="http://schemas.microsoft.com/office/powerpoint/2010/main" val="162866756"/>
       </p:ext>
     </p:extLst>
   </p:cSld>
@@ -6743,6 +7966,9 @@
                     <p:cTn id="3" fill="hold">
                       <p:stCondLst>
                         <p:cond delay="indefinite"/>
+                        <p:cond evt="onBegin" delay="0">
+                          <p:tn val="2"/>
+                        </p:cond>
                       </p:stCondLst>
                       <p:childTnLst>
                         <p:par>
@@ -6752,7 +7978,7 @@
                             </p:stCondLst>
                             <p:childTnLst>
                               <p:par>
-                                <p:cTn id="5" presetID="10" presetClass="entr" presetSubtype="0" fill="hold" grpId="0" nodeType="clickEffect">
+                                <p:cTn id="5" presetID="10" presetClass="entr" presetSubtype="0" fill="hold" nodeType="withEffect">
                                   <p:stCondLst>
                                     <p:cond delay="0"/>
                                   </p:stCondLst>
@@ -6765,7 +7991,7 @@
                                           </p:stCondLst>
                                         </p:cTn>
                                         <p:tgtEl>
-                                          <p:spTgt spid="18"/>
+                                          <p:spTgt spid="3"/>
                                         </p:tgtEl>
                                         <p:attrNameLst>
                                           <p:attrName>style.visibility</p:attrName>
@@ -6779,7 +8005,7 @@
                                       <p:cBhvr>
                                         <p:cTn id="7" dur="500"/>
                                         <p:tgtEl>
-                                          <p:spTgt spid="18"/>
+                                          <p:spTgt spid="3"/>
                                         </p:tgtEl>
                                       </p:cBhvr>
                                     </p:animEffect>
@@ -6796,7 +8022,7 @@
                             </p:stCondLst>
                             <p:childTnLst>
                               <p:par>
-                                <p:cTn id="9" presetID="10" presetClass="entr" presetSubtype="0" fill="hold" grpId="0" nodeType="afterEffect">
+                                <p:cTn id="9" presetID="10" presetClass="entr" presetSubtype="0" fill="hold" nodeType="afterEffect">
                                   <p:stCondLst>
                                     <p:cond delay="0"/>
                                   </p:stCondLst>
@@ -6809,7 +8035,7 @@
                                           </p:stCondLst>
                                         </p:cTn>
                                         <p:tgtEl>
-                                          <p:spTgt spid="19"/>
+                                          <p:spTgt spid="6"/>
                                         </p:tgtEl>
                                         <p:attrNameLst>
                                           <p:attrName>style.visibility</p:attrName>
@@ -6823,7 +8049,261 @@
                                       <p:cBhvr>
                                         <p:cTn id="11" dur="500"/>
                                         <p:tgtEl>
-                                          <p:spTgt spid="19"/>
+                                          <p:spTgt spid="6"/>
+                                        </p:tgtEl>
+                                      </p:cBhvr>
+                                    </p:animEffect>
+                                  </p:childTnLst>
+                                </p:cTn>
+                              </p:par>
+                            </p:childTnLst>
+                          </p:cTn>
+                        </p:par>
+                        <p:par>
+                          <p:cTn id="12" fill="hold">
+                            <p:stCondLst>
+                              <p:cond delay="1000"/>
+                            </p:stCondLst>
+                            <p:childTnLst>
+                              <p:par>
+                                <p:cTn id="13" presetID="31" presetClass="entr" presetSubtype="0" fill="hold" nodeType="afterEffect">
+                                  <p:stCondLst>
+                                    <p:cond delay="0"/>
+                                  </p:stCondLst>
+                                  <p:childTnLst>
+                                    <p:set>
+                                      <p:cBhvr>
+                                        <p:cTn id="14" dur="1" fill="hold">
+                                          <p:stCondLst>
+                                            <p:cond delay="0"/>
+                                          </p:stCondLst>
+                                        </p:cTn>
+                                        <p:tgtEl>
+                                          <p:spTgt spid="9"/>
+                                        </p:tgtEl>
+                                        <p:attrNameLst>
+                                          <p:attrName>style.visibility</p:attrName>
+                                        </p:attrNameLst>
+                                      </p:cBhvr>
+                                      <p:to>
+                                        <p:strVal val="visible"/>
+                                      </p:to>
+                                    </p:set>
+                                    <p:anim calcmode="lin" valueType="num">
+                                      <p:cBhvr>
+                                        <p:cTn id="15" dur="500" fill="hold"/>
+                                        <p:tgtEl>
+                                          <p:spTgt spid="9"/>
+                                        </p:tgtEl>
+                                        <p:attrNameLst>
+                                          <p:attrName>ppt_w</p:attrName>
+                                        </p:attrNameLst>
+                                      </p:cBhvr>
+                                      <p:tavLst>
+                                        <p:tav tm="0">
+                                          <p:val>
+                                            <p:fltVal val="0"/>
+                                          </p:val>
+                                        </p:tav>
+                                        <p:tav tm="100000">
+                                          <p:val>
+                                            <p:strVal val="#ppt_w"/>
+                                          </p:val>
+                                        </p:tav>
+                                      </p:tavLst>
+                                    </p:anim>
+                                    <p:anim calcmode="lin" valueType="num">
+                                      <p:cBhvr>
+                                        <p:cTn id="16" dur="500" fill="hold"/>
+                                        <p:tgtEl>
+                                          <p:spTgt spid="9"/>
+                                        </p:tgtEl>
+                                        <p:attrNameLst>
+                                          <p:attrName>ppt_h</p:attrName>
+                                        </p:attrNameLst>
+                                      </p:cBhvr>
+                                      <p:tavLst>
+                                        <p:tav tm="0">
+                                          <p:val>
+                                            <p:fltVal val="0"/>
+                                          </p:val>
+                                        </p:tav>
+                                        <p:tav tm="100000">
+                                          <p:val>
+                                            <p:strVal val="#ppt_h"/>
+                                          </p:val>
+                                        </p:tav>
+                                      </p:tavLst>
+                                    </p:anim>
+                                    <p:anim calcmode="lin" valueType="num">
+                                      <p:cBhvr>
+                                        <p:cTn id="17" dur="500" fill="hold"/>
+                                        <p:tgtEl>
+                                          <p:spTgt spid="9"/>
+                                        </p:tgtEl>
+                                        <p:attrNameLst>
+                                          <p:attrName>style.rotation</p:attrName>
+                                        </p:attrNameLst>
+                                      </p:cBhvr>
+                                      <p:tavLst>
+                                        <p:tav tm="0">
+                                          <p:val>
+                                            <p:fltVal val="90"/>
+                                          </p:val>
+                                        </p:tav>
+                                        <p:tav tm="100000">
+                                          <p:val>
+                                            <p:fltVal val="0"/>
+                                          </p:val>
+                                        </p:tav>
+                                      </p:tavLst>
+                                    </p:anim>
+                                    <p:animEffect transition="in" filter="fade">
+                                      <p:cBhvr>
+                                        <p:cTn id="18" dur="500"/>
+                                        <p:tgtEl>
+                                          <p:spTgt spid="9"/>
+                                        </p:tgtEl>
+                                      </p:cBhvr>
+                                    </p:animEffect>
+                                  </p:childTnLst>
+                                </p:cTn>
+                              </p:par>
+                            </p:childTnLst>
+                          </p:cTn>
+                        </p:par>
+                      </p:childTnLst>
+                    </p:cTn>
+                  </p:par>
+                  <p:par>
+                    <p:cTn id="19" fill="hold">
+                      <p:stCondLst>
+                        <p:cond delay="indefinite"/>
+                      </p:stCondLst>
+                      <p:childTnLst>
+                        <p:par>
+                          <p:cTn id="20" fill="hold">
+                            <p:stCondLst>
+                              <p:cond delay="0"/>
+                            </p:stCondLst>
+                            <p:childTnLst>
+                              <p:par>
+                                <p:cTn id="21" presetID="10" presetClass="entr" presetSubtype="0" fill="hold" grpId="0" nodeType="clickEffect">
+                                  <p:stCondLst>
+                                    <p:cond delay="0"/>
+                                  </p:stCondLst>
+                                  <p:childTnLst>
+                                    <p:set>
+                                      <p:cBhvr>
+                                        <p:cTn id="22" dur="1" fill="hold">
+                                          <p:stCondLst>
+                                            <p:cond delay="0"/>
+                                          </p:stCondLst>
+                                        </p:cTn>
+                                        <p:tgtEl>
+                                          <p:spTgt spid="23"/>
+                                        </p:tgtEl>
+                                        <p:attrNameLst>
+                                          <p:attrName>style.visibility</p:attrName>
+                                        </p:attrNameLst>
+                                      </p:cBhvr>
+                                      <p:to>
+                                        <p:strVal val="visible"/>
+                                      </p:to>
+                                    </p:set>
+                                    <p:animEffect transition="in" filter="fade">
+                                      <p:cBhvr>
+                                        <p:cTn id="23" dur="500"/>
+                                        <p:tgtEl>
+                                          <p:spTgt spid="23"/>
+                                        </p:tgtEl>
+                                      </p:cBhvr>
+                                    </p:animEffect>
+                                  </p:childTnLst>
+                                </p:cTn>
+                              </p:par>
+                            </p:childTnLst>
+                          </p:cTn>
+                        </p:par>
+                        <p:par>
+                          <p:cTn id="24" fill="hold">
+                            <p:stCondLst>
+                              <p:cond delay="500"/>
+                            </p:stCondLst>
+                            <p:childTnLst>
+                              <p:par>
+                                <p:cTn id="25" presetID="10" presetClass="entr" presetSubtype="0" fill="hold" grpId="0" nodeType="afterEffect">
+                                  <p:stCondLst>
+                                    <p:cond delay="0"/>
+                                  </p:stCondLst>
+                                  <p:childTnLst>
+                                    <p:set>
+                                      <p:cBhvr>
+                                        <p:cTn id="26" dur="1" fill="hold">
+                                          <p:stCondLst>
+                                            <p:cond delay="0"/>
+                                          </p:stCondLst>
+                                        </p:cTn>
+                                        <p:tgtEl>
+                                          <p:spTgt spid="24"/>
+                                        </p:tgtEl>
+                                        <p:attrNameLst>
+                                          <p:attrName>style.visibility</p:attrName>
+                                        </p:attrNameLst>
+                                      </p:cBhvr>
+                                      <p:to>
+                                        <p:strVal val="visible"/>
+                                      </p:to>
+                                    </p:set>
+                                    <p:animEffect transition="in" filter="fade">
+                                      <p:cBhvr>
+                                        <p:cTn id="27" dur="500"/>
+                                        <p:tgtEl>
+                                          <p:spTgt spid="24"/>
+                                        </p:tgtEl>
+                                      </p:cBhvr>
+                                    </p:animEffect>
+                                  </p:childTnLst>
+                                </p:cTn>
+                              </p:par>
+                            </p:childTnLst>
+                          </p:cTn>
+                        </p:par>
+                        <p:par>
+                          <p:cTn id="28" fill="hold">
+                            <p:stCondLst>
+                              <p:cond delay="1000"/>
+                            </p:stCondLst>
+                            <p:childTnLst>
+                              <p:par>
+                                <p:cTn id="29" presetID="10" presetClass="entr" presetSubtype="0" fill="hold" grpId="0" nodeType="afterEffect">
+                                  <p:stCondLst>
+                                    <p:cond delay="0"/>
+                                  </p:stCondLst>
+                                  <p:childTnLst>
+                                    <p:set>
+                                      <p:cBhvr>
+                                        <p:cTn id="30" dur="1" fill="hold">
+                                          <p:stCondLst>
+                                            <p:cond delay="0"/>
+                                          </p:stCondLst>
+                                        </p:cTn>
+                                        <p:tgtEl>
+                                          <p:spTgt spid="25"/>
+                                        </p:tgtEl>
+                                        <p:attrNameLst>
+                                          <p:attrName>style.visibility</p:attrName>
+                                        </p:attrNameLst>
+                                      </p:cBhvr>
+                                      <p:to>
+                                        <p:strVal val="visible"/>
+                                      </p:to>
+                                    </p:set>
+                                    <p:animEffect transition="in" filter="fade">
+                                      <p:cBhvr>
+                                        <p:cTn id="31" dur="500"/>
+                                        <p:tgtEl>
+                                          <p:spTgt spid="25"/>
                                         </p:tgtEl>
                                       </p:cBhvr>
                                     </p:animEffect>
@@ -6858,14 +8338,15 @@
       </p:par>
     </p:tnLst>
     <p:bldLst>
-      <p:bldP spid="18" grpId="0" animBg="1"/>
-      <p:bldP spid="19" grpId="0"/>
+      <p:bldP spid="23" grpId="0" animBg="1"/>
+      <p:bldP spid="24" grpId="0"/>
+      <p:bldP spid="25" grpId="0"/>
     </p:bldLst>
   </p:timing>
 </p:sld>
 </file>
 
-<file path=ppt/slides/slide4.xml><?xml version="1.0" encoding="utf-8"?>
+<file path=ppt/slides/slide6.xml><?xml version="1.0" encoding="utf-8"?>
 <p:sld xmlns:a="http://schemas.openxmlformats.org/drawingml/2006/main" xmlns:r="http://schemas.openxmlformats.org/officeDocument/2006/relationships" xmlns:p="http://schemas.openxmlformats.org/presentationml/2006/main">
   <p:cSld>
     <p:bg>
@@ -6890,46 +8371,32 @@
           <a:chExt cx="0" cy="0"/>
         </a:xfrm>
       </p:grpSpPr>
-      <p:sp>
-        <p:nvSpPr>
-          <p:cNvPr id="90" name="타원 89"/>
-          <p:cNvSpPr/>
+      <p:pic>
+        <p:nvPicPr>
+          <p:cNvPr id="2050" name="Picture 2" descr="Server premium icon"/>
+          <p:cNvPicPr>
+            <a:picLocks noChangeAspect="1" noChangeArrowheads="1"/>
+          </p:cNvPicPr>
           <p:nvPr/>
-        </p:nvSpPr>
-        <p:spPr>
+        </p:nvPicPr>
+        <p:blipFill>
+          <a:blip r:embed="rId2"/>
+          <a:srcRect/>
+          <a:stretch>
+            <a:fillRect/>
+          </a:stretch>
+        </p:blipFill>
+        <p:spPr bwMode="auto">
           <a:xfrm>
-            <a:off x="1499833" y="2769833"/>
-            <a:ext cx="1191334" cy="1191334"/>
-          </a:xfrm>
-          <a:prstGeom prst="ellipse">
+            <a:off x="4202636" y="2834211"/>
+            <a:ext cx="1180054" cy="1180054"/>
+          </a:xfrm>
+          <a:prstGeom prst="rect">
             <a:avLst/>
           </a:prstGeom>
-        </p:spPr>
-        <p:style>
-          <a:lnRef idx="2">
-            <a:schemeClr val="accent1">
-              <a:shade val="50000"/>
-            </a:schemeClr>
-          </a:lnRef>
-          <a:fillRef idx="1">
-            <a:schemeClr val="accent1"/>
-          </a:fillRef>
-          <a:effectRef idx="0">
-            <a:schemeClr val="accent1"/>
-          </a:effectRef>
-          <a:fontRef idx="minor">
-            <a:schemeClr val="lt1"/>
-          </a:fontRef>
-        </p:style>
-        <p:txBody>
-          <a:bodyPr rtlCol="0" anchor="ctr"/>
-          <a:lstStyle/>
-          <a:p>
-            <a:pPr algn="ctr"/>
-            <a:endParaRPr lang="ko-KR" altLang="en-US"/>
-          </a:p>
-        </p:txBody>
-      </p:sp>
+          <a:noFill/>
+        </p:spPr>
+      </p:pic>
       <p:cxnSp>
         <p:nvCxnSpPr>
           <p:cNvPr id="24" name="직선 연결선 23">
@@ -8726,8 +10193,351 @@
         </p:nvSpPr>
         <p:spPr>
           <a:xfrm>
-            <a:off x="5848997" y="4525347"/>
-            <a:ext cx="3335954" cy="859453"/>
+            <a:off x="6204047" y="4535382"/>
+            <a:ext cx="2618363" cy="859453"/>
+          </a:xfrm>
+          <a:prstGeom prst="rect">
+            <a:avLst/>
+          </a:prstGeom>
+        </p:spPr>
+        <p:txBody>
+          <a:bodyPr vert="horz" lIns="91440" tIns="45720" rIns="91440" bIns="45720" rtlCol="0">
+            <a:normAutofit fontScale="85000" lnSpcReduction="20000"/>
+          </a:bodyPr>
+          <a:lstStyle>
+            <a:lvl1pPr marL="228600" indent="-228600" algn="l" defTabSz="914400" rtl="0" eaLnBrk="1" latinLnBrk="1" hangingPunct="1">
+              <a:lnSpc>
+                <a:spcPct val="90000"/>
+              </a:lnSpc>
+              <a:spcBef>
+                <a:spcPts val="1000"/>
+              </a:spcBef>
+              <a:buFont typeface="Arial" panose="020B0604020202020204" pitchFamily="34" charset="0"/>
+              <a:buChar char="•"/>
+              <a:defRPr sz="2800" kern="1200">
+                <a:solidFill>
+                  <a:schemeClr val="tx1"/>
+                </a:solidFill>
+                <a:latin typeface="+mn-lt"/>
+                <a:ea typeface="+mn-ea"/>
+                <a:cs typeface="+mn-cs"/>
+              </a:defRPr>
+            </a:lvl1pPr>
+            <a:lvl2pPr marL="685800" indent="-228600" algn="l" defTabSz="914400" rtl="0" eaLnBrk="1" latinLnBrk="1" hangingPunct="1">
+              <a:lnSpc>
+                <a:spcPct val="90000"/>
+              </a:lnSpc>
+              <a:spcBef>
+                <a:spcPts val="500"/>
+              </a:spcBef>
+              <a:buFont typeface="Arial" panose="020B0604020202020204" pitchFamily="34" charset="0"/>
+              <a:buChar char="•"/>
+              <a:defRPr sz="2400" kern="1200">
+                <a:solidFill>
+                  <a:schemeClr val="tx1"/>
+                </a:solidFill>
+                <a:latin typeface="+mn-lt"/>
+                <a:ea typeface="+mn-ea"/>
+                <a:cs typeface="+mn-cs"/>
+              </a:defRPr>
+            </a:lvl2pPr>
+            <a:lvl3pPr marL="1143000" indent="-228600" algn="l" defTabSz="914400" rtl="0" eaLnBrk="1" latinLnBrk="1" hangingPunct="1">
+              <a:lnSpc>
+                <a:spcPct val="90000"/>
+              </a:lnSpc>
+              <a:spcBef>
+                <a:spcPts val="500"/>
+              </a:spcBef>
+              <a:buFont typeface="Arial" panose="020B0604020202020204" pitchFamily="34" charset="0"/>
+              <a:buChar char="•"/>
+              <a:defRPr sz="2000" kern="1200">
+                <a:solidFill>
+                  <a:schemeClr val="tx1"/>
+                </a:solidFill>
+                <a:latin typeface="+mn-lt"/>
+                <a:ea typeface="+mn-ea"/>
+                <a:cs typeface="+mn-cs"/>
+              </a:defRPr>
+            </a:lvl3pPr>
+            <a:lvl4pPr marL="1600200" indent="-228600" algn="l" defTabSz="914400" rtl="0" eaLnBrk="1" latinLnBrk="1" hangingPunct="1">
+              <a:lnSpc>
+                <a:spcPct val="90000"/>
+              </a:lnSpc>
+              <a:spcBef>
+                <a:spcPts val="500"/>
+              </a:spcBef>
+              <a:buFont typeface="Arial" panose="020B0604020202020204" pitchFamily="34" charset="0"/>
+              <a:buChar char="•"/>
+              <a:defRPr sz="1800" kern="1200">
+                <a:solidFill>
+                  <a:schemeClr val="tx1"/>
+                </a:solidFill>
+                <a:latin typeface="+mn-lt"/>
+                <a:ea typeface="+mn-ea"/>
+                <a:cs typeface="+mn-cs"/>
+              </a:defRPr>
+            </a:lvl4pPr>
+            <a:lvl5pPr marL="2057400" indent="-228600" algn="l" defTabSz="914400" rtl="0" eaLnBrk="1" latinLnBrk="1" hangingPunct="1">
+              <a:lnSpc>
+                <a:spcPct val="90000"/>
+              </a:lnSpc>
+              <a:spcBef>
+                <a:spcPts val="500"/>
+              </a:spcBef>
+              <a:buFont typeface="Arial" panose="020B0604020202020204" pitchFamily="34" charset="0"/>
+              <a:buChar char="•"/>
+              <a:defRPr sz="1800" kern="1200">
+                <a:solidFill>
+                  <a:schemeClr val="tx1"/>
+                </a:solidFill>
+                <a:latin typeface="+mn-lt"/>
+                <a:ea typeface="+mn-ea"/>
+                <a:cs typeface="+mn-cs"/>
+              </a:defRPr>
+            </a:lvl5pPr>
+            <a:lvl6pPr marL="2514600" indent="-228600" algn="l" defTabSz="914400" rtl="0" eaLnBrk="1" latinLnBrk="1" hangingPunct="1">
+              <a:lnSpc>
+                <a:spcPct val="90000"/>
+              </a:lnSpc>
+              <a:spcBef>
+                <a:spcPts val="500"/>
+              </a:spcBef>
+              <a:buFont typeface="Arial" panose="020B0604020202020204" pitchFamily="34" charset="0"/>
+              <a:buChar char="•"/>
+              <a:defRPr sz="1800" kern="1200">
+                <a:solidFill>
+                  <a:schemeClr val="tx1"/>
+                </a:solidFill>
+                <a:latin typeface="+mn-lt"/>
+                <a:ea typeface="+mn-ea"/>
+                <a:cs typeface="+mn-cs"/>
+              </a:defRPr>
+            </a:lvl6pPr>
+            <a:lvl7pPr marL="2971800" indent="-228600" algn="l" defTabSz="914400" rtl="0" eaLnBrk="1" latinLnBrk="1" hangingPunct="1">
+              <a:lnSpc>
+                <a:spcPct val="90000"/>
+              </a:lnSpc>
+              <a:spcBef>
+                <a:spcPts val="500"/>
+              </a:spcBef>
+              <a:buFont typeface="Arial" panose="020B0604020202020204" pitchFamily="34" charset="0"/>
+              <a:buChar char="•"/>
+              <a:defRPr sz="1800" kern="1200">
+                <a:solidFill>
+                  <a:schemeClr val="tx1"/>
+                </a:solidFill>
+                <a:latin typeface="+mn-lt"/>
+                <a:ea typeface="+mn-ea"/>
+                <a:cs typeface="+mn-cs"/>
+              </a:defRPr>
+            </a:lvl7pPr>
+            <a:lvl8pPr marL="3429000" indent="-228600" algn="l" defTabSz="914400" rtl="0" eaLnBrk="1" latinLnBrk="1" hangingPunct="1">
+              <a:lnSpc>
+                <a:spcPct val="90000"/>
+              </a:lnSpc>
+              <a:spcBef>
+                <a:spcPts val="500"/>
+              </a:spcBef>
+              <a:buFont typeface="Arial" panose="020B0604020202020204" pitchFamily="34" charset="0"/>
+              <a:buChar char="•"/>
+              <a:defRPr sz="1800" kern="1200">
+                <a:solidFill>
+                  <a:schemeClr val="tx1"/>
+                </a:solidFill>
+                <a:latin typeface="+mn-lt"/>
+                <a:ea typeface="+mn-ea"/>
+                <a:cs typeface="+mn-cs"/>
+              </a:defRPr>
+            </a:lvl8pPr>
+            <a:lvl9pPr marL="3886200" indent="-228600" algn="l" defTabSz="914400" rtl="0" eaLnBrk="1" latinLnBrk="1" hangingPunct="1">
+              <a:lnSpc>
+                <a:spcPct val="90000"/>
+              </a:lnSpc>
+              <a:spcBef>
+                <a:spcPts val="500"/>
+              </a:spcBef>
+              <a:buFont typeface="Arial" panose="020B0604020202020204" pitchFamily="34" charset="0"/>
+              <a:buChar char="•"/>
+              <a:defRPr sz="1800" kern="1200">
+                <a:solidFill>
+                  <a:schemeClr val="tx1"/>
+                </a:solidFill>
+                <a:latin typeface="+mn-lt"/>
+                <a:ea typeface="+mn-ea"/>
+                <a:cs typeface="+mn-cs"/>
+              </a:defRPr>
+            </a:lvl9pPr>
+          </a:lstStyle>
+          <a:p>
+            <a:pPr algn="ctr"/>
+            <a:r>
+              <a:rPr lang="ko-KR" altLang="en-US" sz="2000" dirty="0" err="1">
+                <a:solidFill>
+                  <a:schemeClr val="tx1">
+                    <a:lumMod val="75000"/>
+                    <a:lumOff val="25000"/>
+                  </a:schemeClr>
+                </a:solidFill>
+                <a:latin typeface="a로케트" pitchFamily="18" charset="-127"/>
+                <a:ea typeface="a로케트" pitchFamily="18" charset="-127"/>
+              </a:rPr>
+              <a:t>머신러닝</a:t>
+            </a:r>
+            <a:r>
+              <a:rPr lang="ko-KR" altLang="en-US" sz="2000" dirty="0">
+                <a:solidFill>
+                  <a:schemeClr val="tx1">
+                    <a:lumMod val="75000"/>
+                    <a:lumOff val="25000"/>
+                  </a:schemeClr>
+                </a:solidFill>
+                <a:latin typeface="a로케트" pitchFamily="18" charset="-127"/>
+                <a:ea typeface="a로케트" pitchFamily="18" charset="-127"/>
+              </a:rPr>
+              <a:t> 활용 모델</a:t>
+            </a:r>
+            <a:endParaRPr lang="en-US" altLang="ko-KR" sz="2000" dirty="0">
+              <a:solidFill>
+                <a:schemeClr val="tx1">
+                  <a:lumMod val="75000"/>
+                  <a:lumOff val="25000"/>
+                </a:schemeClr>
+              </a:solidFill>
+              <a:latin typeface="a로케트" pitchFamily="18" charset="-127"/>
+              <a:ea typeface="a로케트" pitchFamily="18" charset="-127"/>
+            </a:endParaRPr>
+          </a:p>
+          <a:p>
+            <a:pPr marL="0" indent="0" algn="ctr">
+              <a:buNone/>
+            </a:pPr>
+            <a:r>
+              <a:rPr lang="en-US" altLang="ko-KR" sz="1600" dirty="0">
+                <a:solidFill>
+                  <a:schemeClr val="tx1">
+                    <a:lumMod val="75000"/>
+                    <a:lumOff val="25000"/>
+                  </a:schemeClr>
+                </a:solidFill>
+                <a:latin typeface="a로케트" pitchFamily="18" charset="-127"/>
+                <a:ea typeface="a로케트" pitchFamily="18" charset="-127"/>
+              </a:rPr>
+              <a:t>(</a:t>
+            </a:r>
+            <a:r>
+              <a:rPr lang="ko-KR" altLang="en-US" sz="1600" dirty="0">
+                <a:solidFill>
+                  <a:schemeClr val="tx1">
+                    <a:lumMod val="75000"/>
+                    <a:lumOff val="25000"/>
+                  </a:schemeClr>
+                </a:solidFill>
+                <a:latin typeface="a로케트" pitchFamily="18" charset="-127"/>
+                <a:ea typeface="a로케트" pitchFamily="18" charset="-127"/>
+              </a:rPr>
+              <a:t>다양한 변수 검토</a:t>
+            </a:r>
+            <a:r>
+              <a:rPr lang="en-US" altLang="ko-KR" sz="1600" dirty="0">
+                <a:solidFill>
+                  <a:schemeClr val="tx1">
+                    <a:lumMod val="75000"/>
+                    <a:lumOff val="25000"/>
+                  </a:schemeClr>
+                </a:solidFill>
+                <a:latin typeface="a로케트" pitchFamily="18" charset="-127"/>
+                <a:ea typeface="a로케트" pitchFamily="18" charset="-127"/>
+              </a:rPr>
+              <a:t>,</a:t>
+            </a:r>
+            <a:r>
+              <a:rPr lang="ko-KR" altLang="en-US" sz="1600" dirty="0">
+                <a:solidFill>
+                  <a:schemeClr val="tx1">
+                    <a:lumMod val="75000"/>
+                    <a:lumOff val="25000"/>
+                  </a:schemeClr>
+                </a:solidFill>
+                <a:latin typeface="a로케트" pitchFamily="18" charset="-127"/>
+                <a:ea typeface="a로케트" pitchFamily="18" charset="-127"/>
+              </a:rPr>
+              <a:t> </a:t>
+            </a:r>
+            <a:endParaRPr lang="en-US" altLang="ko-KR" sz="1600" dirty="0">
+              <a:solidFill>
+                <a:schemeClr val="tx1">
+                  <a:lumMod val="75000"/>
+                  <a:lumOff val="25000"/>
+                </a:schemeClr>
+              </a:solidFill>
+              <a:latin typeface="a로케트" pitchFamily="18" charset="-127"/>
+              <a:ea typeface="a로케트" pitchFamily="18" charset="-127"/>
+            </a:endParaRPr>
+          </a:p>
+          <a:p>
+            <a:pPr marL="0" indent="0" algn="ctr">
+              <a:buNone/>
+            </a:pPr>
+            <a:r>
+              <a:rPr lang="ko-KR" altLang="en-US" sz="1600" dirty="0">
+                <a:solidFill>
+                  <a:schemeClr val="tx1">
+                    <a:lumMod val="75000"/>
+                    <a:lumOff val="25000"/>
+                  </a:schemeClr>
+                </a:solidFill>
+                <a:latin typeface="a로케트" pitchFamily="18" charset="-127"/>
+                <a:ea typeface="a로케트" pitchFamily="18" charset="-127"/>
+              </a:rPr>
+              <a:t>모델 최적화</a:t>
+            </a:r>
+            <a:r>
+              <a:rPr lang="en-US" altLang="ko-KR" sz="1600" dirty="0">
+                <a:solidFill>
+                  <a:schemeClr val="tx1">
+                    <a:lumMod val="75000"/>
+                    <a:lumOff val="25000"/>
+                  </a:schemeClr>
+                </a:solidFill>
+                <a:latin typeface="a로케트" pitchFamily="18" charset="-127"/>
+                <a:ea typeface="a로케트" pitchFamily="18" charset="-127"/>
+              </a:rPr>
+              <a:t>)</a:t>
+            </a:r>
+            <a:r>
+              <a:rPr lang="ko-KR" altLang="en-US" sz="1600" dirty="0">
+                <a:solidFill>
+                  <a:schemeClr val="tx1">
+                    <a:lumMod val="75000"/>
+                    <a:lumOff val="25000"/>
+                  </a:schemeClr>
+                </a:solidFill>
+                <a:latin typeface="a로케트" pitchFamily="18" charset="-127"/>
+                <a:ea typeface="a로케트" pitchFamily="18" charset="-127"/>
+              </a:rPr>
+              <a:t> </a:t>
+            </a:r>
+          </a:p>
+        </p:txBody>
+      </p:sp>
+      <p:sp>
+        <p:nvSpPr>
+          <p:cNvPr id="88" name="내용 개체 틀 2">
+            <a:extLst>
+              <a:ext uri="{FF2B5EF4-FFF2-40B4-BE49-F238E27FC236}">
+                <a16:creationId xmlns:a16="http://schemas.microsoft.com/office/drawing/2014/main" id="{85A07472-C2C5-481C-AC38-7C902674E97D}"/>
+              </a:ext>
+            </a:extLst>
+          </p:cNvPr>
+          <p:cNvSpPr txBox="1">
+            <a:spLocks/>
+          </p:cNvSpPr>
+          <p:nvPr/>
+        </p:nvSpPr>
+        <p:spPr>
+          <a:xfrm>
+            <a:off x="9119117" y="4537009"/>
+            <a:ext cx="2475983" cy="936691"/>
           </a:xfrm>
           <a:prstGeom prst="rect">
             <a:avLst/>
@@ -8904,7 +10714,7 @@
           <a:p>
             <a:pPr algn="ctr"/>
             <a:r>
-              <a:rPr lang="ko-KR" altLang="en-US" sz="2000" dirty="0" err="1">
+              <a:rPr lang="ko-KR" altLang="en-US" sz="2000" dirty="0">
                 <a:solidFill>
                   <a:schemeClr val="tx1">
                     <a:lumMod val="75000"/>
@@ -8914,270 +10724,11 @@
                 <a:latin typeface="a로케트" pitchFamily="18" charset="-127"/>
                 <a:ea typeface="a로케트" pitchFamily="18" charset="-127"/>
               </a:rPr>
-              <a:t>머신러닝</a:t>
-            </a:r>
-            <a:r>
-              <a:rPr lang="ko-KR" altLang="en-US" sz="2000" dirty="0">
-                <a:solidFill>
-                  <a:schemeClr val="tx1">
-                    <a:lumMod val="75000"/>
-                    <a:lumOff val="25000"/>
-                  </a:schemeClr>
-                </a:solidFill>
-                <a:latin typeface="a로케트" pitchFamily="18" charset="-127"/>
-                <a:ea typeface="a로케트" pitchFamily="18" charset="-127"/>
-              </a:rPr>
-              <a:t> 활용 모델 완성</a:t>
+              <a:t>예측 모델 평가</a:t>
             </a:r>
           </a:p>
         </p:txBody>
       </p:sp>
-      <p:sp>
-        <p:nvSpPr>
-          <p:cNvPr id="88" name="내용 개체 틀 2">
-            <a:extLst>
-              <a:ext uri="{FF2B5EF4-FFF2-40B4-BE49-F238E27FC236}">
-                <a16:creationId xmlns:a16="http://schemas.microsoft.com/office/drawing/2014/main" id="{85A07472-C2C5-481C-AC38-7C902674E97D}"/>
-              </a:ext>
-            </a:extLst>
-          </p:cNvPr>
-          <p:cNvSpPr txBox="1">
-            <a:spLocks/>
-          </p:cNvSpPr>
-          <p:nvPr/>
-        </p:nvSpPr>
-        <p:spPr>
-          <a:xfrm>
-            <a:off x="9119117" y="4537009"/>
-            <a:ext cx="2475983" cy="936691"/>
-          </a:xfrm>
-          <a:prstGeom prst="rect">
-            <a:avLst/>
-          </a:prstGeom>
-        </p:spPr>
-        <p:txBody>
-          <a:bodyPr vert="horz" lIns="91440" tIns="45720" rIns="91440" bIns="45720" rtlCol="0">
-            <a:normAutofit/>
-          </a:bodyPr>
-          <a:lstStyle>
-            <a:lvl1pPr marL="228600" indent="-228600" algn="l" defTabSz="914400" rtl="0" eaLnBrk="1" latinLnBrk="1" hangingPunct="1">
-              <a:lnSpc>
-                <a:spcPct val="90000"/>
-              </a:lnSpc>
-              <a:spcBef>
-                <a:spcPts val="1000"/>
-              </a:spcBef>
-              <a:buFont typeface="Arial" panose="020B0604020202020204" pitchFamily="34" charset="0"/>
-              <a:buChar char="•"/>
-              <a:defRPr sz="2800" kern="1200">
-                <a:solidFill>
-                  <a:schemeClr val="tx1"/>
-                </a:solidFill>
-                <a:latin typeface="+mn-lt"/>
-                <a:ea typeface="+mn-ea"/>
-                <a:cs typeface="+mn-cs"/>
-              </a:defRPr>
-            </a:lvl1pPr>
-            <a:lvl2pPr marL="685800" indent="-228600" algn="l" defTabSz="914400" rtl="0" eaLnBrk="1" latinLnBrk="1" hangingPunct="1">
-              <a:lnSpc>
-                <a:spcPct val="90000"/>
-              </a:lnSpc>
-              <a:spcBef>
-                <a:spcPts val="500"/>
-              </a:spcBef>
-              <a:buFont typeface="Arial" panose="020B0604020202020204" pitchFamily="34" charset="0"/>
-              <a:buChar char="•"/>
-              <a:defRPr sz="2400" kern="1200">
-                <a:solidFill>
-                  <a:schemeClr val="tx1"/>
-                </a:solidFill>
-                <a:latin typeface="+mn-lt"/>
-                <a:ea typeface="+mn-ea"/>
-                <a:cs typeface="+mn-cs"/>
-              </a:defRPr>
-            </a:lvl2pPr>
-            <a:lvl3pPr marL="1143000" indent="-228600" algn="l" defTabSz="914400" rtl="0" eaLnBrk="1" latinLnBrk="1" hangingPunct="1">
-              <a:lnSpc>
-                <a:spcPct val="90000"/>
-              </a:lnSpc>
-              <a:spcBef>
-                <a:spcPts val="500"/>
-              </a:spcBef>
-              <a:buFont typeface="Arial" panose="020B0604020202020204" pitchFamily="34" charset="0"/>
-              <a:buChar char="•"/>
-              <a:defRPr sz="2000" kern="1200">
-                <a:solidFill>
-                  <a:schemeClr val="tx1"/>
-                </a:solidFill>
-                <a:latin typeface="+mn-lt"/>
-                <a:ea typeface="+mn-ea"/>
-                <a:cs typeface="+mn-cs"/>
-              </a:defRPr>
-            </a:lvl3pPr>
-            <a:lvl4pPr marL="1600200" indent="-228600" algn="l" defTabSz="914400" rtl="0" eaLnBrk="1" latinLnBrk="1" hangingPunct="1">
-              <a:lnSpc>
-                <a:spcPct val="90000"/>
-              </a:lnSpc>
-              <a:spcBef>
-                <a:spcPts val="500"/>
-              </a:spcBef>
-              <a:buFont typeface="Arial" panose="020B0604020202020204" pitchFamily="34" charset="0"/>
-              <a:buChar char="•"/>
-              <a:defRPr sz="1800" kern="1200">
-                <a:solidFill>
-                  <a:schemeClr val="tx1"/>
-                </a:solidFill>
-                <a:latin typeface="+mn-lt"/>
-                <a:ea typeface="+mn-ea"/>
-                <a:cs typeface="+mn-cs"/>
-              </a:defRPr>
-            </a:lvl4pPr>
-            <a:lvl5pPr marL="2057400" indent="-228600" algn="l" defTabSz="914400" rtl="0" eaLnBrk="1" latinLnBrk="1" hangingPunct="1">
-              <a:lnSpc>
-                <a:spcPct val="90000"/>
-              </a:lnSpc>
-              <a:spcBef>
-                <a:spcPts val="500"/>
-              </a:spcBef>
-              <a:buFont typeface="Arial" panose="020B0604020202020204" pitchFamily="34" charset="0"/>
-              <a:buChar char="•"/>
-              <a:defRPr sz="1800" kern="1200">
-                <a:solidFill>
-                  <a:schemeClr val="tx1"/>
-                </a:solidFill>
-                <a:latin typeface="+mn-lt"/>
-                <a:ea typeface="+mn-ea"/>
-                <a:cs typeface="+mn-cs"/>
-              </a:defRPr>
-            </a:lvl5pPr>
-            <a:lvl6pPr marL="2514600" indent="-228600" algn="l" defTabSz="914400" rtl="0" eaLnBrk="1" latinLnBrk="1" hangingPunct="1">
-              <a:lnSpc>
-                <a:spcPct val="90000"/>
-              </a:lnSpc>
-              <a:spcBef>
-                <a:spcPts val="500"/>
-              </a:spcBef>
-              <a:buFont typeface="Arial" panose="020B0604020202020204" pitchFamily="34" charset="0"/>
-              <a:buChar char="•"/>
-              <a:defRPr sz="1800" kern="1200">
-                <a:solidFill>
-                  <a:schemeClr val="tx1"/>
-                </a:solidFill>
-                <a:latin typeface="+mn-lt"/>
-                <a:ea typeface="+mn-ea"/>
-                <a:cs typeface="+mn-cs"/>
-              </a:defRPr>
-            </a:lvl6pPr>
-            <a:lvl7pPr marL="2971800" indent="-228600" algn="l" defTabSz="914400" rtl="0" eaLnBrk="1" latinLnBrk="1" hangingPunct="1">
-              <a:lnSpc>
-                <a:spcPct val="90000"/>
-              </a:lnSpc>
-              <a:spcBef>
-                <a:spcPts val="500"/>
-              </a:spcBef>
-              <a:buFont typeface="Arial" panose="020B0604020202020204" pitchFamily="34" charset="0"/>
-              <a:buChar char="•"/>
-              <a:defRPr sz="1800" kern="1200">
-                <a:solidFill>
-                  <a:schemeClr val="tx1"/>
-                </a:solidFill>
-                <a:latin typeface="+mn-lt"/>
-                <a:ea typeface="+mn-ea"/>
-                <a:cs typeface="+mn-cs"/>
-              </a:defRPr>
-            </a:lvl7pPr>
-            <a:lvl8pPr marL="3429000" indent="-228600" algn="l" defTabSz="914400" rtl="0" eaLnBrk="1" latinLnBrk="1" hangingPunct="1">
-              <a:lnSpc>
-                <a:spcPct val="90000"/>
-              </a:lnSpc>
-              <a:spcBef>
-                <a:spcPts val="500"/>
-              </a:spcBef>
-              <a:buFont typeface="Arial" panose="020B0604020202020204" pitchFamily="34" charset="0"/>
-              <a:buChar char="•"/>
-              <a:defRPr sz="1800" kern="1200">
-                <a:solidFill>
-                  <a:schemeClr val="tx1"/>
-                </a:solidFill>
-                <a:latin typeface="+mn-lt"/>
-                <a:ea typeface="+mn-ea"/>
-                <a:cs typeface="+mn-cs"/>
-              </a:defRPr>
-            </a:lvl8pPr>
-            <a:lvl9pPr marL="3886200" indent="-228600" algn="l" defTabSz="914400" rtl="0" eaLnBrk="1" latinLnBrk="1" hangingPunct="1">
-              <a:lnSpc>
-                <a:spcPct val="90000"/>
-              </a:lnSpc>
-              <a:spcBef>
-                <a:spcPts val="500"/>
-              </a:spcBef>
-              <a:buFont typeface="Arial" panose="020B0604020202020204" pitchFamily="34" charset="0"/>
-              <a:buChar char="•"/>
-              <a:defRPr sz="1800" kern="1200">
-                <a:solidFill>
-                  <a:schemeClr val="tx1"/>
-                </a:solidFill>
-                <a:latin typeface="+mn-lt"/>
-                <a:ea typeface="+mn-ea"/>
-                <a:cs typeface="+mn-cs"/>
-              </a:defRPr>
-            </a:lvl9pPr>
-          </a:lstStyle>
-          <a:p>
-            <a:pPr algn="ctr"/>
-            <a:r>
-              <a:rPr lang="en-US" altLang="ko-KR" sz="2000" dirty="0">
-                <a:solidFill>
-                  <a:schemeClr val="tx1">
-                    <a:lumMod val="75000"/>
-                    <a:lumOff val="25000"/>
-                  </a:schemeClr>
-                </a:solidFill>
-                <a:latin typeface="a로케트" pitchFamily="18" charset="-127"/>
-                <a:ea typeface="a로케트" pitchFamily="18" charset="-127"/>
-              </a:rPr>
-              <a:t>GIS </a:t>
-            </a:r>
-            <a:r>
-              <a:rPr lang="ko-KR" altLang="en-US" sz="2000" dirty="0">
-                <a:solidFill>
-                  <a:schemeClr val="tx1">
-                    <a:lumMod val="75000"/>
-                    <a:lumOff val="25000"/>
-                  </a:schemeClr>
-                </a:solidFill>
-                <a:latin typeface="a로케트" pitchFamily="18" charset="-127"/>
-                <a:ea typeface="a로케트" pitchFamily="18" charset="-127"/>
-              </a:rPr>
-              <a:t>분석을 통한 최적지 선정</a:t>
-            </a:r>
-          </a:p>
-        </p:txBody>
-      </p:sp>
-      <p:pic>
-        <p:nvPicPr>
-          <p:cNvPr id="89" name="그림 88" descr="1519709.png"/>
-          <p:cNvPicPr>
-            <a:picLocks noChangeAspect="1"/>
-          </p:cNvPicPr>
-          <p:nvPr/>
-        </p:nvPicPr>
-        <p:blipFill>
-          <a:blip r:embed="rId2"/>
-          <a:stretch>
-            <a:fillRect/>
-          </a:stretch>
-        </p:blipFill>
-        <p:spPr>
-          <a:xfrm>
-            <a:off x="1719224" y="2951124"/>
-            <a:ext cx="828752" cy="828752"/>
-          </a:xfrm>
-          <a:prstGeom prst="rect">
-            <a:avLst/>
-          </a:prstGeom>
-        </p:spPr>
-      </p:pic>
       <p:sp>
         <p:nvSpPr>
           <p:cNvPr id="91" name="직사각형 90">
@@ -9350,71 +10901,12 @@
         </p:blipFill>
         <p:spPr>
           <a:xfrm>
-            <a:off x="6861070" y="2797070"/>
+            <a:off x="6861070" y="2813905"/>
             <a:ext cx="1200360" cy="1200360"/>
           </a:xfrm>
           <a:prstGeom prst="rect">
             <a:avLst/>
           </a:prstGeom>
-        </p:spPr>
-      </p:pic>
-      <p:pic>
-        <p:nvPicPr>
-          <p:cNvPr id="2050" name="Picture 2" descr="Server premium icon"/>
-          <p:cNvPicPr>
-            <a:picLocks noChangeAspect="1" noChangeArrowheads="1"/>
-          </p:cNvPicPr>
-          <p:nvPr/>
-        </p:nvPicPr>
-        <p:blipFill>
-          <a:blip r:embed="rId4"/>
-          <a:srcRect/>
-          <a:stretch>
-            <a:fillRect/>
-          </a:stretch>
-        </p:blipFill>
-        <p:spPr bwMode="auto">
-          <a:xfrm>
-            <a:off x="4202636" y="2834211"/>
-            <a:ext cx="1180054" cy="1180054"/>
-          </a:xfrm>
-          <a:prstGeom prst="rect">
-            <a:avLst/>
-          </a:prstGeom>
-          <a:noFill/>
-        </p:spPr>
-      </p:pic>
-      <p:pic>
-        <p:nvPicPr>
-          <p:cNvPr id="2052" name="Picture 4"/>
-          <p:cNvPicPr>
-            <a:picLocks noChangeAspect="1" noChangeArrowheads="1"/>
-          </p:cNvPicPr>
-          <p:nvPr/>
-        </p:nvPicPr>
-        <p:blipFill>
-          <a:blip r:embed="rId5"/>
-          <a:srcRect/>
-          <a:stretch>
-            <a:fillRect/>
-          </a:stretch>
-        </p:blipFill>
-        <p:spPr bwMode="auto">
-          <a:xfrm>
-            <a:off x="9883509" y="2784209"/>
-            <a:ext cx="1137182" cy="1137182"/>
-          </a:xfrm>
-          <a:prstGeom prst="rect">
-            <a:avLst/>
-          </a:prstGeom>
-          <a:noFill/>
-          <a:ln w="9525">
-            <a:noFill/>
-            <a:miter lim="800000"/>
-            <a:headEnd/>
-            <a:tailEnd/>
-          </a:ln>
-          <a:effectLst/>
         </p:spPr>
       </p:pic>
       <p:sp>
@@ -9501,6 +10993,252 @@
           </a:p>
         </p:txBody>
       </p:sp>
+      <p:grpSp>
+        <p:nvGrpSpPr>
+          <p:cNvPr id="3" name="그룹 2">
+            <a:extLst>
+              <a:ext uri="{FF2B5EF4-FFF2-40B4-BE49-F238E27FC236}">
+                <a16:creationId xmlns:a16="http://schemas.microsoft.com/office/drawing/2014/main" id="{FB8C1087-A463-4E91-B7ED-6F7957858858}"/>
+              </a:ext>
+            </a:extLst>
+          </p:cNvPr>
+          <p:cNvGrpSpPr/>
+          <p:nvPr/>
+        </p:nvGrpSpPr>
+        <p:grpSpPr>
+          <a:xfrm>
+            <a:off x="1616710" y="2851617"/>
+            <a:ext cx="1162648" cy="1162648"/>
+            <a:chOff x="1592987" y="2745740"/>
+            <a:chExt cx="1162648" cy="1162648"/>
+          </a:xfrm>
+        </p:grpSpPr>
+        <p:sp>
+          <p:nvSpPr>
+            <p:cNvPr id="90" name="타원 89"/>
+            <p:cNvSpPr/>
+            <p:nvPr/>
+          </p:nvSpPr>
+          <p:spPr>
+            <a:xfrm>
+              <a:off x="1592987" y="2745740"/>
+              <a:ext cx="1162648" cy="1162648"/>
+            </a:xfrm>
+            <a:prstGeom prst="ellipse">
+              <a:avLst/>
+            </a:prstGeom>
+            <a:noFill/>
+            <a:ln w="44450">
+              <a:solidFill>
+                <a:schemeClr val="accent5">
+                  <a:lumMod val="50000"/>
+                </a:schemeClr>
+              </a:solidFill>
+            </a:ln>
+          </p:spPr>
+          <p:style>
+            <a:lnRef idx="2">
+              <a:schemeClr val="accent1">
+                <a:shade val="50000"/>
+              </a:schemeClr>
+            </a:lnRef>
+            <a:fillRef idx="1">
+              <a:schemeClr val="accent1"/>
+            </a:fillRef>
+            <a:effectRef idx="0">
+              <a:schemeClr val="accent1"/>
+            </a:effectRef>
+            <a:fontRef idx="minor">
+              <a:schemeClr val="lt1"/>
+            </a:fontRef>
+          </p:style>
+          <p:txBody>
+            <a:bodyPr rtlCol="0" anchor="ctr"/>
+            <a:lstStyle/>
+            <a:p>
+              <a:pPr algn="ctr"/>
+              <a:endParaRPr lang="ko-KR" altLang="en-US"/>
+            </a:p>
+          </p:txBody>
+        </p:sp>
+        <p:pic>
+          <p:nvPicPr>
+            <p:cNvPr id="2" name="그림 1">
+              <a:extLst>
+                <a:ext uri="{FF2B5EF4-FFF2-40B4-BE49-F238E27FC236}">
+                  <a16:creationId xmlns:a16="http://schemas.microsoft.com/office/drawing/2014/main" id="{6249CE75-AD0C-4ABF-A1F7-7B507088ED53}"/>
+                </a:ext>
+              </a:extLst>
+            </p:cNvPr>
+            <p:cNvPicPr>
+              <a:picLocks noChangeAspect="1"/>
+            </p:cNvPicPr>
+            <p:nvPr/>
+          </p:nvPicPr>
+          <p:blipFill rotWithShape="1">
+            <a:blip r:embed="rId4">
+              <a:extLst>
+                <a:ext uri="{BEBA8EAE-BF5A-486C-A8C5-ECC9F3942E4B}">
+                  <a14:imgProps xmlns:a14="http://schemas.microsoft.com/office/drawing/2010/main">
+                    <a14:imgLayer r:embed="rId5">
+                      <a14:imgEffect>
+                        <a14:backgroundRemoval t="9607" b="92576" l="9350" r="89431">
+                          <a14:foregroundMark x1="73577" y1="17904" x2="71951" y2="20961"/>
+                          <a14:foregroundMark x1="82114" y1="14410" x2="79675" y2="24454"/>
+                          <a14:foregroundMark x1="64228" y1="19651" x2="64228" y2="25328"/>
+                          <a14:foregroundMark x1="64228" y1="26201" x2="87398" y2="27074"/>
+                          <a14:foregroundMark x1="72764" y1="34498" x2="71951" y2="47598"/>
+                          <a14:foregroundMark x1="56504" y1="48472" x2="71951" y2="48472"/>
+                          <a14:foregroundMark x1="64228" y1="61135" x2="83740" y2="69432"/>
+                          <a14:foregroundMark x1="15041" y1="21834" x2="12602" y2="61572"/>
+                          <a14:foregroundMark x1="12602" y1="61572" x2="16667" y2="78166"/>
+                          <a14:foregroundMark x1="13415" y1="90830" x2="50407" y2="88210"/>
+                          <a14:foregroundMark x1="50407" y1="88210" x2="87398" y2="89083"/>
+                          <a14:foregroundMark x1="17886" y1="90830" x2="13415" y2="92576"/>
+                          <a14:foregroundMark x1="13415" y1="69432" x2="15041" y2="29258"/>
+                          <a14:foregroundMark x1="15041" y1="29258" x2="13415" y2="22707"/>
+                        </a14:backgroundRemoval>
+                      </a14:imgEffect>
+                    </a14:imgLayer>
+                  </a14:imgProps>
+                </a:ext>
+              </a:extLst>
+            </a:blip>
+            <a:srcRect b="11092"/>
+            <a:stretch/>
+          </p:blipFill>
+          <p:spPr>
+            <a:xfrm>
+              <a:off x="1700510" y="2881237"/>
+              <a:ext cx="998795" cy="826645"/>
+            </a:xfrm>
+            <a:prstGeom prst="rect">
+              <a:avLst/>
+            </a:prstGeom>
+          </p:spPr>
+        </p:pic>
+      </p:grpSp>
+      <p:grpSp>
+        <p:nvGrpSpPr>
+          <p:cNvPr id="5" name="그룹 4">
+            <a:extLst>
+              <a:ext uri="{FF2B5EF4-FFF2-40B4-BE49-F238E27FC236}">
+                <a16:creationId xmlns:a16="http://schemas.microsoft.com/office/drawing/2014/main" id="{D21B6B62-6E18-4D3C-B481-EFEFE3F7F53D}"/>
+              </a:ext>
+            </a:extLst>
+          </p:cNvPr>
+          <p:cNvGrpSpPr/>
+          <p:nvPr/>
+        </p:nvGrpSpPr>
+        <p:grpSpPr>
+          <a:xfrm>
+            <a:off x="9707320" y="2851617"/>
+            <a:ext cx="1162648" cy="1162648"/>
+            <a:chOff x="9853412" y="2931960"/>
+            <a:chExt cx="1162648" cy="1162648"/>
+          </a:xfrm>
+        </p:grpSpPr>
+        <p:pic>
+          <p:nvPicPr>
+            <p:cNvPr id="4" name="그림 3">
+              <a:extLst>
+                <a:ext uri="{FF2B5EF4-FFF2-40B4-BE49-F238E27FC236}">
+                  <a16:creationId xmlns:a16="http://schemas.microsoft.com/office/drawing/2014/main" id="{A5F992A9-2D4E-4F01-ABA2-EE9604999F12}"/>
+                </a:ext>
+              </a:extLst>
+            </p:cNvPr>
+            <p:cNvPicPr>
+              <a:picLocks noChangeAspect="1"/>
+            </p:cNvPicPr>
+            <p:nvPr/>
+          </p:nvPicPr>
+          <p:blipFill>
+            <a:blip r:embed="rId6">
+              <a:extLst>
+                <a:ext uri="{BEBA8EAE-BF5A-486C-A8C5-ECC9F3942E4B}">
+                  <a14:imgProps xmlns:a14="http://schemas.microsoft.com/office/drawing/2010/main">
+                    <a14:imgLayer r:embed="rId7">
+                      <a14:imgEffect>
+                        <a14:backgroundRemoval t="9796" b="89796" l="5882" r="89706">
+                          <a14:foregroundMark x1="7721" y1="13061" x2="5882" y2="59184"/>
+                          <a14:foregroundMark x1="5882" y1="59184" x2="13235" y2="37551"/>
+                          <a14:foregroundMark x1="9559" y1="66122" x2="13235" y2="70204"/>
+                        </a14:backgroundRemoval>
+                      </a14:imgEffect>
+                    </a14:imgLayer>
+                  </a14:imgProps>
+                </a:ext>
+              </a:extLst>
+            </a:blip>
+            <a:stretch>
+              <a:fillRect/>
+            </a:stretch>
+          </p:blipFill>
+          <p:spPr>
+            <a:xfrm>
+              <a:off x="9999099" y="3115901"/>
+              <a:ext cx="937336" cy="844291"/>
+            </a:xfrm>
+            <a:prstGeom prst="rect">
+              <a:avLst/>
+            </a:prstGeom>
+          </p:spPr>
+        </p:pic>
+        <p:sp>
+          <p:nvSpPr>
+            <p:cNvPr id="52" name="타원 51">
+              <a:extLst>
+                <a:ext uri="{FF2B5EF4-FFF2-40B4-BE49-F238E27FC236}">
+                  <a16:creationId xmlns:a16="http://schemas.microsoft.com/office/drawing/2014/main" id="{3BAAE176-97F0-4CEC-BD9E-38132F5D4CB8}"/>
+                </a:ext>
+              </a:extLst>
+            </p:cNvPr>
+            <p:cNvSpPr/>
+            <p:nvPr/>
+          </p:nvSpPr>
+          <p:spPr>
+            <a:xfrm>
+              <a:off x="9853412" y="2931960"/>
+              <a:ext cx="1162648" cy="1162648"/>
+            </a:xfrm>
+            <a:prstGeom prst="ellipse">
+              <a:avLst/>
+            </a:prstGeom>
+            <a:noFill/>
+            <a:ln w="44450">
+              <a:solidFill>
+                <a:schemeClr val="accent5">
+                  <a:lumMod val="50000"/>
+                </a:schemeClr>
+              </a:solidFill>
+            </a:ln>
+          </p:spPr>
+          <p:style>
+            <a:lnRef idx="2">
+              <a:schemeClr val="accent1">
+                <a:shade val="50000"/>
+              </a:schemeClr>
+            </a:lnRef>
+            <a:fillRef idx="1">
+              <a:schemeClr val="accent1"/>
+            </a:fillRef>
+            <a:effectRef idx="0">
+              <a:schemeClr val="accent1"/>
+            </a:effectRef>
+            <a:fontRef idx="minor">
+              <a:schemeClr val="lt1"/>
+            </a:fontRef>
+          </p:style>
+          <p:txBody>
+            <a:bodyPr rtlCol="0" anchor="ctr"/>
+            <a:lstStyle/>
+            <a:p>
+              <a:pPr algn="ctr"/>
+              <a:endParaRPr lang="ko-KR" altLang="en-US"/>
+            </a:p>
+          </p:txBody>
+        </p:sp>
+      </p:grpSp>
     </p:spTree>
     <p:extLst>
       <p:ext uri="{BB962C8B-B14F-4D97-AF65-F5344CB8AC3E}">
@@ -9517,7 +11255,7 @@
 </p:sld>
 </file>
 
-<file path=ppt/slides/slide5.xml><?xml version="1.0" encoding="utf-8"?>
+<file path=ppt/slides/slide7.xml><?xml version="1.0" encoding="utf-8"?>
 <p:sld xmlns:a="http://schemas.openxmlformats.org/drawingml/2006/main" xmlns:r="http://schemas.openxmlformats.org/officeDocument/2006/relationships" xmlns:p="http://schemas.openxmlformats.org/presentationml/2006/main">
   <p:cSld>
     <p:bg>
@@ -9580,412 +11318,11 @@
                 <a:latin typeface="a로케트" panose="02020600000000000000" pitchFamily="18" charset="-127"/>
                 <a:ea typeface="a로케트" panose="02020600000000000000" pitchFamily="18" charset="-127"/>
               </a:rPr>
-              <a:t>사용데이터</a:t>
+              <a:t>고려할 변수</a:t>
             </a:r>
           </a:p>
         </p:txBody>
       </p:sp>
-      <p:grpSp>
-        <p:nvGrpSpPr>
-          <p:cNvPr id="19" name="그룹 18">
-            <a:extLst>
-              <a:ext uri="{FF2B5EF4-FFF2-40B4-BE49-F238E27FC236}">
-                <a16:creationId xmlns:a16="http://schemas.microsoft.com/office/drawing/2014/main" id="{F5197524-013C-42CC-A6AC-BB058C8D51F6}"/>
-              </a:ext>
-            </a:extLst>
-          </p:cNvPr>
-          <p:cNvGrpSpPr/>
-          <p:nvPr/>
-        </p:nvGrpSpPr>
-        <p:grpSpPr>
-          <a:xfrm>
-            <a:off x="1379809" y="1904830"/>
-            <a:ext cx="8311152" cy="3319561"/>
-            <a:chOff x="3850548" y="1521636"/>
-            <a:chExt cx="8311152" cy="3319561"/>
-          </a:xfrm>
-        </p:grpSpPr>
-        <p:pic>
-          <p:nvPicPr>
-            <p:cNvPr id="13" name="그림 12">
-              <a:extLst>
-                <a:ext uri="{FF2B5EF4-FFF2-40B4-BE49-F238E27FC236}">
-                  <a16:creationId xmlns:a16="http://schemas.microsoft.com/office/drawing/2014/main" id="{47E3253A-E5FF-4738-8613-041E9C261019}"/>
-                </a:ext>
-              </a:extLst>
-            </p:cNvPr>
-            <p:cNvPicPr>
-              <a:picLocks noChangeAspect="1"/>
-            </p:cNvPicPr>
-            <p:nvPr/>
-          </p:nvPicPr>
-          <p:blipFill>
-            <a:blip r:embed="rId2"/>
-            <a:stretch>
-              <a:fillRect/>
-            </a:stretch>
-          </p:blipFill>
-          <p:spPr>
-            <a:xfrm>
-              <a:off x="3850548" y="1521636"/>
-              <a:ext cx="8205656" cy="3319561"/>
-            </a:xfrm>
-            <a:prstGeom prst="rect">
-              <a:avLst/>
-            </a:prstGeom>
-          </p:spPr>
-        </p:pic>
-        <p:sp>
-          <p:nvSpPr>
-            <p:cNvPr id="14" name="TextBox 13">
-              <a:extLst>
-                <a:ext uri="{FF2B5EF4-FFF2-40B4-BE49-F238E27FC236}">
-                  <a16:creationId xmlns:a16="http://schemas.microsoft.com/office/drawing/2014/main" id="{7C88C4C2-E218-4161-A8C9-E87D9C9B5581}"/>
-                </a:ext>
-              </a:extLst>
-            </p:cNvPr>
-            <p:cNvSpPr txBox="1"/>
-            <p:nvPr/>
-          </p:nvSpPr>
-          <p:spPr>
-            <a:xfrm>
-              <a:off x="4456484" y="1993598"/>
-              <a:ext cx="2155971" cy="276999"/>
-            </a:xfrm>
-            <a:prstGeom prst="rect">
-              <a:avLst/>
-            </a:prstGeom>
-            <a:noFill/>
-          </p:spPr>
-          <p:txBody>
-            <a:bodyPr wrap="square" rtlCol="0">
-              <a:spAutoFit/>
-            </a:bodyPr>
-            <a:lstStyle/>
-            <a:p>
-              <a:pPr algn="ctr"/>
-              <a:r>
-                <a:rPr lang="ko-KR" altLang="en-US" sz="1200" b="1" dirty="0">
-                  <a:solidFill>
-                    <a:schemeClr val="tx1">
-                      <a:lumMod val="85000"/>
-                      <a:lumOff val="15000"/>
-                    </a:schemeClr>
-                  </a:solidFill>
-                  <a:latin typeface="나눔고딕" panose="020D0604000000000000" pitchFamily="50" charset="-127"/>
-                  <a:ea typeface="나눔고딕" panose="020D0604000000000000" pitchFamily="50" charset="-127"/>
-                </a:rPr>
-                <a:t>공동육아 </a:t>
-              </a:r>
-              <a:r>
-                <a:rPr lang="ko-KR" altLang="en-US" sz="1200" b="1" dirty="0" err="1">
-                  <a:solidFill>
-                    <a:schemeClr val="tx1">
-                      <a:lumMod val="85000"/>
-                      <a:lumOff val="15000"/>
-                    </a:schemeClr>
-                  </a:solidFill>
-                  <a:latin typeface="나눔고딕" panose="020D0604000000000000" pitchFamily="50" charset="-127"/>
-                  <a:ea typeface="나눔고딕" panose="020D0604000000000000" pitchFamily="50" charset="-127"/>
-                </a:rPr>
-                <a:t>나눔터</a:t>
-              </a:r>
-              <a:endParaRPr lang="ko-KR" altLang="en-US" sz="1200" b="1" dirty="0">
-                <a:solidFill>
-                  <a:schemeClr val="tx1">
-                    <a:lumMod val="85000"/>
-                    <a:lumOff val="15000"/>
-                  </a:schemeClr>
-                </a:solidFill>
-                <a:latin typeface="나눔고딕" panose="020D0604000000000000" pitchFamily="50" charset="-127"/>
-                <a:ea typeface="나눔고딕" panose="020D0604000000000000" pitchFamily="50" charset="-127"/>
-              </a:endParaRPr>
-            </a:p>
-          </p:txBody>
-        </p:sp>
-        <p:sp>
-          <p:nvSpPr>
-            <p:cNvPr id="15" name="TextBox 14">
-              <a:extLst>
-                <a:ext uri="{FF2B5EF4-FFF2-40B4-BE49-F238E27FC236}">
-                  <a16:creationId xmlns:a16="http://schemas.microsoft.com/office/drawing/2014/main" id="{1CF16437-D44B-49EA-BA22-15131B69348E}"/>
-                </a:ext>
-              </a:extLst>
-            </p:cNvPr>
-            <p:cNvSpPr txBox="1"/>
-            <p:nvPr/>
-          </p:nvSpPr>
-          <p:spPr>
-            <a:xfrm>
-              <a:off x="10005729" y="1993598"/>
-              <a:ext cx="2155971" cy="261610"/>
-            </a:xfrm>
-            <a:prstGeom prst="rect">
-              <a:avLst/>
-            </a:prstGeom>
-            <a:noFill/>
-          </p:spPr>
-          <p:txBody>
-            <a:bodyPr wrap="square" rtlCol="0">
-              <a:spAutoFit/>
-            </a:bodyPr>
-            <a:lstStyle/>
-            <a:p>
-              <a:pPr algn="ctr"/>
-              <a:r>
-                <a:rPr lang="ko-KR" altLang="en-US" sz="1100" b="1" dirty="0">
-                  <a:solidFill>
-                    <a:schemeClr val="tx1">
-                      <a:lumMod val="85000"/>
-                      <a:lumOff val="15000"/>
-                    </a:schemeClr>
-                  </a:solidFill>
-                  <a:latin typeface="나눔고딕" panose="020D0604000000000000" pitchFamily="50" charset="-127"/>
-                  <a:ea typeface="나눔고딕" panose="020D0604000000000000" pitchFamily="50" charset="-127"/>
-                </a:rPr>
-                <a:t>여성가족부</a:t>
-              </a:r>
-            </a:p>
-          </p:txBody>
-        </p:sp>
-        <p:sp>
-          <p:nvSpPr>
-            <p:cNvPr id="16" name="TextBox 15">
-              <a:extLst>
-                <a:ext uri="{FF2B5EF4-FFF2-40B4-BE49-F238E27FC236}">
-                  <a16:creationId xmlns:a16="http://schemas.microsoft.com/office/drawing/2014/main" id="{9F8F1ED9-64BF-4D6C-8E0B-2A734542E66F}"/>
-                </a:ext>
-              </a:extLst>
-            </p:cNvPr>
-            <p:cNvSpPr txBox="1"/>
-            <p:nvPr/>
-          </p:nvSpPr>
-          <p:spPr>
-            <a:xfrm>
-              <a:off x="4456483" y="4412909"/>
-              <a:ext cx="2155971" cy="276999"/>
-            </a:xfrm>
-            <a:prstGeom prst="rect">
-              <a:avLst/>
-            </a:prstGeom>
-            <a:noFill/>
-          </p:spPr>
-          <p:txBody>
-            <a:bodyPr wrap="square" rtlCol="0">
-              <a:spAutoFit/>
-            </a:bodyPr>
-            <a:lstStyle/>
-            <a:p>
-              <a:pPr algn="ctr"/>
-              <a:r>
-                <a:rPr lang="ko-KR" altLang="en-US" sz="1200" b="1" dirty="0">
-                  <a:solidFill>
-                    <a:schemeClr val="tx1">
-                      <a:lumMod val="85000"/>
-                      <a:lumOff val="15000"/>
-                    </a:schemeClr>
-                  </a:solidFill>
-                  <a:latin typeface="나눔고딕" panose="020D0604000000000000" pitchFamily="50" charset="-127"/>
-                  <a:ea typeface="나눔고딕" panose="020D0604000000000000" pitchFamily="50" charset="-127"/>
-                </a:rPr>
-                <a:t>출생아 수</a:t>
-              </a:r>
-              <a:r>
-                <a:rPr lang="en-US" altLang="ko-KR" sz="1200" b="1" dirty="0">
-                  <a:solidFill>
-                    <a:schemeClr val="tx1">
-                      <a:lumMod val="85000"/>
-                      <a:lumOff val="15000"/>
-                    </a:schemeClr>
-                  </a:solidFill>
-                  <a:latin typeface="나눔고딕" panose="020D0604000000000000" pitchFamily="50" charset="-127"/>
-                  <a:ea typeface="나눔고딕" panose="020D0604000000000000" pitchFamily="50" charset="-127"/>
-                </a:rPr>
-                <a:t>, </a:t>
-              </a:r>
-              <a:r>
-                <a:rPr lang="ko-KR" altLang="en-US" sz="1200" b="1" dirty="0">
-                  <a:solidFill>
-                    <a:schemeClr val="tx1">
-                      <a:lumMod val="85000"/>
-                      <a:lumOff val="15000"/>
-                    </a:schemeClr>
-                  </a:solidFill>
-                  <a:latin typeface="나눔고딕" panose="020D0604000000000000" pitchFamily="50" charset="-127"/>
-                  <a:ea typeface="나눔고딕" panose="020D0604000000000000" pitchFamily="50" charset="-127"/>
-                </a:rPr>
-                <a:t>맞벌이 부부 데이터</a:t>
-              </a:r>
-            </a:p>
-          </p:txBody>
-        </p:sp>
-        <p:sp>
-          <p:nvSpPr>
-            <p:cNvPr id="17" name="TextBox 16">
-              <a:extLst>
-                <a:ext uri="{FF2B5EF4-FFF2-40B4-BE49-F238E27FC236}">
-                  <a16:creationId xmlns:a16="http://schemas.microsoft.com/office/drawing/2014/main" id="{91FAFF56-2E48-4725-ACB6-C4D63D9BC865}"/>
-                </a:ext>
-              </a:extLst>
-            </p:cNvPr>
-            <p:cNvSpPr txBox="1"/>
-            <p:nvPr/>
-          </p:nvSpPr>
-          <p:spPr>
-            <a:xfrm>
-              <a:off x="10422184" y="4428297"/>
-              <a:ext cx="1390371" cy="261610"/>
-            </a:xfrm>
-            <a:prstGeom prst="rect">
-              <a:avLst/>
-            </a:prstGeom>
-            <a:solidFill>
-              <a:schemeClr val="bg1"/>
-            </a:solidFill>
-          </p:spPr>
-          <p:txBody>
-            <a:bodyPr wrap="square" rtlCol="0">
-              <a:spAutoFit/>
-            </a:bodyPr>
-            <a:lstStyle/>
-            <a:p>
-              <a:pPr algn="ctr"/>
-              <a:r>
-                <a:rPr lang="en-US" altLang="ko-KR" sz="1100" b="1" dirty="0" err="1">
-                  <a:solidFill>
-                    <a:schemeClr val="tx1">
-                      <a:lumMod val="85000"/>
-                      <a:lumOff val="15000"/>
-                    </a:schemeClr>
-                  </a:solidFill>
-                  <a:latin typeface="나눔고딕" panose="020D0604000000000000" pitchFamily="50" charset="-127"/>
-                  <a:ea typeface="나눔고딕" panose="020D0604000000000000" pitchFamily="50" charset="-127"/>
-                </a:rPr>
-                <a:t>Kosis</a:t>
-              </a:r>
-              <a:endParaRPr lang="ko-KR" altLang="en-US" sz="1100" b="1" dirty="0">
-                <a:solidFill>
-                  <a:schemeClr val="tx1">
-                    <a:lumMod val="85000"/>
-                    <a:lumOff val="15000"/>
-                  </a:schemeClr>
-                </a:solidFill>
-                <a:latin typeface="나눔고딕" panose="020D0604000000000000" pitchFamily="50" charset="-127"/>
-                <a:ea typeface="나눔고딕" panose="020D0604000000000000" pitchFamily="50" charset="-127"/>
-              </a:endParaRPr>
-            </a:p>
-          </p:txBody>
-        </p:sp>
-        <p:sp>
-          <p:nvSpPr>
-            <p:cNvPr id="18" name="TextBox 17">
-              <a:extLst>
-                <a:ext uri="{FF2B5EF4-FFF2-40B4-BE49-F238E27FC236}">
-                  <a16:creationId xmlns:a16="http://schemas.microsoft.com/office/drawing/2014/main" id="{F7DC1E93-50B7-4D1D-8B6B-6A45BD3A1650}"/>
-                </a:ext>
-              </a:extLst>
-            </p:cNvPr>
-            <p:cNvSpPr txBox="1"/>
-            <p:nvPr/>
-          </p:nvSpPr>
-          <p:spPr>
-            <a:xfrm>
-              <a:off x="7808937" y="4428297"/>
-              <a:ext cx="2412914" cy="261610"/>
-            </a:xfrm>
-            <a:prstGeom prst="rect">
-              <a:avLst/>
-            </a:prstGeom>
-            <a:solidFill>
-              <a:schemeClr val="bg1"/>
-            </a:solidFill>
-          </p:spPr>
-          <p:txBody>
-            <a:bodyPr wrap="square" rtlCol="0">
-              <a:spAutoFit/>
-            </a:bodyPr>
-            <a:lstStyle/>
-            <a:p>
-              <a:pPr algn="ctr"/>
-              <a:r>
-                <a:rPr lang="ko-KR" altLang="en-US" sz="1100" b="1" dirty="0" err="1">
-                  <a:solidFill>
-                    <a:schemeClr val="tx1">
-                      <a:lumMod val="85000"/>
-                      <a:lumOff val="15000"/>
-                    </a:schemeClr>
-                  </a:solidFill>
-                  <a:latin typeface="나눔고딕" panose="020D0604000000000000" pitchFamily="50" charset="-127"/>
-                  <a:ea typeface="나눔고딕" panose="020D0604000000000000" pitchFamily="50" charset="-127"/>
-                </a:rPr>
-                <a:t>저출산</a:t>
-              </a:r>
-              <a:r>
-                <a:rPr lang="ko-KR" altLang="en-US" sz="1100" b="1" dirty="0">
-                  <a:solidFill>
-                    <a:schemeClr val="tx1">
-                      <a:lumMod val="85000"/>
-                      <a:lumOff val="15000"/>
-                    </a:schemeClr>
-                  </a:solidFill>
-                  <a:latin typeface="나눔고딕" panose="020D0604000000000000" pitchFamily="50" charset="-127"/>
-                  <a:ea typeface="나눔고딕" panose="020D0604000000000000" pitchFamily="50" charset="-127"/>
-                </a:rPr>
-                <a:t> 문제인식</a:t>
-              </a:r>
-              <a:r>
-                <a:rPr lang="en-US" altLang="ko-KR" sz="1100" b="1" dirty="0">
-                  <a:solidFill>
-                    <a:schemeClr val="tx1">
-                      <a:lumMod val="85000"/>
-                      <a:lumOff val="15000"/>
-                    </a:schemeClr>
-                  </a:solidFill>
-                  <a:latin typeface="나눔고딕" panose="020D0604000000000000" pitchFamily="50" charset="-127"/>
-                  <a:ea typeface="나눔고딕" panose="020D0604000000000000" pitchFamily="50" charset="-127"/>
-                </a:rPr>
-                <a:t>, </a:t>
-              </a:r>
-              <a:r>
-                <a:rPr lang="ko-KR" altLang="en-US" sz="1100" b="1" dirty="0">
-                  <a:solidFill>
-                    <a:schemeClr val="tx1">
-                      <a:lumMod val="85000"/>
-                      <a:lumOff val="15000"/>
-                    </a:schemeClr>
-                  </a:solidFill>
-                  <a:latin typeface="나눔고딕" panose="020D0604000000000000" pitchFamily="50" charset="-127"/>
-                  <a:ea typeface="나눔고딕" panose="020D0604000000000000" pitchFamily="50" charset="-127"/>
-                </a:rPr>
-                <a:t>실태 파악</a:t>
-              </a:r>
-              <a:r>
-                <a:rPr lang="en-US" altLang="ko-KR" sz="1100" b="1" dirty="0">
-                  <a:solidFill>
-                    <a:schemeClr val="tx1">
-                      <a:lumMod val="85000"/>
-                      <a:lumOff val="15000"/>
-                    </a:schemeClr>
-                  </a:solidFill>
-                  <a:latin typeface="나눔고딕" panose="020D0604000000000000" pitchFamily="50" charset="-127"/>
-                  <a:ea typeface="나눔고딕" panose="020D0604000000000000" pitchFamily="50" charset="-127"/>
-                </a:rPr>
-                <a:t> </a:t>
-              </a:r>
-              <a:endParaRPr lang="ko-KR" altLang="en-US" sz="1100" b="1" dirty="0">
-                <a:solidFill>
-                  <a:schemeClr val="tx1">
-                    <a:lumMod val="85000"/>
-                    <a:lumOff val="15000"/>
-                  </a:schemeClr>
-                </a:solidFill>
-                <a:latin typeface="나눔고딕" panose="020D0604000000000000" pitchFamily="50" charset="-127"/>
-                <a:ea typeface="나눔고딕" panose="020D0604000000000000" pitchFamily="50" charset="-127"/>
-              </a:endParaRPr>
-            </a:p>
-          </p:txBody>
-        </p:sp>
-      </p:grpSp>
       <p:pic>
         <p:nvPicPr>
           <p:cNvPr id="5" name="내용 개체 틀 4">
@@ -10003,11 +11340,11 @@
           </p:nvPr>
         </p:nvPicPr>
         <p:blipFill>
-          <a:blip r:embed="rId3">
+          <a:blip r:embed="rId2">
             <a:extLst>
               <a:ext uri="{BEBA8EAE-BF5A-486C-A8C5-ECC9F3942E4B}">
                 <a14:imgProps xmlns:a14="http://schemas.microsoft.com/office/drawing/2010/main">
-                  <a14:imgLayer r:embed="rId4">
+                  <a14:imgLayer r:embed="rId3">
                     <a14:imgEffect>
                       <a14:backgroundRemoval t="4405" b="96905" l="7667" r="91833">
                         <a14:foregroundMark x1="9667" y1="41429" x2="11167" y2="40714"/>
@@ -10208,6 +11545,82 @@
           </a:fontRef>
         </p:style>
       </p:cxnSp>
+      <p:sp>
+        <p:nvSpPr>
+          <p:cNvPr id="3" name="TextBox 2">
+            <a:extLst>
+              <a:ext uri="{FF2B5EF4-FFF2-40B4-BE49-F238E27FC236}">
+                <a16:creationId xmlns:a16="http://schemas.microsoft.com/office/drawing/2014/main" id="{CDFE58EC-6A9E-4431-89FB-C8400E021240}"/>
+              </a:ext>
+            </a:extLst>
+          </p:cNvPr>
+          <p:cNvSpPr txBox="1"/>
+          <p:nvPr/>
+        </p:nvSpPr>
+        <p:spPr>
+          <a:xfrm>
+            <a:off x="1566657" y="2272431"/>
+            <a:ext cx="4577379" cy="646331"/>
+          </a:xfrm>
+          <a:prstGeom prst="rect">
+            <a:avLst/>
+          </a:prstGeom>
+          <a:noFill/>
+        </p:spPr>
+        <p:txBody>
+          <a:bodyPr wrap="square" rtlCol="0">
+            <a:spAutoFit/>
+          </a:bodyPr>
+          <a:lstStyle/>
+          <a:p>
+            <a:r>
+              <a:rPr lang="ko-KR" altLang="en-US" dirty="0"/>
+              <a:t>출산율 </a:t>
+            </a:r>
+            <a:r>
+              <a:rPr lang="en-US" altLang="ko-KR" dirty="0"/>
+              <a:t>,</a:t>
+            </a:r>
+            <a:r>
+              <a:rPr lang="ko-KR" altLang="en-US" dirty="0"/>
+              <a:t>소득수준</a:t>
+            </a:r>
+            <a:r>
+              <a:rPr lang="en-US" altLang="ko-KR" dirty="0"/>
+              <a:t>, </a:t>
+            </a:r>
+            <a:r>
+              <a:rPr lang="ko-KR" altLang="en-US" dirty="0" err="1"/>
+              <a:t>혼인율</a:t>
+            </a:r>
+            <a:r>
+              <a:rPr lang="en-US" altLang="ko-KR" dirty="0"/>
+              <a:t>, </a:t>
+            </a:r>
+            <a:r>
+              <a:rPr lang="ko-KR" altLang="en-US" dirty="0"/>
+              <a:t>반려동물</a:t>
+            </a:r>
+            <a:r>
+              <a:rPr lang="en-US" altLang="ko-KR" dirty="0"/>
+              <a:t>,</a:t>
+            </a:r>
+            <a:r>
+              <a:rPr lang="ko-KR" altLang="en-US" dirty="0"/>
+              <a:t>집값</a:t>
+            </a:r>
+            <a:r>
+              <a:rPr lang="en-US" altLang="ko-KR" dirty="0"/>
+              <a:t>, </a:t>
+            </a:r>
+            <a:r>
+              <a:rPr lang="ko-KR" altLang="en-US" dirty="0"/>
+              <a:t>낙태 등 관련 변수 </a:t>
+            </a:r>
+            <a:endParaRPr lang="en-US" altLang="ko-KR" dirty="0"/>
+          </a:p>
+        </p:txBody>
+      </p:sp>
     </p:spTree>
     <p:extLst>
       <p:ext uri="{BB962C8B-B14F-4D97-AF65-F5344CB8AC3E}">
@@ -10224,7 +11637,7 @@
 </p:sld>
 </file>
 
-<file path=ppt/slides/slide6.xml><?xml version="1.0" encoding="utf-8"?>
+<file path=ppt/slides/slide8.xml><?xml version="1.0" encoding="utf-8"?>
 <p:sld xmlns:a="http://schemas.openxmlformats.org/drawingml/2006/main" xmlns:r="http://schemas.openxmlformats.org/officeDocument/2006/relationships" xmlns:p="http://schemas.openxmlformats.org/presentationml/2006/main">
   <p:cSld>
     <p:bg>
@@ -10251,10 +11664,10 @@
       </p:grpSpPr>
       <p:pic>
         <p:nvPicPr>
-          <p:cNvPr id="28" name="Picture 2">
-            <a:extLst>
-              <a:ext uri="{FF2B5EF4-FFF2-40B4-BE49-F238E27FC236}">
-                <a16:creationId xmlns:a16="http://schemas.microsoft.com/office/drawing/2014/main" id="{E6E13A43-24EC-4373-9467-D819A3200E03}"/>
+          <p:cNvPr id="27" name="Picture 2">
+            <a:extLst>
+              <a:ext uri="{FF2B5EF4-FFF2-40B4-BE49-F238E27FC236}">
+                <a16:creationId xmlns:a16="http://schemas.microsoft.com/office/drawing/2014/main" id="{7F153675-F9EE-43F5-B2FA-34864A06FAE9}"/>
               </a:ext>
             </a:extLst>
           </p:cNvPr>
@@ -10398,10 +11811,10 @@
       </p:sp>
       <p:grpSp>
         <p:nvGrpSpPr>
-          <p:cNvPr id="3" name="그룹 2">
-            <a:extLst>
-              <a:ext uri="{FF2B5EF4-FFF2-40B4-BE49-F238E27FC236}">
-                <a16:creationId xmlns:a16="http://schemas.microsoft.com/office/drawing/2014/main" id="{85F3714A-4A56-4155-92F5-E469352FE5F9}"/>
+          <p:cNvPr id="5" name="그룹 4">
+            <a:extLst>
+              <a:ext uri="{FF2B5EF4-FFF2-40B4-BE49-F238E27FC236}">
+                <a16:creationId xmlns:a16="http://schemas.microsoft.com/office/drawing/2014/main" id="{B0A7CEE9-3A17-4673-A198-A40B0FDB1B09}"/>
               </a:ext>
             </a:extLst>
           </p:cNvPr>
@@ -10410,18 +11823,18 @@
         </p:nvGrpSpPr>
         <p:grpSpPr>
           <a:xfrm>
-            <a:off x="1608557" y="2347873"/>
-            <a:ext cx="2724537" cy="1199606"/>
-            <a:chOff x="855069" y="1895995"/>
-            <a:chExt cx="2724537" cy="1199606"/>
+            <a:off x="8249527" y="2312909"/>
+            <a:ext cx="2659222" cy="1192437"/>
+            <a:chOff x="8754488" y="2347873"/>
+            <a:chExt cx="2659222" cy="1192437"/>
           </a:xfrm>
         </p:grpSpPr>
         <p:sp>
           <p:nvSpPr>
-            <p:cNvPr id="31" name="모서리가 둥근 직사각형 86">
+            <p:cNvPr id="34" name="모서리가 둥근 직사각형 86">
               <a:extLst>
                 <a:ext uri="{FF2B5EF4-FFF2-40B4-BE49-F238E27FC236}">
-                  <a16:creationId xmlns:a16="http://schemas.microsoft.com/office/drawing/2014/main" id="{02E054BD-1F23-428B-8779-D1030A402604}"/>
+                  <a16:creationId xmlns:a16="http://schemas.microsoft.com/office/drawing/2014/main" id="{A0D597BD-E591-49ED-8850-004D7FB34CFE}"/>
                 </a:ext>
               </a:extLst>
             </p:cNvPr>
@@ -10430,7 +11843,7 @@
           </p:nvSpPr>
           <p:spPr>
             <a:xfrm>
-              <a:off x="855069" y="1895995"/>
+              <a:off x="8754488" y="2347873"/>
               <a:ext cx="2659222" cy="1192437"/>
             </a:xfrm>
             <a:prstGeom prst="roundRect">
@@ -10473,310 +11886,7 @@
             <a:lstStyle/>
             <a:p>
               <a:pPr algn="ctr"/>
-              <a:endParaRPr lang="ko-KR" altLang="en-US" sz="1200">
-                <a:latin typeface="a타이틀고딕3" panose="02020600000000000000" pitchFamily="18" charset="-127"/>
-                <a:ea typeface="a타이틀고딕3" panose="02020600000000000000" pitchFamily="18" charset="-127"/>
-              </a:endParaRPr>
-            </a:p>
-          </p:txBody>
-        </p:sp>
-        <p:sp>
-          <p:nvSpPr>
-            <p:cNvPr id="32" name="내용 개체 틀 2">
-              <a:extLst>
-                <a:ext uri="{FF2B5EF4-FFF2-40B4-BE49-F238E27FC236}">
-                  <a16:creationId xmlns:a16="http://schemas.microsoft.com/office/drawing/2014/main" id="{BB507707-B276-4C22-AF8F-246FE67EA41A}"/>
-                </a:ext>
-              </a:extLst>
-            </p:cNvPr>
-            <p:cNvSpPr txBox="1">
-              <a:spLocks/>
-            </p:cNvSpPr>
-            <p:nvPr/>
-          </p:nvSpPr>
-          <p:spPr>
-            <a:xfrm>
-              <a:off x="920383" y="2024162"/>
-              <a:ext cx="2659223" cy="1071439"/>
-            </a:xfrm>
-            <a:prstGeom prst="rect">
-              <a:avLst/>
-            </a:prstGeom>
-          </p:spPr>
-          <p:txBody>
-            <a:bodyPr vert="horz" lIns="91440" tIns="45720" rIns="91440" bIns="45720" rtlCol="0">
-              <a:normAutofit/>
-            </a:bodyPr>
-            <a:lstStyle>
-              <a:lvl1pPr marL="228600" indent="-228600" algn="l" defTabSz="914400" rtl="0" eaLnBrk="1" latinLnBrk="1" hangingPunct="1">
-                <a:lnSpc>
-                  <a:spcPct val="90000"/>
-                </a:lnSpc>
-                <a:spcBef>
-                  <a:spcPts val="1000"/>
-                </a:spcBef>
-                <a:buFont typeface="Arial" panose="020B0604020202020204" pitchFamily="34" charset="0"/>
-                <a:buChar char="•"/>
-                <a:defRPr sz="2800" kern="1200">
-                  <a:solidFill>
-                    <a:schemeClr val="tx1"/>
-                  </a:solidFill>
-                  <a:latin typeface="+mn-lt"/>
-                  <a:ea typeface="+mn-ea"/>
-                  <a:cs typeface="+mn-cs"/>
-                </a:defRPr>
-              </a:lvl1pPr>
-              <a:lvl2pPr marL="685800" indent="-228600" algn="l" defTabSz="914400" rtl="0" eaLnBrk="1" latinLnBrk="1" hangingPunct="1">
-                <a:lnSpc>
-                  <a:spcPct val="90000"/>
-                </a:lnSpc>
-                <a:spcBef>
-                  <a:spcPts val="500"/>
-                </a:spcBef>
-                <a:buFont typeface="Arial" panose="020B0604020202020204" pitchFamily="34" charset="0"/>
-                <a:buChar char="•"/>
-                <a:defRPr sz="2400" kern="1200">
-                  <a:solidFill>
-                    <a:schemeClr val="tx1"/>
-                  </a:solidFill>
-                  <a:latin typeface="+mn-lt"/>
-                  <a:ea typeface="+mn-ea"/>
-                  <a:cs typeface="+mn-cs"/>
-                </a:defRPr>
-              </a:lvl2pPr>
-              <a:lvl3pPr marL="1143000" indent="-228600" algn="l" defTabSz="914400" rtl="0" eaLnBrk="1" latinLnBrk="1" hangingPunct="1">
-                <a:lnSpc>
-                  <a:spcPct val="90000"/>
-                </a:lnSpc>
-                <a:spcBef>
-                  <a:spcPts val="500"/>
-                </a:spcBef>
-                <a:buFont typeface="Arial" panose="020B0604020202020204" pitchFamily="34" charset="0"/>
-                <a:buChar char="•"/>
-                <a:defRPr sz="2000" kern="1200">
-                  <a:solidFill>
-                    <a:schemeClr val="tx1"/>
-                  </a:solidFill>
-                  <a:latin typeface="+mn-lt"/>
-                  <a:ea typeface="+mn-ea"/>
-                  <a:cs typeface="+mn-cs"/>
-                </a:defRPr>
-              </a:lvl3pPr>
-              <a:lvl4pPr marL="1600200" indent="-228600" algn="l" defTabSz="914400" rtl="0" eaLnBrk="1" latinLnBrk="1" hangingPunct="1">
-                <a:lnSpc>
-                  <a:spcPct val="90000"/>
-                </a:lnSpc>
-                <a:spcBef>
-                  <a:spcPts val="500"/>
-                </a:spcBef>
-                <a:buFont typeface="Arial" panose="020B0604020202020204" pitchFamily="34" charset="0"/>
-                <a:buChar char="•"/>
-                <a:defRPr sz="1800" kern="1200">
-                  <a:solidFill>
-                    <a:schemeClr val="tx1"/>
-                  </a:solidFill>
-                  <a:latin typeface="+mn-lt"/>
-                  <a:ea typeface="+mn-ea"/>
-                  <a:cs typeface="+mn-cs"/>
-                </a:defRPr>
-              </a:lvl4pPr>
-              <a:lvl5pPr marL="2057400" indent="-228600" algn="l" defTabSz="914400" rtl="0" eaLnBrk="1" latinLnBrk="1" hangingPunct="1">
-                <a:lnSpc>
-                  <a:spcPct val="90000"/>
-                </a:lnSpc>
-                <a:spcBef>
-                  <a:spcPts val="500"/>
-                </a:spcBef>
-                <a:buFont typeface="Arial" panose="020B0604020202020204" pitchFamily="34" charset="0"/>
-                <a:buChar char="•"/>
-                <a:defRPr sz="1800" kern="1200">
-                  <a:solidFill>
-                    <a:schemeClr val="tx1"/>
-                  </a:solidFill>
-                  <a:latin typeface="+mn-lt"/>
-                  <a:ea typeface="+mn-ea"/>
-                  <a:cs typeface="+mn-cs"/>
-                </a:defRPr>
-              </a:lvl5pPr>
-              <a:lvl6pPr marL="2514600" indent="-228600" algn="l" defTabSz="914400" rtl="0" eaLnBrk="1" latinLnBrk="1" hangingPunct="1">
-                <a:lnSpc>
-                  <a:spcPct val="90000"/>
-                </a:lnSpc>
-                <a:spcBef>
-                  <a:spcPts val="500"/>
-                </a:spcBef>
-                <a:buFont typeface="Arial" panose="020B0604020202020204" pitchFamily="34" charset="0"/>
-                <a:buChar char="•"/>
-                <a:defRPr sz="1800" kern="1200">
-                  <a:solidFill>
-                    <a:schemeClr val="tx1"/>
-                  </a:solidFill>
-                  <a:latin typeface="+mn-lt"/>
-                  <a:ea typeface="+mn-ea"/>
-                  <a:cs typeface="+mn-cs"/>
-                </a:defRPr>
-              </a:lvl6pPr>
-              <a:lvl7pPr marL="2971800" indent="-228600" algn="l" defTabSz="914400" rtl="0" eaLnBrk="1" latinLnBrk="1" hangingPunct="1">
-                <a:lnSpc>
-                  <a:spcPct val="90000"/>
-                </a:lnSpc>
-                <a:spcBef>
-                  <a:spcPts val="500"/>
-                </a:spcBef>
-                <a:buFont typeface="Arial" panose="020B0604020202020204" pitchFamily="34" charset="0"/>
-                <a:buChar char="•"/>
-                <a:defRPr sz="1800" kern="1200">
-                  <a:solidFill>
-                    <a:schemeClr val="tx1"/>
-                  </a:solidFill>
-                  <a:latin typeface="+mn-lt"/>
-                  <a:ea typeface="+mn-ea"/>
-                  <a:cs typeface="+mn-cs"/>
-                </a:defRPr>
-              </a:lvl7pPr>
-              <a:lvl8pPr marL="3429000" indent="-228600" algn="l" defTabSz="914400" rtl="0" eaLnBrk="1" latinLnBrk="1" hangingPunct="1">
-                <a:lnSpc>
-                  <a:spcPct val="90000"/>
-                </a:lnSpc>
-                <a:spcBef>
-                  <a:spcPts val="500"/>
-                </a:spcBef>
-                <a:buFont typeface="Arial" panose="020B0604020202020204" pitchFamily="34" charset="0"/>
-                <a:buChar char="•"/>
-                <a:defRPr sz="1800" kern="1200">
-                  <a:solidFill>
-                    <a:schemeClr val="tx1"/>
-                  </a:solidFill>
-                  <a:latin typeface="+mn-lt"/>
-                  <a:ea typeface="+mn-ea"/>
-                  <a:cs typeface="+mn-cs"/>
-                </a:defRPr>
-              </a:lvl8pPr>
-              <a:lvl9pPr marL="3886200" indent="-228600" algn="l" defTabSz="914400" rtl="0" eaLnBrk="1" latinLnBrk="1" hangingPunct="1">
-                <a:lnSpc>
-                  <a:spcPct val="90000"/>
-                </a:lnSpc>
-                <a:spcBef>
-                  <a:spcPts val="500"/>
-                </a:spcBef>
-                <a:buFont typeface="Arial" panose="020B0604020202020204" pitchFamily="34" charset="0"/>
-                <a:buChar char="•"/>
-                <a:defRPr sz="1800" kern="1200">
-                  <a:solidFill>
-                    <a:schemeClr val="tx1"/>
-                  </a:solidFill>
-                  <a:latin typeface="+mn-lt"/>
-                  <a:ea typeface="+mn-ea"/>
-                  <a:cs typeface="+mn-cs"/>
-                </a:defRPr>
-              </a:lvl9pPr>
-            </a:lstStyle>
-            <a:p>
-              <a:r>
-                <a:rPr lang="en-US" altLang="ko-KR" sz="1600" dirty="0">
-                  <a:latin typeface="a타이틀고딕3" panose="02020600000000000000" pitchFamily="18" charset="-127"/>
-                  <a:ea typeface="a타이틀고딕3" panose="02020600000000000000" pitchFamily="18" charset="-127"/>
-                </a:rPr>
-                <a:t>K-means clustering</a:t>
-              </a:r>
-            </a:p>
-            <a:p>
-              <a:pPr marL="0" indent="0">
-                <a:buNone/>
-              </a:pPr>
-              <a:r>
-                <a:rPr lang="ko-KR" altLang="en-US" sz="1000" dirty="0">
-                  <a:latin typeface="a타이틀고딕3" panose="02020600000000000000" pitchFamily="18" charset="-127"/>
-                  <a:ea typeface="a타이틀고딕3" panose="02020600000000000000" pitchFamily="18" charset="-127"/>
-                </a:rPr>
-                <a:t>시설 및 이용자 접근성 분석의 독립변수를 추출하기 위해 위탁센터 위도 및 경도 데이터를 학습하여 위탁센서 그룹의 중심점과 위탁센터의 거리를 구하고자 함</a:t>
-              </a:r>
-              <a:endParaRPr lang="en-US" altLang="ko-KR" sz="1000" dirty="0">
-                <a:latin typeface="a타이틀고딕3" panose="02020600000000000000" pitchFamily="18" charset="-127"/>
-                <a:ea typeface="a타이틀고딕3" panose="02020600000000000000" pitchFamily="18" charset="-127"/>
-              </a:endParaRPr>
-            </a:p>
-          </p:txBody>
-        </p:sp>
-      </p:grpSp>
-      <p:grpSp>
-        <p:nvGrpSpPr>
-          <p:cNvPr id="5" name="그룹 4">
-            <a:extLst>
-              <a:ext uri="{FF2B5EF4-FFF2-40B4-BE49-F238E27FC236}">
-                <a16:creationId xmlns:a16="http://schemas.microsoft.com/office/drawing/2014/main" id="{B0A7CEE9-3A17-4673-A198-A40B0FDB1B09}"/>
-              </a:ext>
-            </a:extLst>
-          </p:cNvPr>
-          <p:cNvGrpSpPr/>
-          <p:nvPr/>
-        </p:nvGrpSpPr>
-        <p:grpSpPr>
-          <a:xfrm>
-            <a:off x="4718761" y="2347873"/>
-            <a:ext cx="2659222" cy="1192437"/>
-            <a:chOff x="4718761" y="2347873"/>
-            <a:chExt cx="2659222" cy="1192437"/>
-          </a:xfrm>
-        </p:grpSpPr>
-        <p:sp>
-          <p:nvSpPr>
-            <p:cNvPr id="34" name="모서리가 둥근 직사각형 86">
-              <a:extLst>
-                <a:ext uri="{FF2B5EF4-FFF2-40B4-BE49-F238E27FC236}">
-                  <a16:creationId xmlns:a16="http://schemas.microsoft.com/office/drawing/2014/main" id="{A0D597BD-E591-49ED-8850-004D7FB34CFE}"/>
-                </a:ext>
-              </a:extLst>
-            </p:cNvPr>
-            <p:cNvSpPr/>
-            <p:nvPr/>
-          </p:nvSpPr>
-          <p:spPr>
-            <a:xfrm>
-              <a:off x="4718761" y="2347873"/>
-              <a:ext cx="2659222" cy="1192437"/>
-            </a:xfrm>
-            <a:prstGeom prst="roundRect">
-              <a:avLst>
-                <a:gd name="adj" fmla="val 8361"/>
-              </a:avLst>
-            </a:prstGeom>
-            <a:noFill/>
-            <a:ln w="101600">
-              <a:solidFill>
-                <a:schemeClr val="bg1"/>
-              </a:solidFill>
-            </a:ln>
-            <a:effectLst>
-              <a:outerShdw blurRad="50800" dist="38100" dir="2700000" algn="tl" rotWithShape="0">
-                <a:prstClr val="black">
-                  <a:alpha val="40000"/>
-                </a:prstClr>
-              </a:outerShdw>
-            </a:effectLst>
-          </p:spPr>
-          <p:style>
-            <a:lnRef idx="2">
-              <a:schemeClr val="accent1">
-                <a:shade val="50000"/>
-              </a:schemeClr>
-            </a:lnRef>
-            <a:fillRef idx="1">
-              <a:schemeClr val="accent1"/>
-            </a:fillRef>
-            <a:effectRef idx="0">
-              <a:schemeClr val="accent1"/>
-            </a:effectRef>
-            <a:fontRef idx="minor">
-              <a:schemeClr val="lt1"/>
-            </a:fontRef>
-          </p:style>
-          <p:txBody>
-            <a:bodyPr rtlCol="0" anchor="ctr"/>
-            <a:lstStyle/>
-            <a:p>
-              <a:pPr algn="ctr"/>
-              <a:endParaRPr lang="ko-KR" altLang="en-US" sz="1200">
+              <a:endParaRPr lang="ko-KR" altLang="en-US" sz="1200" dirty="0">
                 <a:latin typeface="a타이틀고딕3" panose="02020600000000000000" pitchFamily="18" charset="-127"/>
                 <a:ea typeface="a타이틀고딕3" panose="02020600000000000000" pitchFamily="18" charset="-127"/>
               </a:endParaRPr>
@@ -10799,7 +11909,7 @@
           </p:nvSpPr>
           <p:spPr>
             <a:xfrm>
-              <a:off x="4933942" y="2561532"/>
+              <a:off x="8908046" y="2581445"/>
               <a:ext cx="2352106" cy="779458"/>
             </a:xfrm>
             <a:prstGeom prst="rect">
@@ -10980,19 +12090,8 @@
                   <a:latin typeface="a타이틀고딕3" panose="02020600000000000000" pitchFamily="18" charset="-127"/>
                   <a:ea typeface="a타이틀고딕3" panose="02020600000000000000" pitchFamily="18" charset="-127"/>
                 </a:rPr>
-                <a:t>GIS </a:t>
+                <a:t>Regression</a:t>
               </a:r>
-              <a:r>
-                <a:rPr lang="ko-KR" altLang="en-US" sz="1600" dirty="0">
-                  <a:latin typeface="a타이틀고딕3" panose="02020600000000000000" pitchFamily="18" charset="-127"/>
-                  <a:ea typeface="a타이틀고딕3" panose="02020600000000000000" pitchFamily="18" charset="-127"/>
-                </a:rPr>
-                <a:t>공간 분석</a:t>
-              </a:r>
-              <a:endParaRPr lang="en-US" altLang="ko-KR" sz="1600" dirty="0">
-                <a:latin typeface="a타이틀고딕3" panose="02020600000000000000" pitchFamily="18" charset="-127"/>
-                <a:ea typeface="a타이틀고딕3" panose="02020600000000000000" pitchFamily="18" charset="-127"/>
-              </a:endParaRPr>
             </a:p>
             <a:p>
               <a:pPr marL="0" indent="0">
@@ -11010,7 +12109,7 @@
                   <a:latin typeface="a타이틀고딕3" panose="02020600000000000000" pitchFamily="18" charset="-127"/>
                   <a:ea typeface="a타이틀고딕3" panose="02020600000000000000" pitchFamily="18" charset="-127"/>
                 </a:rPr>
-                <a:t> 모델을 통해 소외된 행정동을 파악하고 위탁센터 최적지 추천</a:t>
+                <a:t> 모델을 통해 출산율 예측</a:t>
               </a:r>
               <a:endParaRPr lang="en-US" altLang="ko-KR" sz="1050" dirty="0">
                 <a:latin typeface="a타이틀고딕3" panose="02020600000000000000" pitchFamily="18" charset="-127"/>
@@ -11034,7 +12133,7 @@
         </p:nvGrpSpPr>
         <p:grpSpPr>
           <a:xfrm>
-            <a:off x="7854916" y="2355042"/>
+            <a:off x="1020924" y="2381441"/>
             <a:ext cx="2659222" cy="1192437"/>
             <a:chOff x="7854916" y="2355042"/>
             <a:chExt cx="2659222" cy="1192437"/>
@@ -11058,6 +12157,629 @@
             <a:xfrm>
               <a:off x="8054746" y="2561532"/>
               <a:ext cx="2358218" cy="893850"/>
+            </a:xfrm>
+            <a:prstGeom prst="rect">
+              <a:avLst/>
+            </a:prstGeom>
+          </p:spPr>
+          <p:txBody>
+            <a:bodyPr vert="horz" lIns="91440" tIns="45720" rIns="91440" bIns="45720" rtlCol="0">
+              <a:noAutofit/>
+            </a:bodyPr>
+            <a:lstStyle>
+              <a:lvl1pPr marL="228600" indent="-228600" algn="l" defTabSz="914400" rtl="0" eaLnBrk="1" latinLnBrk="1" hangingPunct="1">
+                <a:lnSpc>
+                  <a:spcPct val="90000"/>
+                </a:lnSpc>
+                <a:spcBef>
+                  <a:spcPts val="1000"/>
+                </a:spcBef>
+                <a:buFont typeface="Arial" panose="020B0604020202020204" pitchFamily="34" charset="0"/>
+                <a:buChar char="•"/>
+                <a:defRPr sz="2800" kern="1200">
+                  <a:solidFill>
+                    <a:schemeClr val="tx1"/>
+                  </a:solidFill>
+                  <a:latin typeface="+mn-lt"/>
+                  <a:ea typeface="+mn-ea"/>
+                  <a:cs typeface="+mn-cs"/>
+                </a:defRPr>
+              </a:lvl1pPr>
+              <a:lvl2pPr marL="685800" indent="-228600" algn="l" defTabSz="914400" rtl="0" eaLnBrk="1" latinLnBrk="1" hangingPunct="1">
+                <a:lnSpc>
+                  <a:spcPct val="90000"/>
+                </a:lnSpc>
+                <a:spcBef>
+                  <a:spcPts val="500"/>
+                </a:spcBef>
+                <a:buFont typeface="Arial" panose="020B0604020202020204" pitchFamily="34" charset="0"/>
+                <a:buChar char="•"/>
+                <a:defRPr sz="2400" kern="1200">
+                  <a:solidFill>
+                    <a:schemeClr val="tx1"/>
+                  </a:solidFill>
+                  <a:latin typeface="+mn-lt"/>
+                  <a:ea typeface="+mn-ea"/>
+                  <a:cs typeface="+mn-cs"/>
+                </a:defRPr>
+              </a:lvl2pPr>
+              <a:lvl3pPr marL="1143000" indent="-228600" algn="l" defTabSz="914400" rtl="0" eaLnBrk="1" latinLnBrk="1" hangingPunct="1">
+                <a:lnSpc>
+                  <a:spcPct val="90000"/>
+                </a:lnSpc>
+                <a:spcBef>
+                  <a:spcPts val="500"/>
+                </a:spcBef>
+                <a:buFont typeface="Arial" panose="020B0604020202020204" pitchFamily="34" charset="0"/>
+                <a:buChar char="•"/>
+                <a:defRPr sz="2000" kern="1200">
+                  <a:solidFill>
+                    <a:schemeClr val="tx1"/>
+                  </a:solidFill>
+                  <a:latin typeface="+mn-lt"/>
+                  <a:ea typeface="+mn-ea"/>
+                  <a:cs typeface="+mn-cs"/>
+                </a:defRPr>
+              </a:lvl3pPr>
+              <a:lvl4pPr marL="1600200" indent="-228600" algn="l" defTabSz="914400" rtl="0" eaLnBrk="1" latinLnBrk="1" hangingPunct="1">
+                <a:lnSpc>
+                  <a:spcPct val="90000"/>
+                </a:lnSpc>
+                <a:spcBef>
+                  <a:spcPts val="500"/>
+                </a:spcBef>
+                <a:buFont typeface="Arial" panose="020B0604020202020204" pitchFamily="34" charset="0"/>
+                <a:buChar char="•"/>
+                <a:defRPr sz="1800" kern="1200">
+                  <a:solidFill>
+                    <a:schemeClr val="tx1"/>
+                  </a:solidFill>
+                  <a:latin typeface="+mn-lt"/>
+                  <a:ea typeface="+mn-ea"/>
+                  <a:cs typeface="+mn-cs"/>
+                </a:defRPr>
+              </a:lvl4pPr>
+              <a:lvl5pPr marL="2057400" indent="-228600" algn="l" defTabSz="914400" rtl="0" eaLnBrk="1" latinLnBrk="1" hangingPunct="1">
+                <a:lnSpc>
+                  <a:spcPct val="90000"/>
+                </a:lnSpc>
+                <a:spcBef>
+                  <a:spcPts val="500"/>
+                </a:spcBef>
+                <a:buFont typeface="Arial" panose="020B0604020202020204" pitchFamily="34" charset="0"/>
+                <a:buChar char="•"/>
+                <a:defRPr sz="1800" kern="1200">
+                  <a:solidFill>
+                    <a:schemeClr val="tx1"/>
+                  </a:solidFill>
+                  <a:latin typeface="+mn-lt"/>
+                  <a:ea typeface="+mn-ea"/>
+                  <a:cs typeface="+mn-cs"/>
+                </a:defRPr>
+              </a:lvl5pPr>
+              <a:lvl6pPr marL="2514600" indent="-228600" algn="l" defTabSz="914400" rtl="0" eaLnBrk="1" latinLnBrk="1" hangingPunct="1">
+                <a:lnSpc>
+                  <a:spcPct val="90000"/>
+                </a:lnSpc>
+                <a:spcBef>
+                  <a:spcPts val="500"/>
+                </a:spcBef>
+                <a:buFont typeface="Arial" panose="020B0604020202020204" pitchFamily="34" charset="0"/>
+                <a:buChar char="•"/>
+                <a:defRPr sz="1800" kern="1200">
+                  <a:solidFill>
+                    <a:schemeClr val="tx1"/>
+                  </a:solidFill>
+                  <a:latin typeface="+mn-lt"/>
+                  <a:ea typeface="+mn-ea"/>
+                  <a:cs typeface="+mn-cs"/>
+                </a:defRPr>
+              </a:lvl6pPr>
+              <a:lvl7pPr marL="2971800" indent="-228600" algn="l" defTabSz="914400" rtl="0" eaLnBrk="1" latinLnBrk="1" hangingPunct="1">
+                <a:lnSpc>
+                  <a:spcPct val="90000"/>
+                </a:lnSpc>
+                <a:spcBef>
+                  <a:spcPts val="500"/>
+                </a:spcBef>
+                <a:buFont typeface="Arial" panose="020B0604020202020204" pitchFamily="34" charset="0"/>
+                <a:buChar char="•"/>
+                <a:defRPr sz="1800" kern="1200">
+                  <a:solidFill>
+                    <a:schemeClr val="tx1"/>
+                  </a:solidFill>
+                  <a:latin typeface="+mn-lt"/>
+                  <a:ea typeface="+mn-ea"/>
+                  <a:cs typeface="+mn-cs"/>
+                </a:defRPr>
+              </a:lvl7pPr>
+              <a:lvl8pPr marL="3429000" indent="-228600" algn="l" defTabSz="914400" rtl="0" eaLnBrk="1" latinLnBrk="1" hangingPunct="1">
+                <a:lnSpc>
+                  <a:spcPct val="90000"/>
+                </a:lnSpc>
+                <a:spcBef>
+                  <a:spcPts val="500"/>
+                </a:spcBef>
+                <a:buFont typeface="Arial" panose="020B0604020202020204" pitchFamily="34" charset="0"/>
+                <a:buChar char="•"/>
+                <a:defRPr sz="1800" kern="1200">
+                  <a:solidFill>
+                    <a:schemeClr val="tx1"/>
+                  </a:solidFill>
+                  <a:latin typeface="+mn-lt"/>
+                  <a:ea typeface="+mn-ea"/>
+                  <a:cs typeface="+mn-cs"/>
+                </a:defRPr>
+              </a:lvl8pPr>
+              <a:lvl9pPr marL="3886200" indent="-228600" algn="l" defTabSz="914400" rtl="0" eaLnBrk="1" latinLnBrk="1" hangingPunct="1">
+                <a:lnSpc>
+                  <a:spcPct val="90000"/>
+                </a:lnSpc>
+                <a:spcBef>
+                  <a:spcPts val="500"/>
+                </a:spcBef>
+                <a:buFont typeface="Arial" panose="020B0604020202020204" pitchFamily="34" charset="0"/>
+                <a:buChar char="•"/>
+                <a:defRPr sz="1800" kern="1200">
+                  <a:solidFill>
+                    <a:schemeClr val="tx1"/>
+                  </a:solidFill>
+                  <a:latin typeface="+mn-lt"/>
+                  <a:ea typeface="+mn-ea"/>
+                  <a:cs typeface="+mn-cs"/>
+                </a:defRPr>
+              </a:lvl9pPr>
+            </a:lstStyle>
+            <a:p>
+              <a:r>
+                <a:rPr lang="en-US" altLang="ko-KR" sz="1400" dirty="0">
+                  <a:latin typeface="a타이틀고딕3" panose="02020600000000000000" pitchFamily="18" charset="-127"/>
+                  <a:ea typeface="a타이틀고딕3" panose="02020600000000000000" pitchFamily="18" charset="-127"/>
+                </a:rPr>
+                <a:t>PCA </a:t>
+              </a:r>
+              <a:r>
+                <a:rPr lang="ko-KR" altLang="en-US" sz="1400" dirty="0">
+                  <a:latin typeface="a타이틀고딕3" panose="02020600000000000000" pitchFamily="18" charset="-127"/>
+                  <a:ea typeface="a타이틀고딕3" panose="02020600000000000000" pitchFamily="18" charset="-127"/>
+                </a:rPr>
+                <a:t>와 </a:t>
+              </a:r>
+              <a:r>
+                <a:rPr lang="en-US" altLang="ko-KR" sz="1400" dirty="0" err="1">
+                  <a:latin typeface="a타이틀고딕3" panose="02020600000000000000" pitchFamily="18" charset="-127"/>
+                  <a:ea typeface="a타이틀고딕3" panose="02020600000000000000" pitchFamily="18" charset="-127"/>
+                </a:rPr>
+                <a:t>GridSearchCV</a:t>
+              </a:r>
+              <a:r>
+                <a:rPr lang="ko-KR" altLang="en-US" sz="1400" dirty="0">
+                  <a:latin typeface="a타이틀고딕3" panose="02020600000000000000" pitchFamily="18" charset="-127"/>
+                  <a:ea typeface="a타이틀고딕3" panose="02020600000000000000" pitchFamily="18" charset="-127"/>
+                </a:rPr>
+                <a:t>를 통해 영향력이 큰 변수를 선택하고 차원축소 진행</a:t>
+              </a:r>
+              <a:endParaRPr lang="en-US" altLang="ko-KR" sz="1400" dirty="0">
+                <a:latin typeface="a타이틀고딕3" panose="02020600000000000000" pitchFamily="18" charset="-127"/>
+                <a:ea typeface="a타이틀고딕3" panose="02020600000000000000" pitchFamily="18" charset="-127"/>
+              </a:endParaRPr>
+            </a:p>
+            <a:p>
+              <a:r>
+                <a:rPr lang="ko-KR" altLang="en-US" sz="1400" dirty="0">
+                  <a:latin typeface="a타이틀고딕3" panose="02020600000000000000" pitchFamily="18" charset="-127"/>
+                  <a:ea typeface="a타이틀고딕3" panose="02020600000000000000" pitchFamily="18" charset="-127"/>
+                </a:rPr>
+                <a:t>최적 모델 선택</a:t>
+              </a:r>
+              <a:endParaRPr lang="en-US" altLang="ko-KR" sz="1400" dirty="0">
+                <a:latin typeface="a타이틀고딕3" panose="02020600000000000000" pitchFamily="18" charset="-127"/>
+                <a:ea typeface="a타이틀고딕3" panose="02020600000000000000" pitchFamily="18" charset="-127"/>
+              </a:endParaRPr>
+            </a:p>
+          </p:txBody>
+        </p:sp>
+        <p:sp>
+          <p:nvSpPr>
+            <p:cNvPr id="37" name="모서리가 둥근 직사각형 86">
+              <a:extLst>
+                <a:ext uri="{FF2B5EF4-FFF2-40B4-BE49-F238E27FC236}">
+                  <a16:creationId xmlns:a16="http://schemas.microsoft.com/office/drawing/2014/main" id="{4D29550E-71CF-41C8-98B1-39DF10CB815E}"/>
+                </a:ext>
+              </a:extLst>
+            </p:cNvPr>
+            <p:cNvSpPr/>
+            <p:nvPr/>
+          </p:nvSpPr>
+          <p:spPr>
+            <a:xfrm>
+              <a:off x="7854916" y="2355042"/>
+              <a:ext cx="2659222" cy="1192437"/>
+            </a:xfrm>
+            <a:prstGeom prst="roundRect">
+              <a:avLst>
+                <a:gd name="adj" fmla="val 8361"/>
+              </a:avLst>
+            </a:prstGeom>
+            <a:noFill/>
+            <a:ln w="101600">
+              <a:solidFill>
+                <a:schemeClr val="bg1"/>
+              </a:solidFill>
+            </a:ln>
+            <a:effectLst>
+              <a:outerShdw blurRad="50800" dist="38100" dir="2700000" algn="tl" rotWithShape="0">
+                <a:prstClr val="black">
+                  <a:alpha val="40000"/>
+                </a:prstClr>
+              </a:outerShdw>
+            </a:effectLst>
+          </p:spPr>
+          <p:style>
+            <a:lnRef idx="2">
+              <a:schemeClr val="accent1">
+                <a:shade val="50000"/>
+              </a:schemeClr>
+            </a:lnRef>
+            <a:fillRef idx="1">
+              <a:schemeClr val="accent1"/>
+            </a:fillRef>
+            <a:effectRef idx="0">
+              <a:schemeClr val="accent1"/>
+            </a:effectRef>
+            <a:fontRef idx="minor">
+              <a:schemeClr val="lt1"/>
+            </a:fontRef>
+          </p:style>
+          <p:txBody>
+            <a:bodyPr rtlCol="0" anchor="ctr"/>
+            <a:lstStyle/>
+            <a:p>
+              <a:pPr algn="ctr"/>
+              <a:endParaRPr lang="ko-KR" altLang="en-US" sz="1200">
+                <a:latin typeface="a타이틀고딕3" panose="02020600000000000000" pitchFamily="18" charset="-127"/>
+                <a:ea typeface="a타이틀고딕3" panose="02020600000000000000" pitchFamily="18" charset="-127"/>
+              </a:endParaRPr>
+            </a:p>
+          </p:txBody>
+        </p:sp>
+      </p:grpSp>
+      <p:sp>
+        <p:nvSpPr>
+          <p:cNvPr id="45" name="TextBox 44">
+            <a:extLst>
+              <a:ext uri="{FF2B5EF4-FFF2-40B4-BE49-F238E27FC236}">
+                <a16:creationId xmlns:a16="http://schemas.microsoft.com/office/drawing/2014/main" id="{BD8C31C5-7287-426F-B9B7-89EADDF206D0}"/>
+              </a:ext>
+            </a:extLst>
+          </p:cNvPr>
+          <p:cNvSpPr txBox="1"/>
+          <p:nvPr/>
+        </p:nvSpPr>
+        <p:spPr>
+          <a:xfrm>
+            <a:off x="215153" y="4807934"/>
+            <a:ext cx="10854465" cy="584775"/>
+          </a:xfrm>
+          <a:prstGeom prst="rect">
+            <a:avLst/>
+          </a:prstGeom>
+          <a:noFill/>
+          <a:effectLst/>
+        </p:spPr>
+        <p:txBody>
+          <a:bodyPr wrap="square" rtlCol="0">
+            <a:spAutoFit/>
+          </a:bodyPr>
+          <a:lstStyle/>
+          <a:p>
+            <a:pPr algn="ctr"/>
+            <a:r>
+              <a:rPr lang="ko-KR" altLang="en-US" sz="3200" dirty="0">
+                <a:ln>
+                  <a:solidFill>
+                    <a:schemeClr val="accent1">
+                      <a:alpha val="0"/>
+                    </a:schemeClr>
+                  </a:solidFill>
+                </a:ln>
+                <a:solidFill>
+                  <a:schemeClr val="tx1">
+                    <a:lumMod val="85000"/>
+                    <a:lumOff val="15000"/>
+                  </a:schemeClr>
+                </a:solidFill>
+                <a:effectLst>
+                  <a:outerShdw blurRad="60007" dist="127000" dir="15000000" sy="30000" kx="-1800000" algn="bl" rotWithShape="0">
+                    <a:prstClr val="black">
+                      <a:alpha val="32000"/>
+                    </a:prstClr>
+                  </a:outerShdw>
+                </a:effectLst>
+                <a:latin typeface="a로케트" pitchFamily="18" charset="-127"/>
+                <a:ea typeface="a로케트" pitchFamily="18" charset="-127"/>
+              </a:rPr>
+              <a:t>출산율에 영향을 미치는 변수 및 예측 모델 도출</a:t>
+            </a:r>
+            <a:endParaRPr lang="en-US" altLang="ko-KR" sz="3200" dirty="0">
+              <a:ln>
+                <a:solidFill>
+                  <a:schemeClr val="accent1">
+                    <a:alpha val="0"/>
+                  </a:schemeClr>
+                </a:solidFill>
+              </a:ln>
+              <a:solidFill>
+                <a:schemeClr val="tx1">
+                  <a:lumMod val="85000"/>
+                  <a:lumOff val="15000"/>
+                </a:schemeClr>
+              </a:solidFill>
+              <a:effectLst>
+                <a:outerShdw blurRad="60007" dist="127000" dir="15000000" sy="30000" kx="-1800000" algn="bl" rotWithShape="0">
+                  <a:prstClr val="black">
+                    <a:alpha val="32000"/>
+                  </a:prstClr>
+                </a:outerShdw>
+              </a:effectLst>
+              <a:latin typeface="a로케트" pitchFamily="18" charset="-127"/>
+              <a:ea typeface="a로케트" pitchFamily="18" charset="-127"/>
+            </a:endParaRPr>
+          </a:p>
+        </p:txBody>
+      </p:sp>
+      <p:sp>
+        <p:nvSpPr>
+          <p:cNvPr id="46" name="TextBox 45">
+            <a:extLst>
+              <a:ext uri="{FF2B5EF4-FFF2-40B4-BE49-F238E27FC236}">
+                <a16:creationId xmlns:a16="http://schemas.microsoft.com/office/drawing/2014/main" id="{98A5D4B7-802B-4C87-98E7-3A5B32CF9959}"/>
+              </a:ext>
+            </a:extLst>
+          </p:cNvPr>
+          <p:cNvSpPr txBox="1"/>
+          <p:nvPr/>
+        </p:nvSpPr>
+        <p:spPr>
+          <a:xfrm>
+            <a:off x="10514138" y="6469336"/>
+            <a:ext cx="1426994" cy="200055"/>
+          </a:xfrm>
+          <a:prstGeom prst="rect">
+            <a:avLst/>
+          </a:prstGeom>
+          <a:noFill/>
+        </p:spPr>
+        <p:txBody>
+          <a:bodyPr wrap="none" rtlCol="0">
+            <a:spAutoFit/>
+          </a:bodyPr>
+          <a:lstStyle/>
+          <a:p>
+            <a:r>
+              <a:rPr lang="en-US" altLang="ko-KR" sz="700" dirty="0" err="1">
+                <a:solidFill>
+                  <a:schemeClr val="tx1">
+                    <a:lumMod val="65000"/>
+                    <a:lumOff val="35000"/>
+                  </a:schemeClr>
+                </a:solidFill>
+                <a:latin typeface="a로케트" pitchFamily="18" charset="-127"/>
+                <a:ea typeface="a로케트" pitchFamily="18" charset="-127"/>
+              </a:rPr>
+              <a:t>Powerpoint</a:t>
+            </a:r>
+            <a:r>
+              <a:rPr lang="en-US" altLang="ko-KR" sz="700" dirty="0">
+                <a:solidFill>
+                  <a:schemeClr val="tx1">
+                    <a:lumMod val="65000"/>
+                    <a:lumOff val="35000"/>
+                  </a:schemeClr>
+                </a:solidFill>
+                <a:latin typeface="a로케트" pitchFamily="18" charset="-127"/>
+                <a:ea typeface="a로케트" pitchFamily="18" charset="-127"/>
+              </a:rPr>
+              <a:t> : </a:t>
+            </a:r>
+            <a:r>
+              <a:rPr lang="en-US" altLang="ko-KR" sz="700" dirty="0" err="1">
+                <a:solidFill>
+                  <a:schemeClr val="tx1">
+                    <a:lumMod val="65000"/>
+                    <a:lumOff val="35000"/>
+                  </a:schemeClr>
+                </a:solidFill>
+                <a:latin typeface="a로케트" pitchFamily="18" charset="-127"/>
+                <a:ea typeface="a로케트" pitchFamily="18" charset="-127"/>
+              </a:rPr>
+              <a:t>team_project</a:t>
+            </a:r>
+            <a:endParaRPr lang="ko-KR" altLang="en-US" sz="700" dirty="0">
+              <a:solidFill>
+                <a:schemeClr val="tx1">
+                  <a:lumMod val="65000"/>
+                  <a:lumOff val="35000"/>
+                </a:schemeClr>
+              </a:solidFill>
+              <a:latin typeface="a로케트" pitchFamily="18" charset="-127"/>
+              <a:ea typeface="a로케트" pitchFamily="18" charset="-127"/>
+            </a:endParaRPr>
+          </a:p>
+        </p:txBody>
+      </p:sp>
+      <p:sp>
+        <p:nvSpPr>
+          <p:cNvPr id="47" name="TextBox 46">
+            <a:extLst>
+              <a:ext uri="{FF2B5EF4-FFF2-40B4-BE49-F238E27FC236}">
+                <a16:creationId xmlns:a16="http://schemas.microsoft.com/office/drawing/2014/main" id="{08CC5729-0593-4647-986D-82D68BE51E7B}"/>
+              </a:ext>
+            </a:extLst>
+          </p:cNvPr>
+          <p:cNvSpPr txBox="1"/>
+          <p:nvPr/>
+        </p:nvSpPr>
+        <p:spPr>
+          <a:xfrm>
+            <a:off x="11157080" y="6644119"/>
+            <a:ext cx="1003801" cy="169277"/>
+          </a:xfrm>
+          <a:prstGeom prst="rect">
+            <a:avLst/>
+          </a:prstGeom>
+          <a:noFill/>
+        </p:spPr>
+        <p:txBody>
+          <a:bodyPr wrap="none" rtlCol="0">
+            <a:spAutoFit/>
+          </a:bodyPr>
+          <a:lstStyle/>
+          <a:p>
+            <a:r>
+              <a:rPr lang="en-US" altLang="ko-KR" sz="500" dirty="0">
+                <a:solidFill>
+                  <a:schemeClr val="tx1">
+                    <a:lumMod val="65000"/>
+                    <a:lumOff val="35000"/>
+                  </a:schemeClr>
+                </a:solidFill>
+                <a:latin typeface="a로케트" pitchFamily="18" charset="-127"/>
+                <a:ea typeface="a로케트" pitchFamily="18" charset="-127"/>
+              </a:rPr>
+              <a:t>BIG DATA </a:t>
+            </a:r>
+            <a:r>
+              <a:rPr lang="ko-KR" altLang="en-US" sz="500" dirty="0" err="1">
+                <a:solidFill>
+                  <a:schemeClr val="tx1">
+                    <a:lumMod val="65000"/>
+                    <a:lumOff val="35000"/>
+                  </a:schemeClr>
+                </a:solidFill>
+                <a:latin typeface="a로케트" pitchFamily="18" charset="-127"/>
+                <a:ea typeface="a로케트" pitchFamily="18" charset="-127"/>
+              </a:rPr>
+              <a:t>첫번째</a:t>
+            </a:r>
+            <a:r>
+              <a:rPr lang="ko-KR" altLang="en-US" sz="500" dirty="0">
+                <a:solidFill>
+                  <a:schemeClr val="tx1">
+                    <a:lumMod val="65000"/>
+                    <a:lumOff val="35000"/>
+                  </a:schemeClr>
+                </a:solidFill>
+                <a:latin typeface="a로케트" pitchFamily="18" charset="-127"/>
+                <a:ea typeface="a로케트" pitchFamily="18" charset="-127"/>
+              </a:rPr>
+              <a:t> 조별 과제</a:t>
+            </a:r>
+          </a:p>
+        </p:txBody>
+      </p:sp>
+      <p:grpSp>
+        <p:nvGrpSpPr>
+          <p:cNvPr id="24" name="그룹 23">
+            <a:extLst>
+              <a:ext uri="{FF2B5EF4-FFF2-40B4-BE49-F238E27FC236}">
+                <a16:creationId xmlns:a16="http://schemas.microsoft.com/office/drawing/2014/main" id="{689BF165-3840-4113-8ECF-40E6930C94BA}"/>
+              </a:ext>
+            </a:extLst>
+          </p:cNvPr>
+          <p:cNvGrpSpPr/>
+          <p:nvPr/>
+        </p:nvGrpSpPr>
+        <p:grpSpPr>
+          <a:xfrm>
+            <a:off x="4472055" y="2347873"/>
+            <a:ext cx="2659222" cy="1192437"/>
+            <a:chOff x="5468208" y="3181866"/>
+            <a:chExt cx="2659222" cy="1192437"/>
+          </a:xfrm>
+        </p:grpSpPr>
+        <p:sp>
+          <p:nvSpPr>
+            <p:cNvPr id="25" name="모서리가 둥근 직사각형 86">
+              <a:extLst>
+                <a:ext uri="{FF2B5EF4-FFF2-40B4-BE49-F238E27FC236}">
+                  <a16:creationId xmlns:a16="http://schemas.microsoft.com/office/drawing/2014/main" id="{3ECC68A8-AD15-41AB-927E-5E7F5357A52B}"/>
+                </a:ext>
+              </a:extLst>
+            </p:cNvPr>
+            <p:cNvSpPr/>
+            <p:nvPr/>
+          </p:nvSpPr>
+          <p:spPr>
+            <a:xfrm>
+              <a:off x="5468208" y="3181866"/>
+              <a:ext cx="2659222" cy="1192437"/>
+            </a:xfrm>
+            <a:prstGeom prst="roundRect">
+              <a:avLst>
+                <a:gd name="adj" fmla="val 8361"/>
+              </a:avLst>
+            </a:prstGeom>
+            <a:noFill/>
+            <a:ln w="101600">
+              <a:solidFill>
+                <a:schemeClr val="bg1"/>
+              </a:solidFill>
+            </a:ln>
+            <a:effectLst>
+              <a:outerShdw blurRad="50800" dist="38100" dir="2700000" algn="tl" rotWithShape="0">
+                <a:prstClr val="black">
+                  <a:alpha val="40000"/>
+                </a:prstClr>
+              </a:outerShdw>
+            </a:effectLst>
+          </p:spPr>
+          <p:style>
+            <a:lnRef idx="2">
+              <a:schemeClr val="accent1">
+                <a:shade val="50000"/>
+              </a:schemeClr>
+            </a:lnRef>
+            <a:fillRef idx="1">
+              <a:schemeClr val="accent1"/>
+            </a:fillRef>
+            <a:effectRef idx="0">
+              <a:schemeClr val="accent1"/>
+            </a:effectRef>
+            <a:fontRef idx="minor">
+              <a:schemeClr val="lt1"/>
+            </a:fontRef>
+          </p:style>
+          <p:txBody>
+            <a:bodyPr rtlCol="0" anchor="ctr"/>
+            <a:lstStyle/>
+            <a:p>
+              <a:pPr algn="ctr"/>
+              <a:endParaRPr lang="ko-KR" altLang="en-US" sz="1200">
+                <a:latin typeface="a타이틀고딕3" panose="02020600000000000000" pitchFamily="18" charset="-127"/>
+                <a:ea typeface="a타이틀고딕3" panose="02020600000000000000" pitchFamily="18" charset="-127"/>
+              </a:endParaRPr>
+            </a:p>
+          </p:txBody>
+        </p:sp>
+        <p:sp>
+          <p:nvSpPr>
+            <p:cNvPr id="26" name="내용 개체 틀 2">
+              <a:extLst>
+                <a:ext uri="{FF2B5EF4-FFF2-40B4-BE49-F238E27FC236}">
+                  <a16:creationId xmlns:a16="http://schemas.microsoft.com/office/drawing/2014/main" id="{9B53EF4F-9143-401E-8011-B89660EEFD40}"/>
+                </a:ext>
+              </a:extLst>
+            </p:cNvPr>
+            <p:cNvSpPr txBox="1">
+              <a:spLocks/>
+            </p:cNvSpPr>
+            <p:nvPr/>
+          </p:nvSpPr>
+          <p:spPr>
+            <a:xfrm>
+              <a:off x="5640742" y="3594845"/>
+              <a:ext cx="2352106" cy="779458"/>
             </a:xfrm>
             <a:prstGeom prst="rect">
               <a:avLst/>
@@ -11232,19 +12954,6 @@
               </a:lvl9pPr>
             </a:lstStyle>
             <a:p>
-              <a:r>
-                <a:rPr lang="ko-KR" altLang="en-US" sz="1600" dirty="0">
-                  <a:latin typeface="a타이틀고딕3" panose="02020600000000000000" pitchFamily="18" charset="-127"/>
-                  <a:ea typeface="a타이틀고딕3" panose="02020600000000000000" pitchFamily="18" charset="-127"/>
-                </a:rPr>
-                <a:t>회귀분석</a:t>
-              </a:r>
-              <a:endParaRPr lang="en-US" altLang="ko-KR" sz="1600" dirty="0">
-                <a:latin typeface="a타이틀고딕3" panose="02020600000000000000" pitchFamily="18" charset="-127"/>
-                <a:ea typeface="a타이틀고딕3" panose="02020600000000000000" pitchFamily="18" charset="-127"/>
-              </a:endParaRPr>
-            </a:p>
-            <a:p>
               <a:pPr marL="0" indent="0">
                 <a:buNone/>
               </a:pPr>
@@ -11253,114 +12962,16 @@
                   <a:latin typeface="a타이틀고딕3" panose="02020600000000000000" pitchFamily="18" charset="-127"/>
                   <a:ea typeface="a타이틀고딕3" panose="02020600000000000000" pitchFamily="18" charset="-127"/>
                 </a:rPr>
-                <a:t>2018</a:t>
+                <a:t>MDS - </a:t>
               </a:r>
               <a:r>
                 <a:rPr lang="ko-KR" altLang="en-US" sz="1050" dirty="0">
                   <a:latin typeface="a타이틀고딕3" panose="02020600000000000000" pitchFamily="18" charset="-127"/>
                   <a:ea typeface="a타이틀고딕3" panose="02020600000000000000" pitchFamily="18" charset="-127"/>
                 </a:rPr>
-                <a:t>년까지의 영유아 인구 데이터를 학습하여 </a:t>
-              </a:r>
-              <a:r>
-                <a:rPr lang="en-US" altLang="ko-KR" sz="1050" dirty="0">
-                  <a:latin typeface="a타이틀고딕3" panose="02020600000000000000" pitchFamily="18" charset="-127"/>
-                  <a:ea typeface="a타이틀고딕3" panose="02020600000000000000" pitchFamily="18" charset="-127"/>
-                </a:rPr>
-                <a:t>2020</a:t>
-              </a:r>
-              <a:r>
-                <a:rPr lang="ko-KR" altLang="en-US" sz="1050" dirty="0">
-                  <a:latin typeface="a타이틀고딕3" panose="02020600000000000000" pitchFamily="18" charset="-127"/>
-                  <a:ea typeface="a타이틀고딕3" panose="02020600000000000000" pitchFamily="18" charset="-127"/>
-                </a:rPr>
-                <a:t>년 </a:t>
-              </a:r>
-              <a:r>
-                <a:rPr lang="ko-KR" altLang="en-US" sz="1050" dirty="0" err="1">
-                  <a:latin typeface="a타이틀고딕3" panose="02020600000000000000" pitchFamily="18" charset="-127"/>
-                  <a:ea typeface="a타이틀고딕3" panose="02020600000000000000" pitchFamily="18" charset="-127"/>
-                </a:rPr>
-                <a:t>행정동별</a:t>
-              </a:r>
-              <a:r>
-                <a:rPr lang="ko-KR" altLang="en-US" sz="1050" dirty="0">
-                  <a:latin typeface="a타이틀고딕3" panose="02020600000000000000" pitchFamily="18" charset="-127"/>
-                  <a:ea typeface="a타이틀고딕3" panose="02020600000000000000" pitchFamily="18" charset="-127"/>
-                </a:rPr>
-                <a:t> 영유아 인구를 예측</a:t>
+                <a:t>앞서 추출한 변수들을 시각화를 통해  가시화 </a:t>
               </a:r>
               <a:endParaRPr lang="en-US" altLang="ko-KR" sz="1050" dirty="0">
-                <a:latin typeface="a타이틀고딕3" panose="02020600000000000000" pitchFamily="18" charset="-127"/>
-                <a:ea typeface="a타이틀고딕3" panose="02020600000000000000" pitchFamily="18" charset="-127"/>
-              </a:endParaRPr>
-            </a:p>
-            <a:p>
-              <a:endParaRPr lang="ko-KR" altLang="en-US" sz="1050" dirty="0">
-                <a:latin typeface="a타이틀고딕3" panose="02020600000000000000" pitchFamily="18" charset="-127"/>
-                <a:ea typeface="a타이틀고딕3" panose="02020600000000000000" pitchFamily="18" charset="-127"/>
-              </a:endParaRPr>
-            </a:p>
-          </p:txBody>
-        </p:sp>
-        <p:sp>
-          <p:nvSpPr>
-            <p:cNvPr id="37" name="모서리가 둥근 직사각형 86">
-              <a:extLst>
-                <a:ext uri="{FF2B5EF4-FFF2-40B4-BE49-F238E27FC236}">
-                  <a16:creationId xmlns:a16="http://schemas.microsoft.com/office/drawing/2014/main" id="{4D29550E-71CF-41C8-98B1-39DF10CB815E}"/>
-                </a:ext>
-              </a:extLst>
-            </p:cNvPr>
-            <p:cNvSpPr/>
-            <p:nvPr/>
-          </p:nvSpPr>
-          <p:spPr>
-            <a:xfrm>
-              <a:off x="7854916" y="2355042"/>
-              <a:ext cx="2659222" cy="1192437"/>
-            </a:xfrm>
-            <a:prstGeom prst="roundRect">
-              <a:avLst>
-                <a:gd name="adj" fmla="val 8361"/>
-              </a:avLst>
-            </a:prstGeom>
-            <a:noFill/>
-            <a:ln w="101600">
-              <a:solidFill>
-                <a:schemeClr val="bg1"/>
-              </a:solidFill>
-            </a:ln>
-            <a:effectLst>
-              <a:outerShdw blurRad="50800" dist="38100" dir="2700000" algn="tl" rotWithShape="0">
-                <a:prstClr val="black">
-                  <a:alpha val="40000"/>
-                </a:prstClr>
-              </a:outerShdw>
-            </a:effectLst>
-          </p:spPr>
-          <p:style>
-            <a:lnRef idx="2">
-              <a:schemeClr val="accent1">
-                <a:shade val="50000"/>
-              </a:schemeClr>
-            </a:lnRef>
-            <a:fillRef idx="1">
-              <a:schemeClr val="accent1"/>
-            </a:fillRef>
-            <a:effectRef idx="0">
-              <a:schemeClr val="accent1"/>
-            </a:effectRef>
-            <a:fontRef idx="minor">
-              <a:schemeClr val="lt1"/>
-            </a:fontRef>
-          </p:style>
-          <p:txBody>
-            <a:bodyPr rtlCol="0" anchor="ctr"/>
-            <a:lstStyle/>
-            <a:p>
-              <a:pPr algn="ctr"/>
-              <a:endParaRPr lang="ko-KR" altLang="en-US" sz="1200">
                 <a:latin typeface="a타이틀고딕3" panose="02020600000000000000" pitchFamily="18" charset="-127"/>
                 <a:ea typeface="a타이틀고딕3" panose="02020600000000000000" pitchFamily="18" charset="-127"/>
               </a:endParaRPr>
@@ -11368,426 +12979,6 @@
           </p:txBody>
         </p:sp>
       </p:grpSp>
-      <p:sp>
-        <p:nvSpPr>
-          <p:cNvPr id="41" name="아래쪽 화살표 72">
-            <a:extLst>
-              <a:ext uri="{FF2B5EF4-FFF2-40B4-BE49-F238E27FC236}">
-                <a16:creationId xmlns:a16="http://schemas.microsoft.com/office/drawing/2014/main" id="{6FEC300D-A09C-429E-874C-3290281192C4}"/>
-              </a:ext>
-            </a:extLst>
-          </p:cNvPr>
-          <p:cNvSpPr/>
-          <p:nvPr/>
-        </p:nvSpPr>
-        <p:spPr>
-          <a:xfrm rot="20003823">
-            <a:off x="3718609" y="3940917"/>
-            <a:ext cx="652974" cy="466410"/>
-          </a:xfrm>
-          <a:prstGeom prst="downArrow">
-            <a:avLst/>
-          </a:prstGeom>
-          <a:solidFill>
-            <a:schemeClr val="bg1"/>
-          </a:solidFill>
-          <a:ln>
-            <a:noFill/>
-          </a:ln>
-          <a:effectLst>
-            <a:outerShdw blurRad="50800" dist="38100" dir="2700000" algn="tl" rotWithShape="0">
-              <a:prstClr val="black">
-                <a:alpha val="40000"/>
-              </a:prstClr>
-            </a:outerShdw>
-          </a:effectLst>
-        </p:spPr>
-        <p:style>
-          <a:lnRef idx="2">
-            <a:schemeClr val="accent1">
-              <a:shade val="50000"/>
-            </a:schemeClr>
-          </a:lnRef>
-          <a:fillRef idx="1">
-            <a:schemeClr val="accent1"/>
-          </a:fillRef>
-          <a:effectRef idx="0">
-            <a:schemeClr val="accent1"/>
-          </a:effectRef>
-          <a:fontRef idx="minor">
-            <a:schemeClr val="lt1"/>
-          </a:fontRef>
-        </p:style>
-        <p:txBody>
-          <a:bodyPr rtlCol="0" anchor="ctr"/>
-          <a:lstStyle/>
-          <a:p>
-            <a:pPr algn="ctr"/>
-            <a:endParaRPr lang="ko-KR" altLang="en-US" dirty="0">
-              <a:latin typeface="a로케트" pitchFamily="18" charset="-127"/>
-              <a:ea typeface="a로케트" pitchFamily="18" charset="-127"/>
-            </a:endParaRPr>
-          </a:p>
-        </p:txBody>
-      </p:sp>
-      <p:sp>
-        <p:nvSpPr>
-          <p:cNvPr id="43" name="아래쪽 화살표 72">
-            <a:extLst>
-              <a:ext uri="{FF2B5EF4-FFF2-40B4-BE49-F238E27FC236}">
-                <a16:creationId xmlns:a16="http://schemas.microsoft.com/office/drawing/2014/main" id="{553B6D83-77F9-49DC-8C5D-CB3698F446B0}"/>
-              </a:ext>
-            </a:extLst>
-          </p:cNvPr>
-          <p:cNvSpPr/>
-          <p:nvPr/>
-        </p:nvSpPr>
-        <p:spPr>
-          <a:xfrm rot="1942843">
-            <a:off x="7824678" y="3940916"/>
-            <a:ext cx="652972" cy="466410"/>
-          </a:xfrm>
-          <a:prstGeom prst="downArrow">
-            <a:avLst/>
-          </a:prstGeom>
-          <a:solidFill>
-            <a:schemeClr val="bg1"/>
-          </a:solidFill>
-          <a:ln>
-            <a:noFill/>
-          </a:ln>
-          <a:effectLst>
-            <a:outerShdw blurRad="50800" dist="38100" dir="2700000" algn="tl" rotWithShape="0">
-              <a:prstClr val="black">
-                <a:alpha val="40000"/>
-              </a:prstClr>
-            </a:outerShdw>
-          </a:effectLst>
-        </p:spPr>
-        <p:style>
-          <a:lnRef idx="2">
-            <a:schemeClr val="accent1">
-              <a:shade val="50000"/>
-            </a:schemeClr>
-          </a:lnRef>
-          <a:fillRef idx="1">
-            <a:schemeClr val="accent1"/>
-          </a:fillRef>
-          <a:effectRef idx="0">
-            <a:schemeClr val="accent1"/>
-          </a:effectRef>
-          <a:fontRef idx="minor">
-            <a:schemeClr val="lt1"/>
-          </a:fontRef>
-        </p:style>
-        <p:txBody>
-          <a:bodyPr rtlCol="0" anchor="ctr"/>
-          <a:lstStyle/>
-          <a:p>
-            <a:pPr algn="ctr"/>
-            <a:endParaRPr lang="ko-KR" altLang="en-US" dirty="0">
-              <a:latin typeface="a로케트" pitchFamily="18" charset="-127"/>
-              <a:ea typeface="a로케트" pitchFamily="18" charset="-127"/>
-            </a:endParaRPr>
-          </a:p>
-        </p:txBody>
-      </p:sp>
-      <p:sp>
-        <p:nvSpPr>
-          <p:cNvPr id="44" name="아래쪽 화살표 72">
-            <a:extLst>
-              <a:ext uri="{FF2B5EF4-FFF2-40B4-BE49-F238E27FC236}">
-                <a16:creationId xmlns:a16="http://schemas.microsoft.com/office/drawing/2014/main" id="{DAE9CD0D-99D4-4152-BA0A-20EA76DFB824}"/>
-              </a:ext>
-            </a:extLst>
-          </p:cNvPr>
-          <p:cNvSpPr/>
-          <p:nvPr/>
-        </p:nvSpPr>
-        <p:spPr>
-          <a:xfrm>
-            <a:off x="5706592" y="3940917"/>
-            <a:ext cx="652972" cy="466410"/>
-          </a:xfrm>
-          <a:prstGeom prst="downArrow">
-            <a:avLst/>
-          </a:prstGeom>
-          <a:solidFill>
-            <a:schemeClr val="bg1"/>
-          </a:solidFill>
-          <a:ln>
-            <a:noFill/>
-          </a:ln>
-          <a:effectLst>
-            <a:outerShdw blurRad="50800" dist="38100" dir="2700000" algn="tl" rotWithShape="0">
-              <a:prstClr val="black">
-                <a:alpha val="40000"/>
-              </a:prstClr>
-            </a:outerShdw>
-          </a:effectLst>
-        </p:spPr>
-        <p:style>
-          <a:lnRef idx="2">
-            <a:schemeClr val="accent1">
-              <a:shade val="50000"/>
-            </a:schemeClr>
-          </a:lnRef>
-          <a:fillRef idx="1">
-            <a:schemeClr val="accent1"/>
-          </a:fillRef>
-          <a:effectRef idx="0">
-            <a:schemeClr val="accent1"/>
-          </a:effectRef>
-          <a:fontRef idx="minor">
-            <a:schemeClr val="lt1"/>
-          </a:fontRef>
-        </p:style>
-        <p:txBody>
-          <a:bodyPr rtlCol="0" anchor="ctr"/>
-          <a:lstStyle/>
-          <a:p>
-            <a:pPr algn="ctr"/>
-            <a:endParaRPr lang="ko-KR" altLang="en-US" dirty="0">
-              <a:latin typeface="a로케트" pitchFamily="18" charset="-127"/>
-              <a:ea typeface="a로케트" pitchFamily="18" charset="-127"/>
-            </a:endParaRPr>
-          </a:p>
-        </p:txBody>
-      </p:sp>
-      <p:sp>
-        <p:nvSpPr>
-          <p:cNvPr id="45" name="TextBox 44">
-            <a:extLst>
-              <a:ext uri="{FF2B5EF4-FFF2-40B4-BE49-F238E27FC236}">
-                <a16:creationId xmlns:a16="http://schemas.microsoft.com/office/drawing/2014/main" id="{BD8C31C5-7287-426F-B9B7-89EADDF206D0}"/>
-              </a:ext>
-            </a:extLst>
-          </p:cNvPr>
-          <p:cNvSpPr txBox="1"/>
-          <p:nvPr/>
-        </p:nvSpPr>
-        <p:spPr>
-          <a:xfrm>
-            <a:off x="3275016" y="4807934"/>
-            <a:ext cx="5546711" cy="584775"/>
-          </a:xfrm>
-          <a:prstGeom prst="rect">
-            <a:avLst/>
-          </a:prstGeom>
-          <a:noFill/>
-          <a:effectLst/>
-        </p:spPr>
-        <p:txBody>
-          <a:bodyPr wrap="none" rtlCol="0">
-            <a:spAutoFit/>
-          </a:bodyPr>
-          <a:lstStyle/>
-          <a:p>
-            <a:pPr algn="ctr"/>
-            <a:r>
-              <a:rPr lang="ko-KR" altLang="en-US" sz="3200" dirty="0">
-                <a:ln>
-                  <a:solidFill>
-                    <a:schemeClr val="accent1">
-                      <a:alpha val="0"/>
-                    </a:schemeClr>
-                  </a:solidFill>
-                </a:ln>
-                <a:solidFill>
-                  <a:schemeClr val="tx1">
-                    <a:lumMod val="85000"/>
-                    <a:lumOff val="15000"/>
-                  </a:schemeClr>
-                </a:solidFill>
-                <a:effectLst>
-                  <a:outerShdw blurRad="60007" dist="127000" dir="15000000" sy="30000" kx="-1800000" algn="bl" rotWithShape="0">
-                    <a:prstClr val="black">
-                      <a:alpha val="32000"/>
-                    </a:prstClr>
-                  </a:outerShdw>
-                </a:effectLst>
-                <a:latin typeface="a로케트" pitchFamily="18" charset="-127"/>
-                <a:ea typeface="a로케트" pitchFamily="18" charset="-127"/>
-              </a:rPr>
-              <a:t>취약 지역과 적합한 위치 파악</a:t>
-            </a:r>
-            <a:endParaRPr lang="en-US" altLang="ko-KR" sz="3200" dirty="0">
-              <a:ln>
-                <a:solidFill>
-                  <a:schemeClr val="accent1">
-                    <a:alpha val="0"/>
-                  </a:schemeClr>
-                </a:solidFill>
-              </a:ln>
-              <a:solidFill>
-                <a:schemeClr val="tx1">
-                  <a:lumMod val="85000"/>
-                  <a:lumOff val="15000"/>
-                </a:schemeClr>
-              </a:solidFill>
-              <a:effectLst>
-                <a:outerShdw blurRad="60007" dist="127000" dir="15000000" sy="30000" kx="-1800000" algn="bl" rotWithShape="0">
-                  <a:prstClr val="black">
-                    <a:alpha val="32000"/>
-                  </a:prstClr>
-                </a:outerShdw>
-              </a:effectLst>
-              <a:latin typeface="a로케트" pitchFamily="18" charset="-127"/>
-              <a:ea typeface="a로케트" pitchFamily="18" charset="-127"/>
-            </a:endParaRPr>
-          </a:p>
-        </p:txBody>
-      </p:sp>
-      <p:sp>
-        <p:nvSpPr>
-          <p:cNvPr id="46" name="TextBox 45">
-            <a:extLst>
-              <a:ext uri="{FF2B5EF4-FFF2-40B4-BE49-F238E27FC236}">
-                <a16:creationId xmlns:a16="http://schemas.microsoft.com/office/drawing/2014/main" id="{98A5D4B7-802B-4C87-98E7-3A5B32CF9959}"/>
-              </a:ext>
-            </a:extLst>
-          </p:cNvPr>
-          <p:cNvSpPr txBox="1"/>
-          <p:nvPr/>
-        </p:nvSpPr>
-        <p:spPr>
-          <a:xfrm>
-            <a:off x="10514138" y="6469336"/>
-            <a:ext cx="1426994" cy="200055"/>
-          </a:xfrm>
-          <a:prstGeom prst="rect">
-            <a:avLst/>
-          </a:prstGeom>
-          <a:noFill/>
-        </p:spPr>
-        <p:txBody>
-          <a:bodyPr wrap="none" rtlCol="0">
-            <a:spAutoFit/>
-          </a:bodyPr>
-          <a:lstStyle/>
-          <a:p>
-            <a:r>
-              <a:rPr lang="en-US" altLang="ko-KR" sz="700" dirty="0" err="1">
-                <a:solidFill>
-                  <a:schemeClr val="tx1">
-                    <a:lumMod val="65000"/>
-                    <a:lumOff val="35000"/>
-                  </a:schemeClr>
-                </a:solidFill>
-                <a:latin typeface="a로케트" pitchFamily="18" charset="-127"/>
-                <a:ea typeface="a로케트" pitchFamily="18" charset="-127"/>
-              </a:rPr>
-              <a:t>Powerpoint</a:t>
-            </a:r>
-            <a:r>
-              <a:rPr lang="en-US" altLang="ko-KR" sz="700" dirty="0">
-                <a:solidFill>
-                  <a:schemeClr val="tx1">
-                    <a:lumMod val="65000"/>
-                    <a:lumOff val="35000"/>
-                  </a:schemeClr>
-                </a:solidFill>
-                <a:latin typeface="a로케트" pitchFamily="18" charset="-127"/>
-                <a:ea typeface="a로케트" pitchFamily="18" charset="-127"/>
-              </a:rPr>
-              <a:t> : </a:t>
-            </a:r>
-            <a:r>
-              <a:rPr lang="en-US" altLang="ko-KR" sz="700" dirty="0" err="1">
-                <a:solidFill>
-                  <a:schemeClr val="tx1">
-                    <a:lumMod val="65000"/>
-                    <a:lumOff val="35000"/>
-                  </a:schemeClr>
-                </a:solidFill>
-                <a:latin typeface="a로케트" pitchFamily="18" charset="-127"/>
-                <a:ea typeface="a로케트" pitchFamily="18" charset="-127"/>
-              </a:rPr>
-              <a:t>team_project</a:t>
-            </a:r>
-            <a:endParaRPr lang="ko-KR" altLang="en-US" sz="700" dirty="0">
-              <a:solidFill>
-                <a:schemeClr val="tx1">
-                  <a:lumMod val="65000"/>
-                  <a:lumOff val="35000"/>
-                </a:schemeClr>
-              </a:solidFill>
-              <a:latin typeface="a로케트" pitchFamily="18" charset="-127"/>
-              <a:ea typeface="a로케트" pitchFamily="18" charset="-127"/>
-            </a:endParaRPr>
-          </a:p>
-        </p:txBody>
-      </p:sp>
-      <p:sp>
-        <p:nvSpPr>
-          <p:cNvPr id="47" name="TextBox 46">
-            <a:extLst>
-              <a:ext uri="{FF2B5EF4-FFF2-40B4-BE49-F238E27FC236}">
-                <a16:creationId xmlns:a16="http://schemas.microsoft.com/office/drawing/2014/main" id="{08CC5729-0593-4647-986D-82D68BE51E7B}"/>
-              </a:ext>
-            </a:extLst>
-          </p:cNvPr>
-          <p:cNvSpPr txBox="1"/>
-          <p:nvPr/>
-        </p:nvSpPr>
-        <p:spPr>
-          <a:xfrm>
-            <a:off x="11157080" y="6644119"/>
-            <a:ext cx="1003801" cy="169277"/>
-          </a:xfrm>
-          <a:prstGeom prst="rect">
-            <a:avLst/>
-          </a:prstGeom>
-          <a:noFill/>
-        </p:spPr>
-        <p:txBody>
-          <a:bodyPr wrap="none" rtlCol="0">
-            <a:spAutoFit/>
-          </a:bodyPr>
-          <a:lstStyle/>
-          <a:p>
-            <a:r>
-              <a:rPr lang="en-US" altLang="ko-KR" sz="500" dirty="0">
-                <a:solidFill>
-                  <a:schemeClr val="tx1">
-                    <a:lumMod val="65000"/>
-                    <a:lumOff val="35000"/>
-                  </a:schemeClr>
-                </a:solidFill>
-                <a:latin typeface="a로케트" pitchFamily="18" charset="-127"/>
-                <a:ea typeface="a로케트" pitchFamily="18" charset="-127"/>
-              </a:rPr>
-              <a:t>BIG DATA </a:t>
-            </a:r>
-            <a:r>
-              <a:rPr lang="ko-KR" altLang="en-US" sz="500" dirty="0" err="1">
-                <a:solidFill>
-                  <a:schemeClr val="tx1">
-                    <a:lumMod val="65000"/>
-                    <a:lumOff val="35000"/>
-                  </a:schemeClr>
-                </a:solidFill>
-                <a:latin typeface="a로케트" pitchFamily="18" charset="-127"/>
-                <a:ea typeface="a로케트" pitchFamily="18" charset="-127"/>
-              </a:rPr>
-              <a:t>첫번째</a:t>
-            </a:r>
-            <a:r>
-              <a:rPr lang="ko-KR" altLang="en-US" sz="500" dirty="0">
-                <a:solidFill>
-                  <a:schemeClr val="tx1">
-                    <a:lumMod val="65000"/>
-                    <a:lumOff val="35000"/>
-                  </a:schemeClr>
-                </a:solidFill>
-                <a:latin typeface="a로케트" pitchFamily="18" charset="-127"/>
-                <a:ea typeface="a로케트" pitchFamily="18" charset="-127"/>
-              </a:rPr>
-              <a:t> 조별 과제</a:t>
-            </a:r>
-          </a:p>
-        </p:txBody>
-      </p:sp>
     </p:spTree>
     <p:extLst>
       <p:ext uri="{BB962C8B-B14F-4D97-AF65-F5344CB8AC3E}">
@@ -11893,7 +13084,7 @@
 </p:sld>
 </file>
 
-<file path=ppt/slides/slide7.xml><?xml version="1.0" encoding="utf-8"?>
+<file path=ppt/slides/slide9.xml><?xml version="1.0" encoding="utf-8"?>
 <p:sld xmlns:a="http://schemas.openxmlformats.org/drawingml/2006/main" xmlns:r="http://schemas.openxmlformats.org/officeDocument/2006/relationships" xmlns:p="http://schemas.openxmlformats.org/presentationml/2006/main">
   <p:cSld>
     <p:bg>
@@ -11920,73 +13111,310 @@
       </p:grpSpPr>
       <p:pic>
         <p:nvPicPr>
-          <p:cNvPr id="9" name="그림 8">
-            <a:extLst>
-              <a:ext uri="{FF2B5EF4-FFF2-40B4-BE49-F238E27FC236}">
-                <a16:creationId xmlns:a16="http://schemas.microsoft.com/office/drawing/2014/main" id="{3F8C2DEF-E4C4-4D25-901E-9BC60836EC91}"/>
+          <p:cNvPr id="27" name="Picture 2">
+            <a:extLst>
+              <a:ext uri="{FF2B5EF4-FFF2-40B4-BE49-F238E27FC236}">
+                <a16:creationId xmlns:a16="http://schemas.microsoft.com/office/drawing/2014/main" id="{7F153675-F9EE-43F5-B2FA-34864A06FAE9}"/>
               </a:ext>
             </a:extLst>
           </p:cNvPr>
           <p:cNvPicPr>
-            <a:picLocks noChangeAspect="1"/>
+            <a:picLocks noChangeAspect="1" noChangeArrowheads="1"/>
           </p:cNvPicPr>
           <p:nvPr/>
         </p:nvPicPr>
-        <p:blipFill>
-          <a:blip r:embed="rId2">
-            <a:extLst>
-              <a:ext uri="{28A0092B-C50C-407E-A947-70E740481C1C}">
-                <a14:useLocalDpi xmlns:a14="http://schemas.microsoft.com/office/drawing/2010/main" val="0"/>
-              </a:ext>
-            </a:extLst>
-          </a:blip>
-          <a:stretch>
-            <a:fillRect/>
-          </a:stretch>
+        <p:blipFill rotWithShape="1">
+          <a:blip r:embed="rId2"/>
+          <a:srcRect r="37653"/>
+          <a:stretch/>
         </p:blipFill>
-        <p:spPr>
+        <p:spPr bwMode="auto">
           <a:xfrm>
-            <a:off x="3295744" y="1554871"/>
-            <a:ext cx="5600512" cy="3748258"/>
-          </a:xfrm>
-          <a:prstGeom prst="rect">
-            <a:avLst/>
-          </a:prstGeom>
-        </p:spPr>
-      </p:pic>
-      <p:sp>
-        <p:nvSpPr>
-          <p:cNvPr id="12" name="직사각형 11">
-            <a:extLst>
-              <a:ext uri="{FF2B5EF4-FFF2-40B4-BE49-F238E27FC236}">
-                <a16:creationId xmlns:a16="http://schemas.microsoft.com/office/drawing/2014/main" id="{D4959F00-6E4B-40D7-8B1D-82DA7045A2E0}"/>
-              </a:ext>
-            </a:extLst>
-          </p:cNvPr>
-          <p:cNvSpPr/>
-          <p:nvPr/>
-        </p:nvSpPr>
-        <p:spPr>
-          <a:xfrm>
-            <a:off x="2022060" y="4252633"/>
-            <a:ext cx="1841127" cy="2100991"/>
+            <a:off x="31119" y="-213881"/>
+            <a:ext cx="12191999" cy="6858000"/>
           </a:xfrm>
           <a:prstGeom prst="rect">
             <a:avLst/>
           </a:prstGeom>
           <a:noFill/>
-          <a:ln w="95250">
-            <a:solidFill>
-              <a:schemeClr val="bg1"/>
-            </a:solidFill>
+          <a:ln w="9525">
+            <a:noFill/>
+            <a:miter lim="800000"/>
+            <a:headEnd/>
+            <a:tailEnd/>
           </a:ln>
-          <a:effectLst>
-            <a:outerShdw blurRad="50800" dist="88900" dir="2700000" algn="tl" rotWithShape="0">
-              <a:prstClr val="black">
-                <a:alpha val="40000"/>
-              </a:prstClr>
-            </a:outerShdw>
-          </a:effectLst>
+          <a:effectLst/>
+        </p:spPr>
+      </p:pic>
+      <p:sp>
+        <p:nvSpPr>
+          <p:cNvPr id="2" name="제목 1">
+            <a:extLst>
+              <a:ext uri="{FF2B5EF4-FFF2-40B4-BE49-F238E27FC236}">
+                <a16:creationId xmlns:a16="http://schemas.microsoft.com/office/drawing/2014/main" id="{73BF40CC-AADC-44FA-8FAF-75C5B02CAEE5}"/>
+              </a:ext>
+            </a:extLst>
+          </p:cNvPr>
+          <p:cNvSpPr>
+            <a:spLocks noGrp="1"/>
+          </p:cNvSpPr>
+          <p:nvPr>
+            <p:ph type="title"/>
+          </p:nvPr>
+        </p:nvSpPr>
+        <p:spPr>
+          <a:xfrm>
+            <a:off x="838199" y="365125"/>
+            <a:ext cx="3024673" cy="1325563"/>
+          </a:xfrm>
+        </p:spPr>
+        <p:txBody>
+          <a:bodyPr/>
+          <a:lstStyle/>
+          <a:p>
+            <a:r>
+              <a:rPr lang="ko-KR" altLang="en-US" dirty="0">
+                <a:effectLst>
+                  <a:outerShdw blurRad="50800" dist="38100" dir="2700000" algn="tl" rotWithShape="0">
+                    <a:prstClr val="black">
+                      <a:alpha val="40000"/>
+                    </a:prstClr>
+                  </a:outerShdw>
+                </a:effectLst>
+                <a:latin typeface="a로케트" panose="02020600000000000000" pitchFamily="18" charset="-127"/>
+                <a:ea typeface="a로케트" panose="02020600000000000000" pitchFamily="18" charset="-127"/>
+              </a:rPr>
+              <a:t>스케줄</a:t>
+            </a:r>
+          </a:p>
+        </p:txBody>
+      </p:sp>
+      <p:sp>
+        <p:nvSpPr>
+          <p:cNvPr id="7" name="TextBox 6">
+            <a:extLst>
+              <a:ext uri="{FF2B5EF4-FFF2-40B4-BE49-F238E27FC236}">
+                <a16:creationId xmlns:a16="http://schemas.microsoft.com/office/drawing/2014/main" id="{99E77E85-DCB9-4002-B292-7D48770956C7}"/>
+              </a:ext>
+            </a:extLst>
+          </p:cNvPr>
+          <p:cNvSpPr txBox="1"/>
+          <p:nvPr/>
+        </p:nvSpPr>
+        <p:spPr>
+          <a:xfrm>
+            <a:off x="410658" y="158755"/>
+            <a:ext cx="697627" cy="1323439"/>
+          </a:xfrm>
+          <a:prstGeom prst="rect">
+            <a:avLst/>
+          </a:prstGeom>
+          <a:noFill/>
+        </p:spPr>
+        <p:txBody>
+          <a:bodyPr wrap="none" rtlCol="0">
+            <a:spAutoFit/>
+          </a:bodyPr>
+          <a:lstStyle/>
+          <a:p>
+            <a:r>
+              <a:rPr lang="en-US" altLang="ko-KR" sz="8000" dirty="0">
+                <a:effectLst>
+                  <a:outerShdw blurRad="50800" dist="38100" dir="2700000" algn="tl" rotWithShape="0">
+                    <a:prstClr val="black">
+                      <a:alpha val="40000"/>
+                    </a:prstClr>
+                  </a:outerShdw>
+                </a:effectLst>
+                <a:latin typeface="a로케트" panose="02020600000000000000" pitchFamily="18" charset="-127"/>
+                <a:ea typeface="a로케트" panose="02020600000000000000" pitchFamily="18" charset="-127"/>
+              </a:rPr>
+              <a:t>“</a:t>
+            </a:r>
+            <a:endParaRPr lang="ko-KR" altLang="en-US" sz="8000" dirty="0">
+              <a:effectLst>
+                <a:outerShdw blurRad="50800" dist="38100" dir="2700000" algn="tl" rotWithShape="0">
+                  <a:prstClr val="black">
+                    <a:alpha val="40000"/>
+                  </a:prstClr>
+                </a:outerShdw>
+              </a:effectLst>
+              <a:latin typeface="a로케트" panose="02020600000000000000" pitchFamily="18" charset="-127"/>
+              <a:ea typeface="a로케트" panose="02020600000000000000" pitchFamily="18" charset="-127"/>
+            </a:endParaRPr>
+          </a:p>
+        </p:txBody>
+      </p:sp>
+      <p:sp>
+        <p:nvSpPr>
+          <p:cNvPr id="46" name="TextBox 45">
+            <a:extLst>
+              <a:ext uri="{FF2B5EF4-FFF2-40B4-BE49-F238E27FC236}">
+                <a16:creationId xmlns:a16="http://schemas.microsoft.com/office/drawing/2014/main" id="{98A5D4B7-802B-4C87-98E7-3A5B32CF9959}"/>
+              </a:ext>
+            </a:extLst>
+          </p:cNvPr>
+          <p:cNvSpPr txBox="1"/>
+          <p:nvPr/>
+        </p:nvSpPr>
+        <p:spPr>
+          <a:xfrm>
+            <a:off x="10514138" y="6469336"/>
+            <a:ext cx="1426994" cy="200055"/>
+          </a:xfrm>
+          <a:prstGeom prst="rect">
+            <a:avLst/>
+          </a:prstGeom>
+          <a:noFill/>
+        </p:spPr>
+        <p:txBody>
+          <a:bodyPr wrap="none" rtlCol="0">
+            <a:spAutoFit/>
+          </a:bodyPr>
+          <a:lstStyle/>
+          <a:p>
+            <a:r>
+              <a:rPr lang="en-US" altLang="ko-KR" sz="700" dirty="0" err="1">
+                <a:solidFill>
+                  <a:schemeClr val="tx1">
+                    <a:lumMod val="65000"/>
+                    <a:lumOff val="35000"/>
+                  </a:schemeClr>
+                </a:solidFill>
+                <a:latin typeface="a로케트" pitchFamily="18" charset="-127"/>
+                <a:ea typeface="a로케트" pitchFamily="18" charset="-127"/>
+              </a:rPr>
+              <a:t>Powerpoint</a:t>
+            </a:r>
+            <a:r>
+              <a:rPr lang="en-US" altLang="ko-KR" sz="700" dirty="0">
+                <a:solidFill>
+                  <a:schemeClr val="tx1">
+                    <a:lumMod val="65000"/>
+                    <a:lumOff val="35000"/>
+                  </a:schemeClr>
+                </a:solidFill>
+                <a:latin typeface="a로케트" pitchFamily="18" charset="-127"/>
+                <a:ea typeface="a로케트" pitchFamily="18" charset="-127"/>
+              </a:rPr>
+              <a:t> : </a:t>
+            </a:r>
+            <a:r>
+              <a:rPr lang="en-US" altLang="ko-KR" sz="700" dirty="0" err="1">
+                <a:solidFill>
+                  <a:schemeClr val="tx1">
+                    <a:lumMod val="65000"/>
+                    <a:lumOff val="35000"/>
+                  </a:schemeClr>
+                </a:solidFill>
+                <a:latin typeface="a로케트" pitchFamily="18" charset="-127"/>
+                <a:ea typeface="a로케트" pitchFamily="18" charset="-127"/>
+              </a:rPr>
+              <a:t>team_project</a:t>
+            </a:r>
+            <a:endParaRPr lang="ko-KR" altLang="en-US" sz="700" dirty="0">
+              <a:solidFill>
+                <a:schemeClr val="tx1">
+                  <a:lumMod val="65000"/>
+                  <a:lumOff val="35000"/>
+                </a:schemeClr>
+              </a:solidFill>
+              <a:latin typeface="a로케트" pitchFamily="18" charset="-127"/>
+              <a:ea typeface="a로케트" pitchFamily="18" charset="-127"/>
+            </a:endParaRPr>
+          </a:p>
+        </p:txBody>
+      </p:sp>
+      <p:sp>
+        <p:nvSpPr>
+          <p:cNvPr id="47" name="TextBox 46">
+            <a:extLst>
+              <a:ext uri="{FF2B5EF4-FFF2-40B4-BE49-F238E27FC236}">
+                <a16:creationId xmlns:a16="http://schemas.microsoft.com/office/drawing/2014/main" id="{08CC5729-0593-4647-986D-82D68BE51E7B}"/>
+              </a:ext>
+            </a:extLst>
+          </p:cNvPr>
+          <p:cNvSpPr txBox="1"/>
+          <p:nvPr/>
+        </p:nvSpPr>
+        <p:spPr>
+          <a:xfrm>
+            <a:off x="11157080" y="6644119"/>
+            <a:ext cx="1003801" cy="169277"/>
+          </a:xfrm>
+          <a:prstGeom prst="rect">
+            <a:avLst/>
+          </a:prstGeom>
+          <a:noFill/>
+        </p:spPr>
+        <p:txBody>
+          <a:bodyPr wrap="none" rtlCol="0">
+            <a:spAutoFit/>
+          </a:bodyPr>
+          <a:lstStyle/>
+          <a:p>
+            <a:r>
+              <a:rPr lang="en-US" altLang="ko-KR" sz="500" dirty="0">
+                <a:solidFill>
+                  <a:schemeClr val="tx1">
+                    <a:lumMod val="65000"/>
+                    <a:lumOff val="35000"/>
+                  </a:schemeClr>
+                </a:solidFill>
+                <a:latin typeface="a로케트" pitchFamily="18" charset="-127"/>
+                <a:ea typeface="a로케트" pitchFamily="18" charset="-127"/>
+              </a:rPr>
+              <a:t>BIG DATA </a:t>
+            </a:r>
+            <a:r>
+              <a:rPr lang="ko-KR" altLang="en-US" sz="500" dirty="0" err="1">
+                <a:solidFill>
+                  <a:schemeClr val="tx1">
+                    <a:lumMod val="65000"/>
+                    <a:lumOff val="35000"/>
+                  </a:schemeClr>
+                </a:solidFill>
+                <a:latin typeface="a로케트" pitchFamily="18" charset="-127"/>
+                <a:ea typeface="a로케트" pitchFamily="18" charset="-127"/>
+              </a:rPr>
+              <a:t>첫번째</a:t>
+            </a:r>
+            <a:r>
+              <a:rPr lang="ko-KR" altLang="en-US" sz="500" dirty="0">
+                <a:solidFill>
+                  <a:schemeClr val="tx1">
+                    <a:lumMod val="65000"/>
+                    <a:lumOff val="35000"/>
+                  </a:schemeClr>
+                </a:solidFill>
+                <a:latin typeface="a로케트" pitchFamily="18" charset="-127"/>
+                <a:ea typeface="a로케트" pitchFamily="18" charset="-127"/>
+              </a:rPr>
+              <a:t> 조별 과제</a:t>
+            </a:r>
+          </a:p>
+        </p:txBody>
+      </p:sp>
+      <p:sp>
+        <p:nvSpPr>
+          <p:cNvPr id="20" name="화살표: 갈매기형 수장 19">
+            <a:extLst>
+              <a:ext uri="{FF2B5EF4-FFF2-40B4-BE49-F238E27FC236}">
+                <a16:creationId xmlns:a16="http://schemas.microsoft.com/office/drawing/2014/main" id="{954FE46C-D6B5-4BC4-819A-DFE459A60B83}"/>
+              </a:ext>
+            </a:extLst>
+          </p:cNvPr>
+          <p:cNvSpPr/>
+          <p:nvPr/>
+        </p:nvSpPr>
+        <p:spPr>
+          <a:xfrm>
+            <a:off x="2013752" y="2361460"/>
+            <a:ext cx="1802169" cy="781236"/>
+          </a:xfrm>
+          <a:prstGeom prst="chevron">
+            <a:avLst/>
+          </a:prstGeom>
         </p:spPr>
         <p:style>
           <a:lnRef idx="2">
@@ -12009,20 +13437,47 @@
           <a:lstStyle/>
           <a:p>
             <a:pPr algn="ctr"/>
-            <a:endParaRPr lang="ko-KR" altLang="en-US">
+            <a:r>
+              <a:rPr lang="en-US" altLang="ko-KR" dirty="0">
+                <a:solidFill>
+                  <a:schemeClr val="tx1"/>
+                </a:solidFill>
+              </a:rPr>
+              <a:t>1</a:t>
+            </a:r>
+            <a:r>
+              <a:rPr lang="ko-KR" altLang="en-US" dirty="0">
+                <a:solidFill>
+                  <a:schemeClr val="tx1"/>
+                </a:solidFill>
+              </a:rPr>
+              <a:t>일차</a:t>
+            </a:r>
+            <a:endParaRPr lang="en-US" altLang="ko-KR" dirty="0">
               <a:solidFill>
-                <a:schemeClr val="bg1"/>
+                <a:schemeClr val="tx1"/>
               </a:solidFill>
             </a:endParaRPr>
+          </a:p>
+          <a:p>
+            <a:pPr algn="ctr"/>
+            <a:r>
+              <a:rPr lang="ko-KR" altLang="en-US" dirty="0">
+                <a:solidFill>
+                  <a:schemeClr val="tx1"/>
+                </a:solidFill>
+              </a:rPr>
+              <a:t>데이터 수집</a:t>
+            </a:r>
           </a:p>
         </p:txBody>
       </p:sp>
       <p:sp>
         <p:nvSpPr>
-          <p:cNvPr id="13" name="직사각형 12">
-            <a:extLst>
-              <a:ext uri="{FF2B5EF4-FFF2-40B4-BE49-F238E27FC236}">
-                <a16:creationId xmlns:a16="http://schemas.microsoft.com/office/drawing/2014/main" id="{E8457A9C-8828-45E5-8C43-8EA391CC31F4}"/>
+          <p:cNvPr id="22" name="화살표: 갈매기형 수장 21">
+            <a:extLst>
+              <a:ext uri="{FF2B5EF4-FFF2-40B4-BE49-F238E27FC236}">
+                <a16:creationId xmlns:a16="http://schemas.microsoft.com/office/drawing/2014/main" id="{619D43C0-503E-45BA-A6ED-D5704CACA946}"/>
               </a:ext>
             </a:extLst>
           </p:cNvPr>
@@ -12031,25 +13486,12 @@
         </p:nvSpPr>
         <p:spPr>
           <a:xfrm>
-            <a:off x="8674785" y="700012"/>
-            <a:ext cx="2484627" cy="1270721"/>
-          </a:xfrm>
-          <a:prstGeom prst="rect">
+            <a:off x="3577701" y="2361460"/>
+            <a:ext cx="1802169" cy="781236"/>
+          </a:xfrm>
+          <a:prstGeom prst="chevron">
             <a:avLst/>
           </a:prstGeom>
-          <a:noFill/>
-          <a:ln w="95250">
-            <a:solidFill>
-              <a:schemeClr val="bg1"/>
-            </a:solidFill>
-          </a:ln>
-          <a:effectLst>
-            <a:outerShdw blurRad="50800" dist="88900" dir="2700000" algn="tl" rotWithShape="0">
-              <a:prstClr val="black">
-                <a:alpha val="40000"/>
-              </a:prstClr>
-            </a:outerShdw>
-          </a:effectLst>
         </p:spPr>
         <p:style>
           <a:lnRef idx="2">
@@ -12072,9 +13514,49 @@
           <a:lstStyle/>
           <a:p>
             <a:pPr algn="ctr"/>
-            <a:endParaRPr lang="ko-KR" altLang="en-US">
+            <a:r>
+              <a:rPr lang="en-US" altLang="ko-KR" dirty="0">
+                <a:solidFill>
+                  <a:schemeClr val="tx1"/>
+                </a:solidFill>
+              </a:rPr>
+              <a:t>2</a:t>
+            </a:r>
+            <a:r>
+              <a:rPr lang="ko-KR" altLang="en-US" dirty="0">
+                <a:solidFill>
+                  <a:schemeClr val="tx1"/>
+                </a:solidFill>
+              </a:rPr>
+              <a:t>일차</a:t>
+            </a:r>
+            <a:endParaRPr lang="en-US" altLang="ko-KR" dirty="0">
               <a:solidFill>
-                <a:schemeClr val="bg1"/>
+                <a:schemeClr val="tx1"/>
+              </a:solidFill>
+            </a:endParaRPr>
+          </a:p>
+          <a:p>
+            <a:pPr algn="ctr"/>
+            <a:r>
+              <a:rPr lang="ko-KR" altLang="en-US" dirty="0">
+                <a:solidFill>
+                  <a:schemeClr val="tx1"/>
+                </a:solidFill>
+              </a:rPr>
+              <a:t>데이터 </a:t>
+            </a:r>
+            <a:r>
+              <a:rPr lang="ko-KR" altLang="en-US" dirty="0" err="1">
+                <a:solidFill>
+                  <a:schemeClr val="tx1"/>
+                </a:solidFill>
+              </a:rPr>
+              <a:t>전처리</a:t>
+            </a:r>
+            <a:endParaRPr lang="ko-KR" altLang="en-US" dirty="0">
+              <a:solidFill>
+                <a:schemeClr val="tx1"/>
               </a:solidFill>
             </a:endParaRPr>
           </a:p>
@@ -12082,10 +13564,10 @@
       </p:sp>
       <p:sp>
         <p:nvSpPr>
-          <p:cNvPr id="15" name="직사각형 14">
-            <a:extLst>
-              <a:ext uri="{FF2B5EF4-FFF2-40B4-BE49-F238E27FC236}">
-                <a16:creationId xmlns:a16="http://schemas.microsoft.com/office/drawing/2014/main" id="{908B1102-9107-4125-9BB3-C2089AA7330F}"/>
+          <p:cNvPr id="23" name="화살표: 갈매기형 수장 22">
+            <a:extLst>
+              <a:ext uri="{FF2B5EF4-FFF2-40B4-BE49-F238E27FC236}">
+                <a16:creationId xmlns:a16="http://schemas.microsoft.com/office/drawing/2014/main" id="{63AD7E0D-00E6-45C3-B929-DCD8E91BA300}"/>
               </a:ext>
             </a:extLst>
           </p:cNvPr>
@@ -12094,25 +13576,12 @@
         </p:nvSpPr>
         <p:spPr>
           <a:xfrm>
-            <a:off x="-746022" y="-289249"/>
-            <a:ext cx="1847034" cy="1611902"/>
-          </a:xfrm>
-          <a:prstGeom prst="rect">
+            <a:off x="5141650" y="2361460"/>
+            <a:ext cx="1802169" cy="781236"/>
+          </a:xfrm>
+          <a:prstGeom prst="chevron">
             <a:avLst/>
           </a:prstGeom>
-          <a:noFill/>
-          <a:ln w="76200">
-            <a:solidFill>
-              <a:schemeClr val="bg1"/>
-            </a:solidFill>
-          </a:ln>
-          <a:effectLst>
-            <a:outerShdw blurRad="50800" dist="88900" dir="2700000" algn="tl" rotWithShape="0">
-              <a:prstClr val="black">
-                <a:alpha val="40000"/>
-              </a:prstClr>
-            </a:outerShdw>
-          </a:effectLst>
         </p:spPr>
         <p:style>
           <a:lnRef idx="2">
@@ -12135,20 +13604,47 @@
           <a:lstStyle/>
           <a:p>
             <a:pPr algn="ctr"/>
-            <a:endParaRPr lang="ko-KR" altLang="en-US">
+            <a:r>
+              <a:rPr lang="en-US" altLang="ko-KR" dirty="0">
+                <a:solidFill>
+                  <a:schemeClr val="tx1"/>
+                </a:solidFill>
+              </a:rPr>
+              <a:t>3</a:t>
+            </a:r>
+            <a:r>
+              <a:rPr lang="ko-KR" altLang="en-US" dirty="0">
+                <a:solidFill>
+                  <a:schemeClr val="tx1"/>
+                </a:solidFill>
+              </a:rPr>
+              <a:t>일차</a:t>
+            </a:r>
+            <a:endParaRPr lang="en-US" altLang="ko-KR" dirty="0">
               <a:solidFill>
-                <a:schemeClr val="bg1"/>
+                <a:schemeClr val="tx1"/>
               </a:solidFill>
             </a:endParaRPr>
+          </a:p>
+          <a:p>
+            <a:pPr algn="ctr"/>
+            <a:r>
+              <a:rPr lang="ko-KR" altLang="en-US" dirty="0">
+                <a:solidFill>
+                  <a:schemeClr val="tx1"/>
+                </a:solidFill>
+              </a:rPr>
+              <a:t>데이터 분석</a:t>
+            </a:r>
           </a:p>
         </p:txBody>
       </p:sp>
       <p:sp>
         <p:nvSpPr>
-          <p:cNvPr id="14" name="직사각형 13">
-            <a:extLst>
-              <a:ext uri="{FF2B5EF4-FFF2-40B4-BE49-F238E27FC236}">
-                <a16:creationId xmlns:a16="http://schemas.microsoft.com/office/drawing/2014/main" id="{480D77CA-EF86-417A-B4F5-E2CF9AD34C42}"/>
+          <p:cNvPr id="28" name="화살표: 갈매기형 수장 27">
+            <a:extLst>
+              <a:ext uri="{FF2B5EF4-FFF2-40B4-BE49-F238E27FC236}">
+                <a16:creationId xmlns:a16="http://schemas.microsoft.com/office/drawing/2014/main" id="{723F1885-967E-4976-A22D-AE7B2797953F}"/>
               </a:ext>
             </a:extLst>
           </p:cNvPr>
@@ -12157,25 +13653,12 @@
         </p:nvSpPr>
         <p:spPr>
           <a:xfrm>
-            <a:off x="519831" y="377967"/>
-            <a:ext cx="2120732" cy="1889372"/>
-          </a:xfrm>
-          <a:prstGeom prst="rect">
+            <a:off x="6705599" y="2361460"/>
+            <a:ext cx="1802169" cy="781236"/>
+          </a:xfrm>
+          <a:prstGeom prst="chevron">
             <a:avLst/>
           </a:prstGeom>
-          <a:noFill/>
-          <a:ln w="95250">
-            <a:solidFill>
-              <a:schemeClr val="bg1"/>
-            </a:solidFill>
-          </a:ln>
-          <a:effectLst>
-            <a:outerShdw blurRad="50800" dist="88900" dir="2700000" algn="tl" rotWithShape="0">
-              <a:prstClr val="black">
-                <a:alpha val="40000"/>
-              </a:prstClr>
-            </a:outerShdw>
-          </a:effectLst>
         </p:spPr>
         <p:style>
           <a:lnRef idx="2">
@@ -12198,170 +13681,127 @@
           <a:lstStyle/>
           <a:p>
             <a:pPr algn="ctr"/>
-            <a:endParaRPr lang="ko-KR" altLang="en-US">
+            <a:r>
+              <a:rPr lang="en-US" altLang="ko-KR" dirty="0">
+                <a:solidFill>
+                  <a:schemeClr val="tx1"/>
+                </a:solidFill>
+              </a:rPr>
+              <a:t>4</a:t>
+            </a:r>
+            <a:r>
+              <a:rPr lang="ko-KR" altLang="en-US" dirty="0">
+                <a:solidFill>
+                  <a:schemeClr val="tx1"/>
+                </a:solidFill>
+              </a:rPr>
+              <a:t>일차</a:t>
+            </a:r>
+            <a:endParaRPr lang="en-US" altLang="ko-KR" dirty="0">
               <a:solidFill>
-                <a:schemeClr val="bg1"/>
+                <a:schemeClr val="tx1"/>
               </a:solidFill>
             </a:endParaRPr>
           </a:p>
+          <a:p>
+            <a:pPr algn="ctr"/>
+            <a:r>
+              <a:rPr lang="ko-KR" altLang="en-US" dirty="0">
+                <a:solidFill>
+                  <a:schemeClr val="tx1"/>
+                </a:solidFill>
+              </a:rPr>
+              <a:t>예측 모델 완성</a:t>
+            </a:r>
+            <a:endParaRPr lang="en-US" altLang="ko-KR" dirty="0">
+              <a:solidFill>
+                <a:schemeClr val="tx1"/>
+              </a:solidFill>
+            </a:endParaRPr>
+          </a:p>
         </p:txBody>
       </p:sp>
-      <p:grpSp>
-        <p:nvGrpSpPr>
-          <p:cNvPr id="18" name="그룹 17">
-            <a:extLst>
-              <a:ext uri="{FF2B5EF4-FFF2-40B4-BE49-F238E27FC236}">
-                <a16:creationId xmlns:a16="http://schemas.microsoft.com/office/drawing/2014/main" id="{7784A515-F0BB-48C6-A18C-C384309AEF9D}"/>
-              </a:ext>
-            </a:extLst>
-          </p:cNvPr>
-          <p:cNvGrpSpPr/>
+      <p:sp>
+        <p:nvSpPr>
+          <p:cNvPr id="29" name="화살표: 갈매기형 수장 28">
+            <a:extLst>
+              <a:ext uri="{FF2B5EF4-FFF2-40B4-BE49-F238E27FC236}">
+                <a16:creationId xmlns:a16="http://schemas.microsoft.com/office/drawing/2014/main" id="{293543A0-2BBF-4A7A-85A6-3DBC53E0CDC1}"/>
+              </a:ext>
+            </a:extLst>
+          </p:cNvPr>
+          <p:cNvSpPr/>
           <p:nvPr/>
-        </p:nvGrpSpPr>
-        <p:grpSpPr>
+        </p:nvSpPr>
+        <p:spPr>
           <a:xfrm>
-            <a:off x="4840837" y="5522627"/>
-            <a:ext cx="3105337" cy="896214"/>
-            <a:chOff x="4840837" y="5522627"/>
-            <a:chExt cx="3105337" cy="896214"/>
-          </a:xfrm>
-        </p:grpSpPr>
-        <p:sp>
-          <p:nvSpPr>
-            <p:cNvPr id="16" name="TextBox 15">
-              <a:extLst>
-                <a:ext uri="{FF2B5EF4-FFF2-40B4-BE49-F238E27FC236}">
-                  <a16:creationId xmlns:a16="http://schemas.microsoft.com/office/drawing/2014/main" id="{7A375998-E84C-4241-A072-47F216157246}"/>
-                </a:ext>
-              </a:extLst>
-            </p:cNvPr>
-            <p:cNvSpPr txBox="1"/>
-            <p:nvPr/>
-          </p:nvSpPr>
-          <p:spPr>
-            <a:xfrm>
-              <a:off x="4840837" y="5710955"/>
-              <a:ext cx="3105337" cy="707886"/>
-            </a:xfrm>
-            <a:prstGeom prst="rect">
-              <a:avLst/>
-            </a:prstGeom>
-            <a:noFill/>
-          </p:spPr>
-          <p:txBody>
-            <a:bodyPr wrap="none" rtlCol="0">
-              <a:spAutoFit/>
-            </a:bodyPr>
-            <a:lstStyle/>
-            <a:p>
-              <a:r>
-                <a:rPr lang="en-US" altLang="ko-KR" sz="4000" dirty="0">
-                  <a:ln>
-                    <a:solidFill>
-                      <a:schemeClr val="accent1">
-                        <a:alpha val="0"/>
-                      </a:schemeClr>
-                    </a:solidFill>
-                  </a:ln>
-                  <a:solidFill>
-                    <a:schemeClr val="tx1">
-                      <a:lumMod val="85000"/>
-                      <a:lumOff val="15000"/>
-                    </a:schemeClr>
-                  </a:solidFill>
-                  <a:latin typeface="a로케트" pitchFamily="18" charset="-127"/>
-                  <a:ea typeface="a로케트" pitchFamily="18" charset="-127"/>
-                </a:rPr>
-                <a:t>- The End -</a:t>
-              </a:r>
-              <a:endParaRPr lang="ko-KR" altLang="en-US" sz="4000" dirty="0">
-                <a:ln>
-                  <a:solidFill>
-                    <a:schemeClr val="accent1">
-                      <a:alpha val="0"/>
-                    </a:schemeClr>
-                  </a:solidFill>
-                </a:ln>
-                <a:solidFill>
-                  <a:schemeClr val="tx1">
-                    <a:lumMod val="85000"/>
-                    <a:lumOff val="15000"/>
-                  </a:schemeClr>
-                </a:solidFill>
-                <a:latin typeface="a로케트" pitchFamily="18" charset="-127"/>
-                <a:ea typeface="a로케트" pitchFamily="18" charset="-127"/>
-              </a:endParaRPr>
-            </a:p>
-          </p:txBody>
-        </p:sp>
-        <p:sp>
-          <p:nvSpPr>
-            <p:cNvPr id="17" name="TextBox 16">
-              <a:extLst>
-                <a:ext uri="{FF2B5EF4-FFF2-40B4-BE49-F238E27FC236}">
-                  <a16:creationId xmlns:a16="http://schemas.microsoft.com/office/drawing/2014/main" id="{092DB11B-C5DD-4480-A858-2718913CAE6F}"/>
-                </a:ext>
-              </a:extLst>
-            </p:cNvPr>
-            <p:cNvSpPr txBox="1"/>
-            <p:nvPr/>
-          </p:nvSpPr>
-          <p:spPr>
-            <a:xfrm>
-              <a:off x="4980796" y="5522627"/>
-              <a:ext cx="527709" cy="830997"/>
-            </a:xfrm>
-            <a:prstGeom prst="rect">
-              <a:avLst/>
-            </a:prstGeom>
-            <a:noFill/>
-            <a:effectLst>
-              <a:outerShdw blurRad="50800" dist="38100" dir="2700000" algn="tl" rotWithShape="0">
-                <a:prstClr val="black">
-                  <a:alpha val="40000"/>
-                </a:prstClr>
-              </a:outerShdw>
-            </a:effectLst>
-          </p:spPr>
-          <p:txBody>
-            <a:bodyPr wrap="none" rtlCol="0">
-              <a:spAutoFit/>
-            </a:bodyPr>
-            <a:lstStyle/>
-            <a:p>
-              <a:r>
-                <a:rPr lang="en-US" altLang="ko-KR" sz="4800" b="1" dirty="0">
-                  <a:solidFill>
-                    <a:schemeClr val="tx1">
-                      <a:lumMod val="85000"/>
-                      <a:lumOff val="15000"/>
-                    </a:schemeClr>
-                  </a:solidFill>
-                  <a:latin typeface="Arial Black" panose="020B0A04020102020204" pitchFamily="34" charset="0"/>
-                  <a:ea typeface="HY강B" pitchFamily="18" charset="-127"/>
-                  <a:cs typeface="Leelawadee" panose="020B0502040204020203" pitchFamily="34" charset="-34"/>
-                </a:rPr>
-                <a:t>*</a:t>
-              </a:r>
-              <a:endParaRPr lang="ko-KR" altLang="en-US" sz="4800" b="1" dirty="0">
-                <a:solidFill>
-                  <a:schemeClr val="tx1">
-                    <a:lumMod val="85000"/>
-                    <a:lumOff val="15000"/>
-                  </a:schemeClr>
-                </a:solidFill>
-                <a:latin typeface="Arial Black" panose="020B0A04020102020204" pitchFamily="34" charset="0"/>
-                <a:ea typeface="HY강B" pitchFamily="18" charset="-127"/>
-                <a:cs typeface="Leelawadee" panose="020B0502040204020203" pitchFamily="34" charset="-34"/>
-              </a:endParaRPr>
-            </a:p>
-          </p:txBody>
-        </p:sp>
-      </p:grpSp>
+            <a:off x="8269548" y="2361460"/>
+            <a:ext cx="1802169" cy="781236"/>
+          </a:xfrm>
+          <a:prstGeom prst="chevron">
+            <a:avLst/>
+          </a:prstGeom>
+        </p:spPr>
+        <p:style>
+          <a:lnRef idx="2">
+            <a:schemeClr val="accent1">
+              <a:shade val="50000"/>
+            </a:schemeClr>
+          </a:lnRef>
+          <a:fillRef idx="1">
+            <a:schemeClr val="accent1"/>
+          </a:fillRef>
+          <a:effectRef idx="0">
+            <a:schemeClr val="accent1"/>
+          </a:effectRef>
+          <a:fontRef idx="minor">
+            <a:schemeClr val="lt1"/>
+          </a:fontRef>
+        </p:style>
+        <p:txBody>
+          <a:bodyPr rtlCol="0" anchor="ctr"/>
+          <a:lstStyle/>
+          <a:p>
+            <a:pPr algn="ctr"/>
+            <a:r>
+              <a:rPr lang="en-US" altLang="ko-KR" dirty="0">
+                <a:solidFill>
+                  <a:schemeClr val="tx1"/>
+                </a:solidFill>
+              </a:rPr>
+              <a:t>5</a:t>
+            </a:r>
+            <a:r>
+              <a:rPr lang="ko-KR" altLang="en-US" dirty="0">
+                <a:solidFill>
+                  <a:schemeClr val="tx1"/>
+                </a:solidFill>
+              </a:rPr>
+              <a:t>일차</a:t>
+            </a:r>
+            <a:endParaRPr lang="en-US" altLang="ko-KR" dirty="0">
+              <a:solidFill>
+                <a:schemeClr val="tx1"/>
+              </a:solidFill>
+            </a:endParaRPr>
+          </a:p>
+          <a:p>
+            <a:pPr algn="ctr"/>
+            <a:r>
+              <a:rPr lang="ko-KR" altLang="en-US" dirty="0">
+                <a:solidFill>
+                  <a:schemeClr val="tx1"/>
+                </a:solidFill>
+              </a:rPr>
+              <a:t>예측 모델 평가</a:t>
+            </a:r>
+          </a:p>
+        </p:txBody>
+      </p:sp>
     </p:spTree>
     <p:extLst>
       <p:ext uri="{BB962C8B-B14F-4D97-AF65-F5344CB8AC3E}">
-        <p14:creationId xmlns:p14="http://schemas.microsoft.com/office/powerpoint/2010/main" val="1583486181"/>
+        <p14:creationId xmlns:p14="http://schemas.microsoft.com/office/powerpoint/2010/main" val="976871034"/>
       </p:ext>
     </p:extLst>
   </p:cSld>
